--- a/presen/感情衛星「ひまわり」の発表シナリオ.pptx
+++ b/presen/感情衛星「ひまわり」の発表シナリオ.pptx
@@ -3,16 +3,14 @@
 <p:presentation xmlns:a="http://schemas.openxmlformats.org/drawingml/2006/main" xmlns:r="http://schemas.openxmlformats.org/officeDocument/2006/relationships" xmlns:p="http://schemas.openxmlformats.org/presentationml/2006/main" autoCompressPictures="0">
   <p:sldMasterIdLst>
     <p:sldMasterId id="2147483648" r:id="rId1"/>
-    <p:sldMasterId id="2147483668" r:id="rId2"/>
   </p:sldMasterIdLst>
   <p:sldIdLst>
-    <p:sldId id="256" r:id="rId3"/>
-    <p:sldId id="257" r:id="rId4"/>
-    <p:sldId id="258" r:id="rId5"/>
-    <p:sldId id="264" r:id="rId6"/>
-    <p:sldId id="262" r:id="rId7"/>
-    <p:sldId id="260" r:id="rId8"/>
-    <p:sldId id="263" r:id="rId9"/>
+    <p:sldId id="256" r:id="rId2"/>
+    <p:sldId id="257" r:id="rId3"/>
+    <p:sldId id="258" r:id="rId4"/>
+    <p:sldId id="262" r:id="rId5"/>
+    <p:sldId id="260" r:id="rId6"/>
+    <p:sldId id="263" r:id="rId7"/>
   </p:sldIdLst>
   <p:sldSz cx="12192000" cy="6858000"/>
   <p:notesSz cx="6858000" cy="9144000"/>
@@ -2903,717 +2901,6 @@
 </p:sldLayout>
 </file>
 
-<file path=ppt/slideLayouts/slideLayout17.xml><?xml version="1.0" encoding="utf-8"?>
-<p:sldLayout xmlns:a="http://schemas.openxmlformats.org/drawingml/2006/main" xmlns:r="http://schemas.openxmlformats.org/officeDocument/2006/relationships" xmlns:p="http://schemas.openxmlformats.org/presentationml/2006/main" type="title" preserve="1">
-  <p:cSld name="Title Slide">
-    <p:spTree>
-      <p:nvGrpSpPr>
-        <p:cNvPr id="1" name=""/>
-        <p:cNvGrpSpPr/>
-        <p:nvPr/>
-      </p:nvGrpSpPr>
-      <p:grpSpPr>
-        <a:xfrm>
-          <a:off x="0" y="0"/>
-          <a:ext cx="0" cy="0"/>
-          <a:chOff x="0" y="0"/>
-          <a:chExt cx="0" cy="0"/>
-        </a:xfrm>
-      </p:grpSpPr>
-      <p:sp>
-        <p:nvSpPr>
-          <p:cNvPr id="2" name="Title 1"/>
-          <p:cNvSpPr>
-            <a:spLocks noGrp="1"/>
-          </p:cNvSpPr>
-          <p:nvPr>
-            <p:ph type="ctrTitle"/>
-          </p:nvPr>
-        </p:nvSpPr>
-        <p:spPr>
-          <a:xfrm>
-            <a:off x="914400" y="1122363"/>
-            <a:ext cx="10363200" cy="2387600"/>
-          </a:xfrm>
-        </p:spPr>
-        <p:txBody>
-          <a:bodyPr anchor="b"/>
-          <a:lstStyle>
-            <a:lvl1pPr algn="ctr">
-              <a:defRPr sz="6000"/>
-            </a:lvl1pPr>
-          </a:lstStyle>
-          <a:p>
-            <a:r>
-              <a:rPr lang="en-US" altLang="ja-JP"/>
-              <a:t>Click to edit Master title style</a:t>
-            </a:r>
-            <a:endParaRPr lang="en-US" dirty="0"/>
-          </a:p>
-        </p:txBody>
-      </p:sp>
-      <p:sp>
-        <p:nvSpPr>
-          <p:cNvPr id="3" name="Subtitle 2"/>
-          <p:cNvSpPr>
-            <a:spLocks noGrp="1"/>
-          </p:cNvSpPr>
-          <p:nvPr>
-            <p:ph type="subTitle" idx="1"/>
-          </p:nvPr>
-        </p:nvSpPr>
-        <p:spPr>
-          <a:xfrm>
-            <a:off x="1524000" y="3602038"/>
-            <a:ext cx="9144000" cy="1655762"/>
-          </a:xfrm>
-        </p:spPr>
-        <p:txBody>
-          <a:bodyPr/>
-          <a:lstStyle>
-            <a:lvl1pPr marL="0" indent="0" algn="ctr">
-              <a:buNone/>
-              <a:defRPr sz="2400"/>
-            </a:lvl1pPr>
-            <a:lvl2pPr marL="457200" indent="0" algn="ctr">
-              <a:buNone/>
-              <a:defRPr sz="2000"/>
-            </a:lvl2pPr>
-            <a:lvl3pPr marL="914400" indent="0" algn="ctr">
-              <a:buNone/>
-              <a:defRPr sz="1800"/>
-            </a:lvl3pPr>
-            <a:lvl4pPr marL="1371600" indent="0" algn="ctr">
-              <a:buNone/>
-              <a:defRPr sz="1600"/>
-            </a:lvl4pPr>
-            <a:lvl5pPr marL="1828800" indent="0" algn="ctr">
-              <a:buNone/>
-              <a:defRPr sz="1600"/>
-            </a:lvl5pPr>
-            <a:lvl6pPr marL="2286000" indent="0" algn="ctr">
-              <a:buNone/>
-              <a:defRPr sz="1600"/>
-            </a:lvl6pPr>
-            <a:lvl7pPr marL="2743200" indent="0" algn="ctr">
-              <a:buNone/>
-              <a:defRPr sz="1600"/>
-            </a:lvl7pPr>
-            <a:lvl8pPr marL="3200400" indent="0" algn="ctr">
-              <a:buNone/>
-              <a:defRPr sz="1600"/>
-            </a:lvl8pPr>
-            <a:lvl9pPr marL="3657600" indent="0" algn="ctr">
-              <a:buNone/>
-              <a:defRPr sz="1600"/>
-            </a:lvl9pPr>
-          </a:lstStyle>
-          <a:p>
-            <a:r>
-              <a:rPr lang="en-US" altLang="ja-JP"/>
-              <a:t>Click to edit Master subtitle style</a:t>
-            </a:r>
-            <a:endParaRPr lang="en-US" dirty="0"/>
-          </a:p>
-        </p:txBody>
-      </p:sp>
-      <p:sp>
-        <p:nvSpPr>
-          <p:cNvPr id="4" name="Date Placeholder 3"/>
-          <p:cNvSpPr>
-            <a:spLocks noGrp="1"/>
-          </p:cNvSpPr>
-          <p:nvPr>
-            <p:ph type="dt" sz="half" idx="10"/>
-          </p:nvPr>
-        </p:nvSpPr>
-        <p:spPr/>
-        <p:txBody>
-          <a:bodyPr/>
-          <a:lstStyle/>
-          <a:p>
-            <a:pPr defTabSz="914400"/>
-            <a:fld id="{F454B96A-5F35-574A-A751-ACD175E133BD}" type="datetimeFigureOut">
-              <a:rPr kumimoji="1" lang="ja-JP" altLang="en-US" smtClean="0">
-                <a:solidFill>
-                  <a:prstClr val="black">
-                    <a:tint val="75000"/>
-                  </a:prstClr>
-                </a:solidFill>
-              </a:rPr>
-              <a:pPr defTabSz="914400"/>
-              <a:t>2018/9/29</a:t>
-            </a:fld>
-            <a:endParaRPr kumimoji="1" lang="ja-JP" altLang="en-US">
-              <a:solidFill>
-                <a:prstClr val="black">
-                  <a:tint val="75000"/>
-                </a:prstClr>
-              </a:solidFill>
-            </a:endParaRPr>
-          </a:p>
-        </p:txBody>
-      </p:sp>
-      <p:sp>
-        <p:nvSpPr>
-          <p:cNvPr id="5" name="Footer Placeholder 4"/>
-          <p:cNvSpPr>
-            <a:spLocks noGrp="1"/>
-          </p:cNvSpPr>
-          <p:nvPr>
-            <p:ph type="ftr" sz="quarter" idx="11"/>
-          </p:nvPr>
-        </p:nvSpPr>
-        <p:spPr/>
-        <p:txBody>
-          <a:bodyPr/>
-          <a:lstStyle/>
-          <a:p>
-            <a:pPr defTabSz="914400"/>
-            <a:endParaRPr kumimoji="1" lang="ja-JP" altLang="en-US">
-              <a:solidFill>
-                <a:prstClr val="black">
-                  <a:tint val="75000"/>
-                </a:prstClr>
-              </a:solidFill>
-            </a:endParaRPr>
-          </a:p>
-        </p:txBody>
-      </p:sp>
-      <p:sp>
-        <p:nvSpPr>
-          <p:cNvPr id="6" name="Slide Number Placeholder 5"/>
-          <p:cNvSpPr>
-            <a:spLocks noGrp="1"/>
-          </p:cNvSpPr>
-          <p:nvPr>
-            <p:ph type="sldNum" sz="quarter" idx="12"/>
-          </p:nvPr>
-        </p:nvSpPr>
-        <p:spPr/>
-        <p:txBody>
-          <a:bodyPr/>
-          <a:lstStyle/>
-          <a:p>
-            <a:pPr defTabSz="914400"/>
-            <a:fld id="{8F60A6E3-D552-DB42-A58B-428B98F5A508}" type="slidenum">
-              <a:rPr kumimoji="1" lang="ja-JP" altLang="en-US" smtClean="0">
-                <a:solidFill>
-                  <a:prstClr val="black">
-                    <a:tint val="75000"/>
-                  </a:prstClr>
-                </a:solidFill>
-              </a:rPr>
-              <a:pPr defTabSz="914400"/>
-              <a:t>‹#›</a:t>
-            </a:fld>
-            <a:endParaRPr kumimoji="1" lang="ja-JP" altLang="en-US">
-              <a:solidFill>
-                <a:prstClr val="black">
-                  <a:tint val="75000"/>
-                </a:prstClr>
-              </a:solidFill>
-            </a:endParaRPr>
-          </a:p>
-        </p:txBody>
-      </p:sp>
-    </p:spTree>
-    <p:extLst>
-      <p:ext uri="{BB962C8B-B14F-4D97-AF65-F5344CB8AC3E}">
-        <p14:creationId xmlns:p14="http://schemas.microsoft.com/office/powerpoint/2010/main" val="758875426"/>
-      </p:ext>
-    </p:extLst>
-  </p:cSld>
-  <p:clrMapOvr>
-    <a:masterClrMapping/>
-  </p:clrMapOvr>
-</p:sldLayout>
-</file>
-
-<file path=ppt/slideLayouts/slideLayout18.xml><?xml version="1.0" encoding="utf-8"?>
-<p:sldLayout xmlns:a="http://schemas.openxmlformats.org/drawingml/2006/main" xmlns:r="http://schemas.openxmlformats.org/officeDocument/2006/relationships" xmlns:p="http://schemas.openxmlformats.org/presentationml/2006/main" type="obj" preserve="1">
-  <p:cSld name="Title and Content">
-    <p:spTree>
-      <p:nvGrpSpPr>
-        <p:cNvPr id="1" name=""/>
-        <p:cNvGrpSpPr/>
-        <p:nvPr/>
-      </p:nvGrpSpPr>
-      <p:grpSpPr>
-        <a:xfrm>
-          <a:off x="0" y="0"/>
-          <a:ext cx="0" cy="0"/>
-          <a:chOff x="0" y="0"/>
-          <a:chExt cx="0" cy="0"/>
-        </a:xfrm>
-      </p:grpSpPr>
-      <p:sp>
-        <p:nvSpPr>
-          <p:cNvPr id="2" name="Title 1"/>
-          <p:cNvSpPr>
-            <a:spLocks noGrp="1"/>
-          </p:cNvSpPr>
-          <p:nvPr>
-            <p:ph type="title"/>
-          </p:nvPr>
-        </p:nvSpPr>
-        <p:spPr/>
-        <p:txBody>
-          <a:bodyPr/>
-          <a:lstStyle/>
-          <a:p>
-            <a:r>
-              <a:rPr lang="en-US" altLang="ja-JP"/>
-              <a:t>Click to edit Master title style</a:t>
-            </a:r>
-            <a:endParaRPr lang="en-US" dirty="0"/>
-          </a:p>
-        </p:txBody>
-      </p:sp>
-      <p:sp>
-        <p:nvSpPr>
-          <p:cNvPr id="3" name="Content Placeholder 2"/>
-          <p:cNvSpPr>
-            <a:spLocks noGrp="1"/>
-          </p:cNvSpPr>
-          <p:nvPr>
-            <p:ph idx="1"/>
-          </p:nvPr>
-        </p:nvSpPr>
-        <p:spPr/>
-        <p:txBody>
-          <a:bodyPr/>
-          <a:lstStyle/>
-          <a:p>
-            <a:pPr lvl="0"/>
-            <a:r>
-              <a:rPr lang="en-US" altLang="ja-JP"/>
-              <a:t>Edit Master text styles</a:t>
-            </a:r>
-          </a:p>
-          <a:p>
-            <a:pPr lvl="1"/>
-            <a:r>
-              <a:rPr lang="en-US" altLang="ja-JP"/>
-              <a:t>Second level</a:t>
-            </a:r>
-          </a:p>
-          <a:p>
-            <a:pPr lvl="2"/>
-            <a:r>
-              <a:rPr lang="en-US" altLang="ja-JP"/>
-              <a:t>Third level</a:t>
-            </a:r>
-          </a:p>
-          <a:p>
-            <a:pPr lvl="3"/>
-            <a:r>
-              <a:rPr lang="en-US" altLang="ja-JP"/>
-              <a:t>Fourth level</a:t>
-            </a:r>
-          </a:p>
-          <a:p>
-            <a:pPr lvl="4"/>
-            <a:r>
-              <a:rPr lang="en-US" altLang="ja-JP"/>
-              <a:t>Fifth level</a:t>
-            </a:r>
-            <a:endParaRPr lang="en-US" dirty="0"/>
-          </a:p>
-        </p:txBody>
-      </p:sp>
-      <p:sp>
-        <p:nvSpPr>
-          <p:cNvPr id="4" name="Date Placeholder 3"/>
-          <p:cNvSpPr>
-            <a:spLocks noGrp="1"/>
-          </p:cNvSpPr>
-          <p:nvPr>
-            <p:ph type="dt" sz="half" idx="10"/>
-          </p:nvPr>
-        </p:nvSpPr>
-        <p:spPr/>
-        <p:txBody>
-          <a:bodyPr/>
-          <a:lstStyle/>
-          <a:p>
-            <a:pPr defTabSz="914400"/>
-            <a:fld id="{F454B96A-5F35-574A-A751-ACD175E133BD}" type="datetimeFigureOut">
-              <a:rPr kumimoji="1" lang="ja-JP" altLang="en-US" smtClean="0">
-                <a:solidFill>
-                  <a:prstClr val="black">
-                    <a:tint val="75000"/>
-                  </a:prstClr>
-                </a:solidFill>
-              </a:rPr>
-              <a:pPr defTabSz="914400"/>
-              <a:t>2018/9/29</a:t>
-            </a:fld>
-            <a:endParaRPr kumimoji="1" lang="ja-JP" altLang="en-US">
-              <a:solidFill>
-                <a:prstClr val="black">
-                  <a:tint val="75000"/>
-                </a:prstClr>
-              </a:solidFill>
-            </a:endParaRPr>
-          </a:p>
-        </p:txBody>
-      </p:sp>
-      <p:sp>
-        <p:nvSpPr>
-          <p:cNvPr id="5" name="Footer Placeholder 4"/>
-          <p:cNvSpPr>
-            <a:spLocks noGrp="1"/>
-          </p:cNvSpPr>
-          <p:nvPr>
-            <p:ph type="ftr" sz="quarter" idx="11"/>
-          </p:nvPr>
-        </p:nvSpPr>
-        <p:spPr/>
-        <p:txBody>
-          <a:bodyPr/>
-          <a:lstStyle/>
-          <a:p>
-            <a:pPr defTabSz="914400"/>
-            <a:endParaRPr kumimoji="1" lang="ja-JP" altLang="en-US">
-              <a:solidFill>
-                <a:prstClr val="black">
-                  <a:tint val="75000"/>
-                </a:prstClr>
-              </a:solidFill>
-            </a:endParaRPr>
-          </a:p>
-        </p:txBody>
-      </p:sp>
-      <p:sp>
-        <p:nvSpPr>
-          <p:cNvPr id="6" name="Slide Number Placeholder 5"/>
-          <p:cNvSpPr>
-            <a:spLocks noGrp="1"/>
-          </p:cNvSpPr>
-          <p:nvPr>
-            <p:ph type="sldNum" sz="quarter" idx="12"/>
-          </p:nvPr>
-        </p:nvSpPr>
-        <p:spPr/>
-        <p:txBody>
-          <a:bodyPr/>
-          <a:lstStyle/>
-          <a:p>
-            <a:pPr defTabSz="914400"/>
-            <a:fld id="{8F60A6E3-D552-DB42-A58B-428B98F5A508}" type="slidenum">
-              <a:rPr kumimoji="1" lang="ja-JP" altLang="en-US" smtClean="0">
-                <a:solidFill>
-                  <a:prstClr val="black">
-                    <a:tint val="75000"/>
-                  </a:prstClr>
-                </a:solidFill>
-              </a:rPr>
-              <a:pPr defTabSz="914400"/>
-              <a:t>‹#›</a:t>
-            </a:fld>
-            <a:endParaRPr kumimoji="1" lang="ja-JP" altLang="en-US">
-              <a:solidFill>
-                <a:prstClr val="black">
-                  <a:tint val="75000"/>
-                </a:prstClr>
-              </a:solidFill>
-            </a:endParaRPr>
-          </a:p>
-        </p:txBody>
-      </p:sp>
-    </p:spTree>
-    <p:extLst>
-      <p:ext uri="{BB962C8B-B14F-4D97-AF65-F5344CB8AC3E}">
-        <p14:creationId xmlns:p14="http://schemas.microsoft.com/office/powerpoint/2010/main" val="1181218439"/>
-      </p:ext>
-    </p:extLst>
-  </p:cSld>
-  <p:clrMapOvr>
-    <a:masterClrMapping/>
-  </p:clrMapOvr>
-</p:sldLayout>
-</file>
-
-<file path=ppt/slideLayouts/slideLayout19.xml><?xml version="1.0" encoding="utf-8"?>
-<p:sldLayout xmlns:a="http://schemas.openxmlformats.org/drawingml/2006/main" xmlns:r="http://schemas.openxmlformats.org/officeDocument/2006/relationships" xmlns:p="http://schemas.openxmlformats.org/presentationml/2006/main" type="secHead" preserve="1">
-  <p:cSld name="Section Header">
-    <p:spTree>
-      <p:nvGrpSpPr>
-        <p:cNvPr id="1" name=""/>
-        <p:cNvGrpSpPr/>
-        <p:nvPr/>
-      </p:nvGrpSpPr>
-      <p:grpSpPr>
-        <a:xfrm>
-          <a:off x="0" y="0"/>
-          <a:ext cx="0" cy="0"/>
-          <a:chOff x="0" y="0"/>
-          <a:chExt cx="0" cy="0"/>
-        </a:xfrm>
-      </p:grpSpPr>
-      <p:sp>
-        <p:nvSpPr>
-          <p:cNvPr id="2" name="Title 1"/>
-          <p:cNvSpPr>
-            <a:spLocks noGrp="1"/>
-          </p:cNvSpPr>
-          <p:nvPr>
-            <p:ph type="title"/>
-          </p:nvPr>
-        </p:nvSpPr>
-        <p:spPr>
-          <a:xfrm>
-            <a:off x="831852" y="1709741"/>
-            <a:ext cx="10515600" cy="2852737"/>
-          </a:xfrm>
-        </p:spPr>
-        <p:txBody>
-          <a:bodyPr anchor="b"/>
-          <a:lstStyle>
-            <a:lvl1pPr>
-              <a:defRPr sz="6000"/>
-            </a:lvl1pPr>
-          </a:lstStyle>
-          <a:p>
-            <a:r>
-              <a:rPr lang="en-US" altLang="ja-JP"/>
-              <a:t>Click to edit Master title style</a:t>
-            </a:r>
-            <a:endParaRPr lang="en-US" dirty="0"/>
-          </a:p>
-        </p:txBody>
-      </p:sp>
-      <p:sp>
-        <p:nvSpPr>
-          <p:cNvPr id="3" name="Text Placeholder 2"/>
-          <p:cNvSpPr>
-            <a:spLocks noGrp="1"/>
-          </p:cNvSpPr>
-          <p:nvPr>
-            <p:ph type="body" idx="1"/>
-          </p:nvPr>
-        </p:nvSpPr>
-        <p:spPr>
-          <a:xfrm>
-            <a:off x="831852" y="4589466"/>
-            <a:ext cx="10515600" cy="1500187"/>
-          </a:xfrm>
-        </p:spPr>
-        <p:txBody>
-          <a:bodyPr/>
-          <a:lstStyle>
-            <a:lvl1pPr marL="0" indent="0">
-              <a:buNone/>
-              <a:defRPr sz="2400">
-                <a:solidFill>
-                  <a:schemeClr val="tx1"/>
-                </a:solidFill>
-              </a:defRPr>
-            </a:lvl1pPr>
-            <a:lvl2pPr marL="457200" indent="0">
-              <a:buNone/>
-              <a:defRPr sz="2000">
-                <a:solidFill>
-                  <a:schemeClr val="tx1">
-                    <a:tint val="75000"/>
-                  </a:schemeClr>
-                </a:solidFill>
-              </a:defRPr>
-            </a:lvl2pPr>
-            <a:lvl3pPr marL="914400" indent="0">
-              <a:buNone/>
-              <a:defRPr sz="1800">
-                <a:solidFill>
-                  <a:schemeClr val="tx1">
-                    <a:tint val="75000"/>
-                  </a:schemeClr>
-                </a:solidFill>
-              </a:defRPr>
-            </a:lvl3pPr>
-            <a:lvl4pPr marL="1371600" indent="0">
-              <a:buNone/>
-              <a:defRPr sz="1600">
-                <a:solidFill>
-                  <a:schemeClr val="tx1">
-                    <a:tint val="75000"/>
-                  </a:schemeClr>
-                </a:solidFill>
-              </a:defRPr>
-            </a:lvl4pPr>
-            <a:lvl5pPr marL="1828800" indent="0">
-              <a:buNone/>
-              <a:defRPr sz="1600">
-                <a:solidFill>
-                  <a:schemeClr val="tx1">
-                    <a:tint val="75000"/>
-                  </a:schemeClr>
-                </a:solidFill>
-              </a:defRPr>
-            </a:lvl5pPr>
-            <a:lvl6pPr marL="2286000" indent="0">
-              <a:buNone/>
-              <a:defRPr sz="1600">
-                <a:solidFill>
-                  <a:schemeClr val="tx1">
-                    <a:tint val="75000"/>
-                  </a:schemeClr>
-                </a:solidFill>
-              </a:defRPr>
-            </a:lvl6pPr>
-            <a:lvl7pPr marL="2743200" indent="0">
-              <a:buNone/>
-              <a:defRPr sz="1600">
-                <a:solidFill>
-                  <a:schemeClr val="tx1">
-                    <a:tint val="75000"/>
-                  </a:schemeClr>
-                </a:solidFill>
-              </a:defRPr>
-            </a:lvl7pPr>
-            <a:lvl8pPr marL="3200400" indent="0">
-              <a:buNone/>
-              <a:defRPr sz="1600">
-                <a:solidFill>
-                  <a:schemeClr val="tx1">
-                    <a:tint val="75000"/>
-                  </a:schemeClr>
-                </a:solidFill>
-              </a:defRPr>
-            </a:lvl8pPr>
-            <a:lvl9pPr marL="3657600" indent="0">
-              <a:buNone/>
-              <a:defRPr sz="1600">
-                <a:solidFill>
-                  <a:schemeClr val="tx1">
-                    <a:tint val="75000"/>
-                  </a:schemeClr>
-                </a:solidFill>
-              </a:defRPr>
-            </a:lvl9pPr>
-          </a:lstStyle>
-          <a:p>
-            <a:pPr lvl="0"/>
-            <a:r>
-              <a:rPr lang="en-US" altLang="ja-JP"/>
-              <a:t>Edit Master text styles</a:t>
-            </a:r>
-          </a:p>
-        </p:txBody>
-      </p:sp>
-      <p:sp>
-        <p:nvSpPr>
-          <p:cNvPr id="4" name="Date Placeholder 3"/>
-          <p:cNvSpPr>
-            <a:spLocks noGrp="1"/>
-          </p:cNvSpPr>
-          <p:nvPr>
-            <p:ph type="dt" sz="half" idx="10"/>
-          </p:nvPr>
-        </p:nvSpPr>
-        <p:spPr/>
-        <p:txBody>
-          <a:bodyPr/>
-          <a:lstStyle/>
-          <a:p>
-            <a:pPr defTabSz="914400"/>
-            <a:fld id="{F454B96A-5F35-574A-A751-ACD175E133BD}" type="datetimeFigureOut">
-              <a:rPr kumimoji="1" lang="ja-JP" altLang="en-US" smtClean="0">
-                <a:solidFill>
-                  <a:prstClr val="black">
-                    <a:tint val="75000"/>
-                  </a:prstClr>
-                </a:solidFill>
-              </a:rPr>
-              <a:pPr defTabSz="914400"/>
-              <a:t>2018/9/29</a:t>
-            </a:fld>
-            <a:endParaRPr kumimoji="1" lang="ja-JP" altLang="en-US">
-              <a:solidFill>
-                <a:prstClr val="black">
-                  <a:tint val="75000"/>
-                </a:prstClr>
-              </a:solidFill>
-            </a:endParaRPr>
-          </a:p>
-        </p:txBody>
-      </p:sp>
-      <p:sp>
-        <p:nvSpPr>
-          <p:cNvPr id="5" name="Footer Placeholder 4"/>
-          <p:cNvSpPr>
-            <a:spLocks noGrp="1"/>
-          </p:cNvSpPr>
-          <p:nvPr>
-            <p:ph type="ftr" sz="quarter" idx="11"/>
-          </p:nvPr>
-        </p:nvSpPr>
-        <p:spPr/>
-        <p:txBody>
-          <a:bodyPr/>
-          <a:lstStyle/>
-          <a:p>
-            <a:pPr defTabSz="914400"/>
-            <a:endParaRPr kumimoji="1" lang="ja-JP" altLang="en-US">
-              <a:solidFill>
-                <a:prstClr val="black">
-                  <a:tint val="75000"/>
-                </a:prstClr>
-              </a:solidFill>
-            </a:endParaRPr>
-          </a:p>
-        </p:txBody>
-      </p:sp>
-      <p:sp>
-        <p:nvSpPr>
-          <p:cNvPr id="6" name="Slide Number Placeholder 5"/>
-          <p:cNvSpPr>
-            <a:spLocks noGrp="1"/>
-          </p:cNvSpPr>
-          <p:nvPr>
-            <p:ph type="sldNum" sz="quarter" idx="12"/>
-          </p:nvPr>
-        </p:nvSpPr>
-        <p:spPr/>
-        <p:txBody>
-          <a:bodyPr/>
-          <a:lstStyle/>
-          <a:p>
-            <a:pPr defTabSz="914400"/>
-            <a:fld id="{8F60A6E3-D552-DB42-A58B-428B98F5A508}" type="slidenum">
-              <a:rPr kumimoji="1" lang="ja-JP" altLang="en-US" smtClean="0">
-                <a:solidFill>
-                  <a:prstClr val="black">
-                    <a:tint val="75000"/>
-                  </a:prstClr>
-                </a:solidFill>
-              </a:rPr>
-              <a:pPr defTabSz="914400"/>
-              <a:t>‹#›</a:t>
-            </a:fld>
-            <a:endParaRPr kumimoji="1" lang="ja-JP" altLang="en-US">
-              <a:solidFill>
-                <a:prstClr val="black">
-                  <a:tint val="75000"/>
-                </a:prstClr>
-              </a:solidFill>
-            </a:endParaRPr>
-          </a:p>
-        </p:txBody>
-      </p:sp>
-    </p:spTree>
-    <p:extLst>
-      <p:ext uri="{BB962C8B-B14F-4D97-AF65-F5344CB8AC3E}">
-        <p14:creationId xmlns:p14="http://schemas.microsoft.com/office/powerpoint/2010/main" val="3496041283"/>
-      </p:ext>
-    </p:extLst>
-  </p:cSld>
-  <p:clrMapOvr>
-    <a:masterClrMapping/>
-  </p:clrMapOvr>
-</p:sldLayout>
-</file>
-
 <file path=ppt/slideLayouts/slideLayout2.xml><?xml version="1.0" encoding="utf-8"?>
 <p:sldLayout xmlns:a="http://schemas.openxmlformats.org/drawingml/2006/main" xmlns:r="http://schemas.openxmlformats.org/officeDocument/2006/relationships" xmlns:p="http://schemas.openxmlformats.org/presentationml/2006/main" type="obj" preserve="1">
   <p:cSld name="タイトルとコンテンツ">
@@ -3812,1982 +3099,6 @@
         </p:txBody>
       </p:sp>
     </p:spTree>
-  </p:cSld>
-  <p:clrMapOvr>
-    <a:masterClrMapping/>
-  </p:clrMapOvr>
-</p:sldLayout>
-</file>
-
-<file path=ppt/slideLayouts/slideLayout20.xml><?xml version="1.0" encoding="utf-8"?>
-<p:sldLayout xmlns:a="http://schemas.openxmlformats.org/drawingml/2006/main" xmlns:r="http://schemas.openxmlformats.org/officeDocument/2006/relationships" xmlns:p="http://schemas.openxmlformats.org/presentationml/2006/main" type="twoObj" preserve="1">
-  <p:cSld name="Two Content">
-    <p:spTree>
-      <p:nvGrpSpPr>
-        <p:cNvPr id="1" name=""/>
-        <p:cNvGrpSpPr/>
-        <p:nvPr/>
-      </p:nvGrpSpPr>
-      <p:grpSpPr>
-        <a:xfrm>
-          <a:off x="0" y="0"/>
-          <a:ext cx="0" cy="0"/>
-          <a:chOff x="0" y="0"/>
-          <a:chExt cx="0" cy="0"/>
-        </a:xfrm>
-      </p:grpSpPr>
-      <p:sp>
-        <p:nvSpPr>
-          <p:cNvPr id="2" name="Title 1"/>
-          <p:cNvSpPr>
-            <a:spLocks noGrp="1"/>
-          </p:cNvSpPr>
-          <p:nvPr>
-            <p:ph type="title"/>
-          </p:nvPr>
-        </p:nvSpPr>
-        <p:spPr/>
-        <p:txBody>
-          <a:bodyPr/>
-          <a:lstStyle/>
-          <a:p>
-            <a:r>
-              <a:rPr lang="en-US" altLang="ja-JP"/>
-              <a:t>Click to edit Master title style</a:t>
-            </a:r>
-            <a:endParaRPr lang="en-US" dirty="0"/>
-          </a:p>
-        </p:txBody>
-      </p:sp>
-      <p:sp>
-        <p:nvSpPr>
-          <p:cNvPr id="3" name="Content Placeholder 2"/>
-          <p:cNvSpPr>
-            <a:spLocks noGrp="1"/>
-          </p:cNvSpPr>
-          <p:nvPr>
-            <p:ph sz="half" idx="1"/>
-          </p:nvPr>
-        </p:nvSpPr>
-        <p:spPr>
-          <a:xfrm>
-            <a:off x="838201" y="1825625"/>
-            <a:ext cx="5181600" cy="4351338"/>
-          </a:xfrm>
-        </p:spPr>
-        <p:txBody>
-          <a:bodyPr/>
-          <a:lstStyle/>
-          <a:p>
-            <a:pPr lvl="0"/>
-            <a:r>
-              <a:rPr lang="en-US" altLang="ja-JP"/>
-              <a:t>Edit Master text styles</a:t>
-            </a:r>
-          </a:p>
-          <a:p>
-            <a:pPr lvl="1"/>
-            <a:r>
-              <a:rPr lang="en-US" altLang="ja-JP"/>
-              <a:t>Second level</a:t>
-            </a:r>
-          </a:p>
-          <a:p>
-            <a:pPr lvl="2"/>
-            <a:r>
-              <a:rPr lang="en-US" altLang="ja-JP"/>
-              <a:t>Third level</a:t>
-            </a:r>
-          </a:p>
-          <a:p>
-            <a:pPr lvl="3"/>
-            <a:r>
-              <a:rPr lang="en-US" altLang="ja-JP"/>
-              <a:t>Fourth level</a:t>
-            </a:r>
-          </a:p>
-          <a:p>
-            <a:pPr lvl="4"/>
-            <a:r>
-              <a:rPr lang="en-US" altLang="ja-JP"/>
-              <a:t>Fifth level</a:t>
-            </a:r>
-            <a:endParaRPr lang="en-US" dirty="0"/>
-          </a:p>
-        </p:txBody>
-      </p:sp>
-      <p:sp>
-        <p:nvSpPr>
-          <p:cNvPr id="4" name="Content Placeholder 3"/>
-          <p:cNvSpPr>
-            <a:spLocks noGrp="1"/>
-          </p:cNvSpPr>
-          <p:nvPr>
-            <p:ph sz="half" idx="2"/>
-          </p:nvPr>
-        </p:nvSpPr>
-        <p:spPr>
-          <a:xfrm>
-            <a:off x="6172201" y="1825625"/>
-            <a:ext cx="5181600" cy="4351338"/>
-          </a:xfrm>
-        </p:spPr>
-        <p:txBody>
-          <a:bodyPr/>
-          <a:lstStyle/>
-          <a:p>
-            <a:pPr lvl="0"/>
-            <a:r>
-              <a:rPr lang="en-US" altLang="ja-JP"/>
-              <a:t>Edit Master text styles</a:t>
-            </a:r>
-          </a:p>
-          <a:p>
-            <a:pPr lvl="1"/>
-            <a:r>
-              <a:rPr lang="en-US" altLang="ja-JP"/>
-              <a:t>Second level</a:t>
-            </a:r>
-          </a:p>
-          <a:p>
-            <a:pPr lvl="2"/>
-            <a:r>
-              <a:rPr lang="en-US" altLang="ja-JP"/>
-              <a:t>Third level</a:t>
-            </a:r>
-          </a:p>
-          <a:p>
-            <a:pPr lvl="3"/>
-            <a:r>
-              <a:rPr lang="en-US" altLang="ja-JP"/>
-              <a:t>Fourth level</a:t>
-            </a:r>
-          </a:p>
-          <a:p>
-            <a:pPr lvl="4"/>
-            <a:r>
-              <a:rPr lang="en-US" altLang="ja-JP"/>
-              <a:t>Fifth level</a:t>
-            </a:r>
-            <a:endParaRPr lang="en-US" dirty="0"/>
-          </a:p>
-        </p:txBody>
-      </p:sp>
-      <p:sp>
-        <p:nvSpPr>
-          <p:cNvPr id="5" name="Date Placeholder 4"/>
-          <p:cNvSpPr>
-            <a:spLocks noGrp="1"/>
-          </p:cNvSpPr>
-          <p:nvPr>
-            <p:ph type="dt" sz="half" idx="10"/>
-          </p:nvPr>
-        </p:nvSpPr>
-        <p:spPr/>
-        <p:txBody>
-          <a:bodyPr/>
-          <a:lstStyle/>
-          <a:p>
-            <a:pPr defTabSz="914400"/>
-            <a:fld id="{F454B96A-5F35-574A-A751-ACD175E133BD}" type="datetimeFigureOut">
-              <a:rPr kumimoji="1" lang="ja-JP" altLang="en-US" smtClean="0">
-                <a:solidFill>
-                  <a:prstClr val="black">
-                    <a:tint val="75000"/>
-                  </a:prstClr>
-                </a:solidFill>
-              </a:rPr>
-              <a:pPr defTabSz="914400"/>
-              <a:t>2018/9/29</a:t>
-            </a:fld>
-            <a:endParaRPr kumimoji="1" lang="ja-JP" altLang="en-US">
-              <a:solidFill>
-                <a:prstClr val="black">
-                  <a:tint val="75000"/>
-                </a:prstClr>
-              </a:solidFill>
-            </a:endParaRPr>
-          </a:p>
-        </p:txBody>
-      </p:sp>
-      <p:sp>
-        <p:nvSpPr>
-          <p:cNvPr id="6" name="Footer Placeholder 5"/>
-          <p:cNvSpPr>
-            <a:spLocks noGrp="1"/>
-          </p:cNvSpPr>
-          <p:nvPr>
-            <p:ph type="ftr" sz="quarter" idx="11"/>
-          </p:nvPr>
-        </p:nvSpPr>
-        <p:spPr/>
-        <p:txBody>
-          <a:bodyPr/>
-          <a:lstStyle/>
-          <a:p>
-            <a:pPr defTabSz="914400"/>
-            <a:endParaRPr kumimoji="1" lang="ja-JP" altLang="en-US">
-              <a:solidFill>
-                <a:prstClr val="black">
-                  <a:tint val="75000"/>
-                </a:prstClr>
-              </a:solidFill>
-            </a:endParaRPr>
-          </a:p>
-        </p:txBody>
-      </p:sp>
-      <p:sp>
-        <p:nvSpPr>
-          <p:cNvPr id="7" name="Slide Number Placeholder 6"/>
-          <p:cNvSpPr>
-            <a:spLocks noGrp="1"/>
-          </p:cNvSpPr>
-          <p:nvPr>
-            <p:ph type="sldNum" sz="quarter" idx="12"/>
-          </p:nvPr>
-        </p:nvSpPr>
-        <p:spPr/>
-        <p:txBody>
-          <a:bodyPr/>
-          <a:lstStyle/>
-          <a:p>
-            <a:pPr defTabSz="914400"/>
-            <a:fld id="{8F60A6E3-D552-DB42-A58B-428B98F5A508}" type="slidenum">
-              <a:rPr kumimoji="1" lang="ja-JP" altLang="en-US" smtClean="0">
-                <a:solidFill>
-                  <a:prstClr val="black">
-                    <a:tint val="75000"/>
-                  </a:prstClr>
-                </a:solidFill>
-              </a:rPr>
-              <a:pPr defTabSz="914400"/>
-              <a:t>‹#›</a:t>
-            </a:fld>
-            <a:endParaRPr kumimoji="1" lang="ja-JP" altLang="en-US">
-              <a:solidFill>
-                <a:prstClr val="black">
-                  <a:tint val="75000"/>
-                </a:prstClr>
-              </a:solidFill>
-            </a:endParaRPr>
-          </a:p>
-        </p:txBody>
-      </p:sp>
-    </p:spTree>
-    <p:extLst>
-      <p:ext uri="{BB962C8B-B14F-4D97-AF65-F5344CB8AC3E}">
-        <p14:creationId xmlns:p14="http://schemas.microsoft.com/office/powerpoint/2010/main" val="129857009"/>
-      </p:ext>
-    </p:extLst>
-  </p:cSld>
-  <p:clrMapOvr>
-    <a:masterClrMapping/>
-  </p:clrMapOvr>
-</p:sldLayout>
-</file>
-
-<file path=ppt/slideLayouts/slideLayout21.xml><?xml version="1.0" encoding="utf-8"?>
-<p:sldLayout xmlns:a="http://schemas.openxmlformats.org/drawingml/2006/main" xmlns:r="http://schemas.openxmlformats.org/officeDocument/2006/relationships" xmlns:p="http://schemas.openxmlformats.org/presentationml/2006/main" type="twoTxTwoObj" preserve="1">
-  <p:cSld name="Comparison">
-    <p:spTree>
-      <p:nvGrpSpPr>
-        <p:cNvPr id="1" name=""/>
-        <p:cNvGrpSpPr/>
-        <p:nvPr/>
-      </p:nvGrpSpPr>
-      <p:grpSpPr>
-        <a:xfrm>
-          <a:off x="0" y="0"/>
-          <a:ext cx="0" cy="0"/>
-          <a:chOff x="0" y="0"/>
-          <a:chExt cx="0" cy="0"/>
-        </a:xfrm>
-      </p:grpSpPr>
-      <p:sp>
-        <p:nvSpPr>
-          <p:cNvPr id="2" name="Title 1"/>
-          <p:cNvSpPr>
-            <a:spLocks noGrp="1"/>
-          </p:cNvSpPr>
-          <p:nvPr>
-            <p:ph type="title"/>
-          </p:nvPr>
-        </p:nvSpPr>
-        <p:spPr>
-          <a:xfrm>
-            <a:off x="839789" y="365128"/>
-            <a:ext cx="10515600" cy="1325563"/>
-          </a:xfrm>
-        </p:spPr>
-        <p:txBody>
-          <a:bodyPr/>
-          <a:lstStyle/>
-          <a:p>
-            <a:r>
-              <a:rPr lang="en-US" altLang="ja-JP"/>
-              <a:t>Click to edit Master title style</a:t>
-            </a:r>
-            <a:endParaRPr lang="en-US" dirty="0"/>
-          </a:p>
-        </p:txBody>
-      </p:sp>
-      <p:sp>
-        <p:nvSpPr>
-          <p:cNvPr id="3" name="Text Placeholder 2"/>
-          <p:cNvSpPr>
-            <a:spLocks noGrp="1"/>
-          </p:cNvSpPr>
-          <p:nvPr>
-            <p:ph type="body" idx="1"/>
-          </p:nvPr>
-        </p:nvSpPr>
-        <p:spPr>
-          <a:xfrm>
-            <a:off x="839790" y="1681163"/>
-            <a:ext cx="5157787" cy="823912"/>
-          </a:xfrm>
-        </p:spPr>
-        <p:txBody>
-          <a:bodyPr anchor="b"/>
-          <a:lstStyle>
-            <a:lvl1pPr marL="0" indent="0">
-              <a:buNone/>
-              <a:defRPr sz="2400" b="1"/>
-            </a:lvl1pPr>
-            <a:lvl2pPr marL="457200" indent="0">
-              <a:buNone/>
-              <a:defRPr sz="2000" b="1"/>
-            </a:lvl2pPr>
-            <a:lvl3pPr marL="914400" indent="0">
-              <a:buNone/>
-              <a:defRPr sz="1800" b="1"/>
-            </a:lvl3pPr>
-            <a:lvl4pPr marL="1371600" indent="0">
-              <a:buNone/>
-              <a:defRPr sz="1600" b="1"/>
-            </a:lvl4pPr>
-            <a:lvl5pPr marL="1828800" indent="0">
-              <a:buNone/>
-              <a:defRPr sz="1600" b="1"/>
-            </a:lvl5pPr>
-            <a:lvl6pPr marL="2286000" indent="0">
-              <a:buNone/>
-              <a:defRPr sz="1600" b="1"/>
-            </a:lvl6pPr>
-            <a:lvl7pPr marL="2743200" indent="0">
-              <a:buNone/>
-              <a:defRPr sz="1600" b="1"/>
-            </a:lvl7pPr>
-            <a:lvl8pPr marL="3200400" indent="0">
-              <a:buNone/>
-              <a:defRPr sz="1600" b="1"/>
-            </a:lvl8pPr>
-            <a:lvl9pPr marL="3657600" indent="0">
-              <a:buNone/>
-              <a:defRPr sz="1600" b="1"/>
-            </a:lvl9pPr>
-          </a:lstStyle>
-          <a:p>
-            <a:pPr lvl="0"/>
-            <a:r>
-              <a:rPr lang="en-US" altLang="ja-JP"/>
-              <a:t>Edit Master text styles</a:t>
-            </a:r>
-          </a:p>
-        </p:txBody>
-      </p:sp>
-      <p:sp>
-        <p:nvSpPr>
-          <p:cNvPr id="4" name="Content Placeholder 3"/>
-          <p:cNvSpPr>
-            <a:spLocks noGrp="1"/>
-          </p:cNvSpPr>
-          <p:nvPr>
-            <p:ph sz="half" idx="2"/>
-          </p:nvPr>
-        </p:nvSpPr>
-        <p:spPr>
-          <a:xfrm>
-            <a:off x="839790" y="2505075"/>
-            <a:ext cx="5157787" cy="3684588"/>
-          </a:xfrm>
-        </p:spPr>
-        <p:txBody>
-          <a:bodyPr/>
-          <a:lstStyle/>
-          <a:p>
-            <a:pPr lvl="0"/>
-            <a:r>
-              <a:rPr lang="en-US" altLang="ja-JP"/>
-              <a:t>Edit Master text styles</a:t>
-            </a:r>
-          </a:p>
-          <a:p>
-            <a:pPr lvl="1"/>
-            <a:r>
-              <a:rPr lang="en-US" altLang="ja-JP"/>
-              <a:t>Second level</a:t>
-            </a:r>
-          </a:p>
-          <a:p>
-            <a:pPr lvl="2"/>
-            <a:r>
-              <a:rPr lang="en-US" altLang="ja-JP"/>
-              <a:t>Third level</a:t>
-            </a:r>
-          </a:p>
-          <a:p>
-            <a:pPr lvl="3"/>
-            <a:r>
-              <a:rPr lang="en-US" altLang="ja-JP"/>
-              <a:t>Fourth level</a:t>
-            </a:r>
-          </a:p>
-          <a:p>
-            <a:pPr lvl="4"/>
-            <a:r>
-              <a:rPr lang="en-US" altLang="ja-JP"/>
-              <a:t>Fifth level</a:t>
-            </a:r>
-            <a:endParaRPr lang="en-US" dirty="0"/>
-          </a:p>
-        </p:txBody>
-      </p:sp>
-      <p:sp>
-        <p:nvSpPr>
-          <p:cNvPr id="5" name="Text Placeholder 4"/>
-          <p:cNvSpPr>
-            <a:spLocks noGrp="1"/>
-          </p:cNvSpPr>
-          <p:nvPr>
-            <p:ph type="body" sz="quarter" idx="3"/>
-          </p:nvPr>
-        </p:nvSpPr>
-        <p:spPr>
-          <a:xfrm>
-            <a:off x="6172200" y="1681163"/>
-            <a:ext cx="5183188" cy="823912"/>
-          </a:xfrm>
-        </p:spPr>
-        <p:txBody>
-          <a:bodyPr anchor="b"/>
-          <a:lstStyle>
-            <a:lvl1pPr marL="0" indent="0">
-              <a:buNone/>
-              <a:defRPr sz="2400" b="1"/>
-            </a:lvl1pPr>
-            <a:lvl2pPr marL="457200" indent="0">
-              <a:buNone/>
-              <a:defRPr sz="2000" b="1"/>
-            </a:lvl2pPr>
-            <a:lvl3pPr marL="914400" indent="0">
-              <a:buNone/>
-              <a:defRPr sz="1800" b="1"/>
-            </a:lvl3pPr>
-            <a:lvl4pPr marL="1371600" indent="0">
-              <a:buNone/>
-              <a:defRPr sz="1600" b="1"/>
-            </a:lvl4pPr>
-            <a:lvl5pPr marL="1828800" indent="0">
-              <a:buNone/>
-              <a:defRPr sz="1600" b="1"/>
-            </a:lvl5pPr>
-            <a:lvl6pPr marL="2286000" indent="0">
-              <a:buNone/>
-              <a:defRPr sz="1600" b="1"/>
-            </a:lvl6pPr>
-            <a:lvl7pPr marL="2743200" indent="0">
-              <a:buNone/>
-              <a:defRPr sz="1600" b="1"/>
-            </a:lvl7pPr>
-            <a:lvl8pPr marL="3200400" indent="0">
-              <a:buNone/>
-              <a:defRPr sz="1600" b="1"/>
-            </a:lvl8pPr>
-            <a:lvl9pPr marL="3657600" indent="0">
-              <a:buNone/>
-              <a:defRPr sz="1600" b="1"/>
-            </a:lvl9pPr>
-          </a:lstStyle>
-          <a:p>
-            <a:pPr lvl="0"/>
-            <a:r>
-              <a:rPr lang="en-US" altLang="ja-JP"/>
-              <a:t>Edit Master text styles</a:t>
-            </a:r>
-          </a:p>
-        </p:txBody>
-      </p:sp>
-      <p:sp>
-        <p:nvSpPr>
-          <p:cNvPr id="6" name="Content Placeholder 5"/>
-          <p:cNvSpPr>
-            <a:spLocks noGrp="1"/>
-          </p:cNvSpPr>
-          <p:nvPr>
-            <p:ph sz="quarter" idx="4"/>
-          </p:nvPr>
-        </p:nvSpPr>
-        <p:spPr>
-          <a:xfrm>
-            <a:off x="6172200" y="2505075"/>
-            <a:ext cx="5183188" cy="3684588"/>
-          </a:xfrm>
-        </p:spPr>
-        <p:txBody>
-          <a:bodyPr/>
-          <a:lstStyle/>
-          <a:p>
-            <a:pPr lvl="0"/>
-            <a:r>
-              <a:rPr lang="en-US" altLang="ja-JP"/>
-              <a:t>Edit Master text styles</a:t>
-            </a:r>
-          </a:p>
-          <a:p>
-            <a:pPr lvl="1"/>
-            <a:r>
-              <a:rPr lang="en-US" altLang="ja-JP"/>
-              <a:t>Second level</a:t>
-            </a:r>
-          </a:p>
-          <a:p>
-            <a:pPr lvl="2"/>
-            <a:r>
-              <a:rPr lang="en-US" altLang="ja-JP"/>
-              <a:t>Third level</a:t>
-            </a:r>
-          </a:p>
-          <a:p>
-            <a:pPr lvl="3"/>
-            <a:r>
-              <a:rPr lang="en-US" altLang="ja-JP"/>
-              <a:t>Fourth level</a:t>
-            </a:r>
-          </a:p>
-          <a:p>
-            <a:pPr lvl="4"/>
-            <a:r>
-              <a:rPr lang="en-US" altLang="ja-JP"/>
-              <a:t>Fifth level</a:t>
-            </a:r>
-            <a:endParaRPr lang="en-US" dirty="0"/>
-          </a:p>
-        </p:txBody>
-      </p:sp>
-      <p:sp>
-        <p:nvSpPr>
-          <p:cNvPr id="7" name="Date Placeholder 6"/>
-          <p:cNvSpPr>
-            <a:spLocks noGrp="1"/>
-          </p:cNvSpPr>
-          <p:nvPr>
-            <p:ph type="dt" sz="half" idx="10"/>
-          </p:nvPr>
-        </p:nvSpPr>
-        <p:spPr/>
-        <p:txBody>
-          <a:bodyPr/>
-          <a:lstStyle/>
-          <a:p>
-            <a:pPr defTabSz="914400"/>
-            <a:fld id="{F454B96A-5F35-574A-A751-ACD175E133BD}" type="datetimeFigureOut">
-              <a:rPr kumimoji="1" lang="ja-JP" altLang="en-US" smtClean="0">
-                <a:solidFill>
-                  <a:prstClr val="black">
-                    <a:tint val="75000"/>
-                  </a:prstClr>
-                </a:solidFill>
-              </a:rPr>
-              <a:pPr defTabSz="914400"/>
-              <a:t>2018/9/29</a:t>
-            </a:fld>
-            <a:endParaRPr kumimoji="1" lang="ja-JP" altLang="en-US">
-              <a:solidFill>
-                <a:prstClr val="black">
-                  <a:tint val="75000"/>
-                </a:prstClr>
-              </a:solidFill>
-            </a:endParaRPr>
-          </a:p>
-        </p:txBody>
-      </p:sp>
-      <p:sp>
-        <p:nvSpPr>
-          <p:cNvPr id="8" name="Footer Placeholder 7"/>
-          <p:cNvSpPr>
-            <a:spLocks noGrp="1"/>
-          </p:cNvSpPr>
-          <p:nvPr>
-            <p:ph type="ftr" sz="quarter" idx="11"/>
-          </p:nvPr>
-        </p:nvSpPr>
-        <p:spPr/>
-        <p:txBody>
-          <a:bodyPr/>
-          <a:lstStyle/>
-          <a:p>
-            <a:pPr defTabSz="914400"/>
-            <a:endParaRPr kumimoji="1" lang="ja-JP" altLang="en-US">
-              <a:solidFill>
-                <a:prstClr val="black">
-                  <a:tint val="75000"/>
-                </a:prstClr>
-              </a:solidFill>
-            </a:endParaRPr>
-          </a:p>
-        </p:txBody>
-      </p:sp>
-      <p:sp>
-        <p:nvSpPr>
-          <p:cNvPr id="9" name="Slide Number Placeholder 8"/>
-          <p:cNvSpPr>
-            <a:spLocks noGrp="1"/>
-          </p:cNvSpPr>
-          <p:nvPr>
-            <p:ph type="sldNum" sz="quarter" idx="12"/>
-          </p:nvPr>
-        </p:nvSpPr>
-        <p:spPr/>
-        <p:txBody>
-          <a:bodyPr/>
-          <a:lstStyle/>
-          <a:p>
-            <a:pPr defTabSz="914400"/>
-            <a:fld id="{8F60A6E3-D552-DB42-A58B-428B98F5A508}" type="slidenum">
-              <a:rPr kumimoji="1" lang="ja-JP" altLang="en-US" smtClean="0">
-                <a:solidFill>
-                  <a:prstClr val="black">
-                    <a:tint val="75000"/>
-                  </a:prstClr>
-                </a:solidFill>
-              </a:rPr>
-              <a:pPr defTabSz="914400"/>
-              <a:t>‹#›</a:t>
-            </a:fld>
-            <a:endParaRPr kumimoji="1" lang="ja-JP" altLang="en-US">
-              <a:solidFill>
-                <a:prstClr val="black">
-                  <a:tint val="75000"/>
-                </a:prstClr>
-              </a:solidFill>
-            </a:endParaRPr>
-          </a:p>
-        </p:txBody>
-      </p:sp>
-    </p:spTree>
-    <p:extLst>
-      <p:ext uri="{BB962C8B-B14F-4D97-AF65-F5344CB8AC3E}">
-        <p14:creationId xmlns:p14="http://schemas.microsoft.com/office/powerpoint/2010/main" val="1114182114"/>
-      </p:ext>
-    </p:extLst>
-  </p:cSld>
-  <p:clrMapOvr>
-    <a:masterClrMapping/>
-  </p:clrMapOvr>
-</p:sldLayout>
-</file>
-
-<file path=ppt/slideLayouts/slideLayout22.xml><?xml version="1.0" encoding="utf-8"?>
-<p:sldLayout xmlns:a="http://schemas.openxmlformats.org/drawingml/2006/main" xmlns:r="http://schemas.openxmlformats.org/officeDocument/2006/relationships" xmlns:p="http://schemas.openxmlformats.org/presentationml/2006/main" type="titleOnly" preserve="1">
-  <p:cSld name="Title Only">
-    <p:spTree>
-      <p:nvGrpSpPr>
-        <p:cNvPr id="1" name=""/>
-        <p:cNvGrpSpPr/>
-        <p:nvPr/>
-      </p:nvGrpSpPr>
-      <p:grpSpPr>
-        <a:xfrm>
-          <a:off x="0" y="0"/>
-          <a:ext cx="0" cy="0"/>
-          <a:chOff x="0" y="0"/>
-          <a:chExt cx="0" cy="0"/>
-        </a:xfrm>
-      </p:grpSpPr>
-      <p:sp>
-        <p:nvSpPr>
-          <p:cNvPr id="2" name="Title 1"/>
-          <p:cNvSpPr>
-            <a:spLocks noGrp="1"/>
-          </p:cNvSpPr>
-          <p:nvPr>
-            <p:ph type="title"/>
-          </p:nvPr>
-        </p:nvSpPr>
-        <p:spPr/>
-        <p:txBody>
-          <a:bodyPr/>
-          <a:lstStyle/>
-          <a:p>
-            <a:r>
-              <a:rPr lang="en-US" altLang="ja-JP"/>
-              <a:t>Click to edit Master title style</a:t>
-            </a:r>
-            <a:endParaRPr lang="en-US" dirty="0"/>
-          </a:p>
-        </p:txBody>
-      </p:sp>
-      <p:sp>
-        <p:nvSpPr>
-          <p:cNvPr id="3" name="Date Placeholder 2"/>
-          <p:cNvSpPr>
-            <a:spLocks noGrp="1"/>
-          </p:cNvSpPr>
-          <p:nvPr>
-            <p:ph type="dt" sz="half" idx="10"/>
-          </p:nvPr>
-        </p:nvSpPr>
-        <p:spPr/>
-        <p:txBody>
-          <a:bodyPr/>
-          <a:lstStyle/>
-          <a:p>
-            <a:pPr defTabSz="914400"/>
-            <a:fld id="{F454B96A-5F35-574A-A751-ACD175E133BD}" type="datetimeFigureOut">
-              <a:rPr kumimoji="1" lang="ja-JP" altLang="en-US" smtClean="0">
-                <a:solidFill>
-                  <a:prstClr val="black">
-                    <a:tint val="75000"/>
-                  </a:prstClr>
-                </a:solidFill>
-              </a:rPr>
-              <a:pPr defTabSz="914400"/>
-              <a:t>2018/9/29</a:t>
-            </a:fld>
-            <a:endParaRPr kumimoji="1" lang="ja-JP" altLang="en-US">
-              <a:solidFill>
-                <a:prstClr val="black">
-                  <a:tint val="75000"/>
-                </a:prstClr>
-              </a:solidFill>
-            </a:endParaRPr>
-          </a:p>
-        </p:txBody>
-      </p:sp>
-      <p:sp>
-        <p:nvSpPr>
-          <p:cNvPr id="4" name="Footer Placeholder 3"/>
-          <p:cNvSpPr>
-            <a:spLocks noGrp="1"/>
-          </p:cNvSpPr>
-          <p:nvPr>
-            <p:ph type="ftr" sz="quarter" idx="11"/>
-          </p:nvPr>
-        </p:nvSpPr>
-        <p:spPr/>
-        <p:txBody>
-          <a:bodyPr/>
-          <a:lstStyle/>
-          <a:p>
-            <a:pPr defTabSz="914400"/>
-            <a:endParaRPr kumimoji="1" lang="ja-JP" altLang="en-US">
-              <a:solidFill>
-                <a:prstClr val="black">
-                  <a:tint val="75000"/>
-                </a:prstClr>
-              </a:solidFill>
-            </a:endParaRPr>
-          </a:p>
-        </p:txBody>
-      </p:sp>
-      <p:sp>
-        <p:nvSpPr>
-          <p:cNvPr id="5" name="Slide Number Placeholder 4"/>
-          <p:cNvSpPr>
-            <a:spLocks noGrp="1"/>
-          </p:cNvSpPr>
-          <p:nvPr>
-            <p:ph type="sldNum" sz="quarter" idx="12"/>
-          </p:nvPr>
-        </p:nvSpPr>
-        <p:spPr/>
-        <p:txBody>
-          <a:bodyPr/>
-          <a:lstStyle/>
-          <a:p>
-            <a:pPr defTabSz="914400"/>
-            <a:fld id="{8F60A6E3-D552-DB42-A58B-428B98F5A508}" type="slidenum">
-              <a:rPr kumimoji="1" lang="ja-JP" altLang="en-US" smtClean="0">
-                <a:solidFill>
-                  <a:prstClr val="black">
-                    <a:tint val="75000"/>
-                  </a:prstClr>
-                </a:solidFill>
-              </a:rPr>
-              <a:pPr defTabSz="914400"/>
-              <a:t>‹#›</a:t>
-            </a:fld>
-            <a:endParaRPr kumimoji="1" lang="ja-JP" altLang="en-US">
-              <a:solidFill>
-                <a:prstClr val="black">
-                  <a:tint val="75000"/>
-                </a:prstClr>
-              </a:solidFill>
-            </a:endParaRPr>
-          </a:p>
-        </p:txBody>
-      </p:sp>
-    </p:spTree>
-    <p:extLst>
-      <p:ext uri="{BB962C8B-B14F-4D97-AF65-F5344CB8AC3E}">
-        <p14:creationId xmlns:p14="http://schemas.microsoft.com/office/powerpoint/2010/main" val="3318449086"/>
-      </p:ext>
-    </p:extLst>
-  </p:cSld>
-  <p:clrMapOvr>
-    <a:masterClrMapping/>
-  </p:clrMapOvr>
-</p:sldLayout>
-</file>
-
-<file path=ppt/slideLayouts/slideLayout23.xml><?xml version="1.0" encoding="utf-8"?>
-<p:sldLayout xmlns:a="http://schemas.openxmlformats.org/drawingml/2006/main" xmlns:r="http://schemas.openxmlformats.org/officeDocument/2006/relationships" xmlns:p="http://schemas.openxmlformats.org/presentationml/2006/main" type="blank" preserve="1">
-  <p:cSld name="Blank">
-    <p:spTree>
-      <p:nvGrpSpPr>
-        <p:cNvPr id="1" name=""/>
-        <p:cNvGrpSpPr/>
-        <p:nvPr/>
-      </p:nvGrpSpPr>
-      <p:grpSpPr>
-        <a:xfrm>
-          <a:off x="0" y="0"/>
-          <a:ext cx="0" cy="0"/>
-          <a:chOff x="0" y="0"/>
-          <a:chExt cx="0" cy="0"/>
-        </a:xfrm>
-      </p:grpSpPr>
-      <p:sp>
-        <p:nvSpPr>
-          <p:cNvPr id="2" name="Date Placeholder 1"/>
-          <p:cNvSpPr>
-            <a:spLocks noGrp="1"/>
-          </p:cNvSpPr>
-          <p:nvPr>
-            <p:ph type="dt" sz="half" idx="10"/>
-          </p:nvPr>
-        </p:nvSpPr>
-        <p:spPr/>
-        <p:txBody>
-          <a:bodyPr/>
-          <a:lstStyle/>
-          <a:p>
-            <a:pPr defTabSz="914400"/>
-            <a:fld id="{F454B96A-5F35-574A-A751-ACD175E133BD}" type="datetimeFigureOut">
-              <a:rPr kumimoji="1" lang="ja-JP" altLang="en-US" smtClean="0">
-                <a:solidFill>
-                  <a:prstClr val="black">
-                    <a:tint val="75000"/>
-                  </a:prstClr>
-                </a:solidFill>
-              </a:rPr>
-              <a:pPr defTabSz="914400"/>
-              <a:t>2018/9/29</a:t>
-            </a:fld>
-            <a:endParaRPr kumimoji="1" lang="ja-JP" altLang="en-US">
-              <a:solidFill>
-                <a:prstClr val="black">
-                  <a:tint val="75000"/>
-                </a:prstClr>
-              </a:solidFill>
-            </a:endParaRPr>
-          </a:p>
-        </p:txBody>
-      </p:sp>
-      <p:sp>
-        <p:nvSpPr>
-          <p:cNvPr id="3" name="Footer Placeholder 2"/>
-          <p:cNvSpPr>
-            <a:spLocks noGrp="1"/>
-          </p:cNvSpPr>
-          <p:nvPr>
-            <p:ph type="ftr" sz="quarter" idx="11"/>
-          </p:nvPr>
-        </p:nvSpPr>
-        <p:spPr/>
-        <p:txBody>
-          <a:bodyPr/>
-          <a:lstStyle/>
-          <a:p>
-            <a:pPr defTabSz="914400"/>
-            <a:endParaRPr kumimoji="1" lang="ja-JP" altLang="en-US">
-              <a:solidFill>
-                <a:prstClr val="black">
-                  <a:tint val="75000"/>
-                </a:prstClr>
-              </a:solidFill>
-            </a:endParaRPr>
-          </a:p>
-        </p:txBody>
-      </p:sp>
-      <p:sp>
-        <p:nvSpPr>
-          <p:cNvPr id="4" name="Slide Number Placeholder 3"/>
-          <p:cNvSpPr>
-            <a:spLocks noGrp="1"/>
-          </p:cNvSpPr>
-          <p:nvPr>
-            <p:ph type="sldNum" sz="quarter" idx="12"/>
-          </p:nvPr>
-        </p:nvSpPr>
-        <p:spPr/>
-        <p:txBody>
-          <a:bodyPr/>
-          <a:lstStyle/>
-          <a:p>
-            <a:pPr defTabSz="914400"/>
-            <a:fld id="{8F60A6E3-D552-DB42-A58B-428B98F5A508}" type="slidenum">
-              <a:rPr kumimoji="1" lang="ja-JP" altLang="en-US" smtClean="0">
-                <a:solidFill>
-                  <a:prstClr val="black">
-                    <a:tint val="75000"/>
-                  </a:prstClr>
-                </a:solidFill>
-              </a:rPr>
-              <a:pPr defTabSz="914400"/>
-              <a:t>‹#›</a:t>
-            </a:fld>
-            <a:endParaRPr kumimoji="1" lang="ja-JP" altLang="en-US">
-              <a:solidFill>
-                <a:prstClr val="black">
-                  <a:tint val="75000"/>
-                </a:prstClr>
-              </a:solidFill>
-            </a:endParaRPr>
-          </a:p>
-        </p:txBody>
-      </p:sp>
-    </p:spTree>
-    <p:extLst>
-      <p:ext uri="{BB962C8B-B14F-4D97-AF65-F5344CB8AC3E}">
-        <p14:creationId xmlns:p14="http://schemas.microsoft.com/office/powerpoint/2010/main" val="2045910681"/>
-      </p:ext>
-    </p:extLst>
-  </p:cSld>
-  <p:clrMapOvr>
-    <a:masterClrMapping/>
-  </p:clrMapOvr>
-</p:sldLayout>
-</file>
-
-<file path=ppt/slideLayouts/slideLayout24.xml><?xml version="1.0" encoding="utf-8"?>
-<p:sldLayout xmlns:a="http://schemas.openxmlformats.org/drawingml/2006/main" xmlns:r="http://schemas.openxmlformats.org/officeDocument/2006/relationships" xmlns:p="http://schemas.openxmlformats.org/presentationml/2006/main" type="objTx" preserve="1">
-  <p:cSld name="Content with Caption">
-    <p:spTree>
-      <p:nvGrpSpPr>
-        <p:cNvPr id="1" name=""/>
-        <p:cNvGrpSpPr/>
-        <p:nvPr/>
-      </p:nvGrpSpPr>
-      <p:grpSpPr>
-        <a:xfrm>
-          <a:off x="0" y="0"/>
-          <a:ext cx="0" cy="0"/>
-          <a:chOff x="0" y="0"/>
-          <a:chExt cx="0" cy="0"/>
-        </a:xfrm>
-      </p:grpSpPr>
-      <p:sp>
-        <p:nvSpPr>
-          <p:cNvPr id="2" name="Title 1"/>
-          <p:cNvSpPr>
-            <a:spLocks noGrp="1"/>
-          </p:cNvSpPr>
-          <p:nvPr>
-            <p:ph type="title"/>
-          </p:nvPr>
-        </p:nvSpPr>
-        <p:spPr>
-          <a:xfrm>
-            <a:off x="839789" y="457200"/>
-            <a:ext cx="3932238" cy="1600200"/>
-          </a:xfrm>
-        </p:spPr>
-        <p:txBody>
-          <a:bodyPr anchor="b"/>
-          <a:lstStyle>
-            <a:lvl1pPr>
-              <a:defRPr sz="3200"/>
-            </a:lvl1pPr>
-          </a:lstStyle>
-          <a:p>
-            <a:r>
-              <a:rPr lang="en-US" altLang="ja-JP"/>
-              <a:t>Click to edit Master title style</a:t>
-            </a:r>
-            <a:endParaRPr lang="en-US" dirty="0"/>
-          </a:p>
-        </p:txBody>
-      </p:sp>
-      <p:sp>
-        <p:nvSpPr>
-          <p:cNvPr id="3" name="Content Placeholder 2"/>
-          <p:cNvSpPr>
-            <a:spLocks noGrp="1"/>
-          </p:cNvSpPr>
-          <p:nvPr>
-            <p:ph idx="1"/>
-          </p:nvPr>
-        </p:nvSpPr>
-        <p:spPr>
-          <a:xfrm>
-            <a:off x="5183188" y="987428"/>
-            <a:ext cx="6172201" cy="4873625"/>
-          </a:xfrm>
-        </p:spPr>
-        <p:txBody>
-          <a:bodyPr/>
-          <a:lstStyle>
-            <a:lvl1pPr>
-              <a:defRPr sz="3200"/>
-            </a:lvl1pPr>
-            <a:lvl2pPr>
-              <a:defRPr sz="2800"/>
-            </a:lvl2pPr>
-            <a:lvl3pPr>
-              <a:defRPr sz="2400"/>
-            </a:lvl3pPr>
-            <a:lvl4pPr>
-              <a:defRPr sz="2000"/>
-            </a:lvl4pPr>
-            <a:lvl5pPr>
-              <a:defRPr sz="2000"/>
-            </a:lvl5pPr>
-            <a:lvl6pPr>
-              <a:defRPr sz="2000"/>
-            </a:lvl6pPr>
-            <a:lvl7pPr>
-              <a:defRPr sz="2000"/>
-            </a:lvl7pPr>
-            <a:lvl8pPr>
-              <a:defRPr sz="2000"/>
-            </a:lvl8pPr>
-            <a:lvl9pPr>
-              <a:defRPr sz="2000"/>
-            </a:lvl9pPr>
-          </a:lstStyle>
-          <a:p>
-            <a:pPr lvl="0"/>
-            <a:r>
-              <a:rPr lang="en-US" altLang="ja-JP"/>
-              <a:t>Edit Master text styles</a:t>
-            </a:r>
-          </a:p>
-          <a:p>
-            <a:pPr lvl="1"/>
-            <a:r>
-              <a:rPr lang="en-US" altLang="ja-JP"/>
-              <a:t>Second level</a:t>
-            </a:r>
-          </a:p>
-          <a:p>
-            <a:pPr lvl="2"/>
-            <a:r>
-              <a:rPr lang="en-US" altLang="ja-JP"/>
-              <a:t>Third level</a:t>
-            </a:r>
-          </a:p>
-          <a:p>
-            <a:pPr lvl="3"/>
-            <a:r>
-              <a:rPr lang="en-US" altLang="ja-JP"/>
-              <a:t>Fourth level</a:t>
-            </a:r>
-          </a:p>
-          <a:p>
-            <a:pPr lvl="4"/>
-            <a:r>
-              <a:rPr lang="en-US" altLang="ja-JP"/>
-              <a:t>Fifth level</a:t>
-            </a:r>
-            <a:endParaRPr lang="en-US" dirty="0"/>
-          </a:p>
-        </p:txBody>
-      </p:sp>
-      <p:sp>
-        <p:nvSpPr>
-          <p:cNvPr id="4" name="Text Placeholder 3"/>
-          <p:cNvSpPr>
-            <a:spLocks noGrp="1"/>
-          </p:cNvSpPr>
-          <p:nvPr>
-            <p:ph type="body" sz="half" idx="2"/>
-          </p:nvPr>
-        </p:nvSpPr>
-        <p:spPr>
-          <a:xfrm>
-            <a:off x="839789" y="2057400"/>
-            <a:ext cx="3932238" cy="3811588"/>
-          </a:xfrm>
-        </p:spPr>
-        <p:txBody>
-          <a:bodyPr/>
-          <a:lstStyle>
-            <a:lvl1pPr marL="0" indent="0">
-              <a:buNone/>
-              <a:defRPr sz="1600"/>
-            </a:lvl1pPr>
-            <a:lvl2pPr marL="457200" indent="0">
-              <a:buNone/>
-              <a:defRPr sz="1400"/>
-            </a:lvl2pPr>
-            <a:lvl3pPr marL="914400" indent="0">
-              <a:buNone/>
-              <a:defRPr sz="1200"/>
-            </a:lvl3pPr>
-            <a:lvl4pPr marL="1371600" indent="0">
-              <a:buNone/>
-              <a:defRPr sz="1000"/>
-            </a:lvl4pPr>
-            <a:lvl5pPr marL="1828800" indent="0">
-              <a:buNone/>
-              <a:defRPr sz="1000"/>
-            </a:lvl5pPr>
-            <a:lvl6pPr marL="2286000" indent="0">
-              <a:buNone/>
-              <a:defRPr sz="1000"/>
-            </a:lvl6pPr>
-            <a:lvl7pPr marL="2743200" indent="0">
-              <a:buNone/>
-              <a:defRPr sz="1000"/>
-            </a:lvl7pPr>
-            <a:lvl8pPr marL="3200400" indent="0">
-              <a:buNone/>
-              <a:defRPr sz="1000"/>
-            </a:lvl8pPr>
-            <a:lvl9pPr marL="3657600" indent="0">
-              <a:buNone/>
-              <a:defRPr sz="1000"/>
-            </a:lvl9pPr>
-          </a:lstStyle>
-          <a:p>
-            <a:pPr lvl="0"/>
-            <a:r>
-              <a:rPr lang="en-US" altLang="ja-JP"/>
-              <a:t>Edit Master text styles</a:t>
-            </a:r>
-          </a:p>
-        </p:txBody>
-      </p:sp>
-      <p:sp>
-        <p:nvSpPr>
-          <p:cNvPr id="5" name="Date Placeholder 4"/>
-          <p:cNvSpPr>
-            <a:spLocks noGrp="1"/>
-          </p:cNvSpPr>
-          <p:nvPr>
-            <p:ph type="dt" sz="half" idx="10"/>
-          </p:nvPr>
-        </p:nvSpPr>
-        <p:spPr/>
-        <p:txBody>
-          <a:bodyPr/>
-          <a:lstStyle/>
-          <a:p>
-            <a:pPr defTabSz="914400"/>
-            <a:fld id="{F454B96A-5F35-574A-A751-ACD175E133BD}" type="datetimeFigureOut">
-              <a:rPr kumimoji="1" lang="ja-JP" altLang="en-US" smtClean="0">
-                <a:solidFill>
-                  <a:prstClr val="black">
-                    <a:tint val="75000"/>
-                  </a:prstClr>
-                </a:solidFill>
-              </a:rPr>
-              <a:pPr defTabSz="914400"/>
-              <a:t>2018/9/29</a:t>
-            </a:fld>
-            <a:endParaRPr kumimoji="1" lang="ja-JP" altLang="en-US">
-              <a:solidFill>
-                <a:prstClr val="black">
-                  <a:tint val="75000"/>
-                </a:prstClr>
-              </a:solidFill>
-            </a:endParaRPr>
-          </a:p>
-        </p:txBody>
-      </p:sp>
-      <p:sp>
-        <p:nvSpPr>
-          <p:cNvPr id="6" name="Footer Placeholder 5"/>
-          <p:cNvSpPr>
-            <a:spLocks noGrp="1"/>
-          </p:cNvSpPr>
-          <p:nvPr>
-            <p:ph type="ftr" sz="quarter" idx="11"/>
-          </p:nvPr>
-        </p:nvSpPr>
-        <p:spPr/>
-        <p:txBody>
-          <a:bodyPr/>
-          <a:lstStyle/>
-          <a:p>
-            <a:pPr defTabSz="914400"/>
-            <a:endParaRPr kumimoji="1" lang="ja-JP" altLang="en-US">
-              <a:solidFill>
-                <a:prstClr val="black">
-                  <a:tint val="75000"/>
-                </a:prstClr>
-              </a:solidFill>
-            </a:endParaRPr>
-          </a:p>
-        </p:txBody>
-      </p:sp>
-      <p:sp>
-        <p:nvSpPr>
-          <p:cNvPr id="7" name="Slide Number Placeholder 6"/>
-          <p:cNvSpPr>
-            <a:spLocks noGrp="1"/>
-          </p:cNvSpPr>
-          <p:nvPr>
-            <p:ph type="sldNum" sz="quarter" idx="12"/>
-          </p:nvPr>
-        </p:nvSpPr>
-        <p:spPr/>
-        <p:txBody>
-          <a:bodyPr/>
-          <a:lstStyle/>
-          <a:p>
-            <a:pPr defTabSz="914400"/>
-            <a:fld id="{8F60A6E3-D552-DB42-A58B-428B98F5A508}" type="slidenum">
-              <a:rPr kumimoji="1" lang="ja-JP" altLang="en-US" smtClean="0">
-                <a:solidFill>
-                  <a:prstClr val="black">
-                    <a:tint val="75000"/>
-                  </a:prstClr>
-                </a:solidFill>
-              </a:rPr>
-              <a:pPr defTabSz="914400"/>
-              <a:t>‹#›</a:t>
-            </a:fld>
-            <a:endParaRPr kumimoji="1" lang="ja-JP" altLang="en-US">
-              <a:solidFill>
-                <a:prstClr val="black">
-                  <a:tint val="75000"/>
-                </a:prstClr>
-              </a:solidFill>
-            </a:endParaRPr>
-          </a:p>
-        </p:txBody>
-      </p:sp>
-    </p:spTree>
-    <p:extLst>
-      <p:ext uri="{BB962C8B-B14F-4D97-AF65-F5344CB8AC3E}">
-        <p14:creationId xmlns:p14="http://schemas.microsoft.com/office/powerpoint/2010/main" val="3749630325"/>
-      </p:ext>
-    </p:extLst>
-  </p:cSld>
-  <p:clrMapOvr>
-    <a:masterClrMapping/>
-  </p:clrMapOvr>
-</p:sldLayout>
-</file>
-
-<file path=ppt/slideLayouts/slideLayout25.xml><?xml version="1.0" encoding="utf-8"?>
-<p:sldLayout xmlns:a="http://schemas.openxmlformats.org/drawingml/2006/main" xmlns:r="http://schemas.openxmlformats.org/officeDocument/2006/relationships" xmlns:p="http://schemas.openxmlformats.org/presentationml/2006/main" type="picTx" preserve="1">
-  <p:cSld name="Picture with Caption">
-    <p:spTree>
-      <p:nvGrpSpPr>
-        <p:cNvPr id="1" name=""/>
-        <p:cNvGrpSpPr/>
-        <p:nvPr/>
-      </p:nvGrpSpPr>
-      <p:grpSpPr>
-        <a:xfrm>
-          <a:off x="0" y="0"/>
-          <a:ext cx="0" cy="0"/>
-          <a:chOff x="0" y="0"/>
-          <a:chExt cx="0" cy="0"/>
-        </a:xfrm>
-      </p:grpSpPr>
-      <p:sp>
-        <p:nvSpPr>
-          <p:cNvPr id="2" name="Title 1"/>
-          <p:cNvSpPr>
-            <a:spLocks noGrp="1"/>
-          </p:cNvSpPr>
-          <p:nvPr>
-            <p:ph type="title"/>
-          </p:nvPr>
-        </p:nvSpPr>
-        <p:spPr>
-          <a:xfrm>
-            <a:off x="839789" y="457200"/>
-            <a:ext cx="3932238" cy="1600200"/>
-          </a:xfrm>
-        </p:spPr>
-        <p:txBody>
-          <a:bodyPr anchor="b"/>
-          <a:lstStyle>
-            <a:lvl1pPr>
-              <a:defRPr sz="3200"/>
-            </a:lvl1pPr>
-          </a:lstStyle>
-          <a:p>
-            <a:r>
-              <a:rPr lang="en-US" altLang="ja-JP"/>
-              <a:t>Click to edit Master title style</a:t>
-            </a:r>
-            <a:endParaRPr lang="en-US" dirty="0"/>
-          </a:p>
-        </p:txBody>
-      </p:sp>
-      <p:sp>
-        <p:nvSpPr>
-          <p:cNvPr id="3" name="Picture Placeholder 2"/>
-          <p:cNvSpPr>
-            <a:spLocks noGrp="1" noChangeAspect="1"/>
-          </p:cNvSpPr>
-          <p:nvPr>
-            <p:ph type="pic" idx="1"/>
-          </p:nvPr>
-        </p:nvSpPr>
-        <p:spPr>
-          <a:xfrm>
-            <a:off x="5183188" y="987428"/>
-            <a:ext cx="6172201" cy="4873625"/>
-          </a:xfrm>
-        </p:spPr>
-        <p:txBody>
-          <a:bodyPr anchor="t"/>
-          <a:lstStyle>
-            <a:lvl1pPr marL="0" indent="0">
-              <a:buNone/>
-              <a:defRPr sz="3200"/>
-            </a:lvl1pPr>
-            <a:lvl2pPr marL="457200" indent="0">
-              <a:buNone/>
-              <a:defRPr sz="2800"/>
-            </a:lvl2pPr>
-            <a:lvl3pPr marL="914400" indent="0">
-              <a:buNone/>
-              <a:defRPr sz="2400"/>
-            </a:lvl3pPr>
-            <a:lvl4pPr marL="1371600" indent="0">
-              <a:buNone/>
-              <a:defRPr sz="2000"/>
-            </a:lvl4pPr>
-            <a:lvl5pPr marL="1828800" indent="0">
-              <a:buNone/>
-              <a:defRPr sz="2000"/>
-            </a:lvl5pPr>
-            <a:lvl6pPr marL="2286000" indent="0">
-              <a:buNone/>
-              <a:defRPr sz="2000"/>
-            </a:lvl6pPr>
-            <a:lvl7pPr marL="2743200" indent="0">
-              <a:buNone/>
-              <a:defRPr sz="2000"/>
-            </a:lvl7pPr>
-            <a:lvl8pPr marL="3200400" indent="0">
-              <a:buNone/>
-              <a:defRPr sz="2000"/>
-            </a:lvl8pPr>
-            <a:lvl9pPr marL="3657600" indent="0">
-              <a:buNone/>
-              <a:defRPr sz="2000"/>
-            </a:lvl9pPr>
-          </a:lstStyle>
-          <a:p>
-            <a:r>
-              <a:rPr lang="en-US" altLang="ja-JP"/>
-              <a:t>Click icon to add picture</a:t>
-            </a:r>
-            <a:endParaRPr lang="en-US" dirty="0"/>
-          </a:p>
-        </p:txBody>
-      </p:sp>
-      <p:sp>
-        <p:nvSpPr>
-          <p:cNvPr id="4" name="Text Placeholder 3"/>
-          <p:cNvSpPr>
-            <a:spLocks noGrp="1"/>
-          </p:cNvSpPr>
-          <p:nvPr>
-            <p:ph type="body" sz="half" idx="2"/>
-          </p:nvPr>
-        </p:nvSpPr>
-        <p:spPr>
-          <a:xfrm>
-            <a:off x="839789" y="2057400"/>
-            <a:ext cx="3932238" cy="3811588"/>
-          </a:xfrm>
-        </p:spPr>
-        <p:txBody>
-          <a:bodyPr/>
-          <a:lstStyle>
-            <a:lvl1pPr marL="0" indent="0">
-              <a:buNone/>
-              <a:defRPr sz="1600"/>
-            </a:lvl1pPr>
-            <a:lvl2pPr marL="457200" indent="0">
-              <a:buNone/>
-              <a:defRPr sz="1400"/>
-            </a:lvl2pPr>
-            <a:lvl3pPr marL="914400" indent="0">
-              <a:buNone/>
-              <a:defRPr sz="1200"/>
-            </a:lvl3pPr>
-            <a:lvl4pPr marL="1371600" indent="0">
-              <a:buNone/>
-              <a:defRPr sz="1000"/>
-            </a:lvl4pPr>
-            <a:lvl5pPr marL="1828800" indent="0">
-              <a:buNone/>
-              <a:defRPr sz="1000"/>
-            </a:lvl5pPr>
-            <a:lvl6pPr marL="2286000" indent="0">
-              <a:buNone/>
-              <a:defRPr sz="1000"/>
-            </a:lvl6pPr>
-            <a:lvl7pPr marL="2743200" indent="0">
-              <a:buNone/>
-              <a:defRPr sz="1000"/>
-            </a:lvl7pPr>
-            <a:lvl8pPr marL="3200400" indent="0">
-              <a:buNone/>
-              <a:defRPr sz="1000"/>
-            </a:lvl8pPr>
-            <a:lvl9pPr marL="3657600" indent="0">
-              <a:buNone/>
-              <a:defRPr sz="1000"/>
-            </a:lvl9pPr>
-          </a:lstStyle>
-          <a:p>
-            <a:pPr lvl="0"/>
-            <a:r>
-              <a:rPr lang="en-US" altLang="ja-JP"/>
-              <a:t>Edit Master text styles</a:t>
-            </a:r>
-          </a:p>
-        </p:txBody>
-      </p:sp>
-      <p:sp>
-        <p:nvSpPr>
-          <p:cNvPr id="5" name="Date Placeholder 4"/>
-          <p:cNvSpPr>
-            <a:spLocks noGrp="1"/>
-          </p:cNvSpPr>
-          <p:nvPr>
-            <p:ph type="dt" sz="half" idx="10"/>
-          </p:nvPr>
-        </p:nvSpPr>
-        <p:spPr/>
-        <p:txBody>
-          <a:bodyPr/>
-          <a:lstStyle/>
-          <a:p>
-            <a:pPr defTabSz="914400"/>
-            <a:fld id="{F454B96A-5F35-574A-A751-ACD175E133BD}" type="datetimeFigureOut">
-              <a:rPr kumimoji="1" lang="ja-JP" altLang="en-US" smtClean="0">
-                <a:solidFill>
-                  <a:prstClr val="black">
-                    <a:tint val="75000"/>
-                  </a:prstClr>
-                </a:solidFill>
-              </a:rPr>
-              <a:pPr defTabSz="914400"/>
-              <a:t>2018/9/29</a:t>
-            </a:fld>
-            <a:endParaRPr kumimoji="1" lang="ja-JP" altLang="en-US">
-              <a:solidFill>
-                <a:prstClr val="black">
-                  <a:tint val="75000"/>
-                </a:prstClr>
-              </a:solidFill>
-            </a:endParaRPr>
-          </a:p>
-        </p:txBody>
-      </p:sp>
-      <p:sp>
-        <p:nvSpPr>
-          <p:cNvPr id="6" name="Footer Placeholder 5"/>
-          <p:cNvSpPr>
-            <a:spLocks noGrp="1"/>
-          </p:cNvSpPr>
-          <p:nvPr>
-            <p:ph type="ftr" sz="quarter" idx="11"/>
-          </p:nvPr>
-        </p:nvSpPr>
-        <p:spPr/>
-        <p:txBody>
-          <a:bodyPr/>
-          <a:lstStyle/>
-          <a:p>
-            <a:pPr defTabSz="914400"/>
-            <a:endParaRPr kumimoji="1" lang="ja-JP" altLang="en-US">
-              <a:solidFill>
-                <a:prstClr val="black">
-                  <a:tint val="75000"/>
-                </a:prstClr>
-              </a:solidFill>
-            </a:endParaRPr>
-          </a:p>
-        </p:txBody>
-      </p:sp>
-      <p:sp>
-        <p:nvSpPr>
-          <p:cNvPr id="7" name="Slide Number Placeholder 6"/>
-          <p:cNvSpPr>
-            <a:spLocks noGrp="1"/>
-          </p:cNvSpPr>
-          <p:nvPr>
-            <p:ph type="sldNum" sz="quarter" idx="12"/>
-          </p:nvPr>
-        </p:nvSpPr>
-        <p:spPr/>
-        <p:txBody>
-          <a:bodyPr/>
-          <a:lstStyle/>
-          <a:p>
-            <a:pPr defTabSz="914400"/>
-            <a:fld id="{8F60A6E3-D552-DB42-A58B-428B98F5A508}" type="slidenum">
-              <a:rPr kumimoji="1" lang="ja-JP" altLang="en-US" smtClean="0">
-                <a:solidFill>
-                  <a:prstClr val="black">
-                    <a:tint val="75000"/>
-                  </a:prstClr>
-                </a:solidFill>
-              </a:rPr>
-              <a:pPr defTabSz="914400"/>
-              <a:t>‹#›</a:t>
-            </a:fld>
-            <a:endParaRPr kumimoji="1" lang="ja-JP" altLang="en-US">
-              <a:solidFill>
-                <a:prstClr val="black">
-                  <a:tint val="75000"/>
-                </a:prstClr>
-              </a:solidFill>
-            </a:endParaRPr>
-          </a:p>
-        </p:txBody>
-      </p:sp>
-    </p:spTree>
-    <p:extLst>
-      <p:ext uri="{BB962C8B-B14F-4D97-AF65-F5344CB8AC3E}">
-        <p14:creationId xmlns:p14="http://schemas.microsoft.com/office/powerpoint/2010/main" val="893038681"/>
-      </p:ext>
-    </p:extLst>
-  </p:cSld>
-  <p:clrMapOvr>
-    <a:masterClrMapping/>
-  </p:clrMapOvr>
-</p:sldLayout>
-</file>
-
-<file path=ppt/slideLayouts/slideLayout26.xml><?xml version="1.0" encoding="utf-8"?>
-<p:sldLayout xmlns:a="http://schemas.openxmlformats.org/drawingml/2006/main" xmlns:r="http://schemas.openxmlformats.org/officeDocument/2006/relationships" xmlns:p="http://schemas.openxmlformats.org/presentationml/2006/main" type="vertTx" preserve="1">
-  <p:cSld name="Title and Vertical Text">
-    <p:spTree>
-      <p:nvGrpSpPr>
-        <p:cNvPr id="1" name=""/>
-        <p:cNvGrpSpPr/>
-        <p:nvPr/>
-      </p:nvGrpSpPr>
-      <p:grpSpPr>
-        <a:xfrm>
-          <a:off x="0" y="0"/>
-          <a:ext cx="0" cy="0"/>
-          <a:chOff x="0" y="0"/>
-          <a:chExt cx="0" cy="0"/>
-        </a:xfrm>
-      </p:grpSpPr>
-      <p:sp>
-        <p:nvSpPr>
-          <p:cNvPr id="2" name="Title 1"/>
-          <p:cNvSpPr>
-            <a:spLocks noGrp="1"/>
-          </p:cNvSpPr>
-          <p:nvPr>
-            <p:ph type="title"/>
-          </p:nvPr>
-        </p:nvSpPr>
-        <p:spPr/>
-        <p:txBody>
-          <a:bodyPr/>
-          <a:lstStyle/>
-          <a:p>
-            <a:r>
-              <a:rPr lang="en-US" altLang="ja-JP"/>
-              <a:t>Click to edit Master title style</a:t>
-            </a:r>
-            <a:endParaRPr lang="en-US" dirty="0"/>
-          </a:p>
-        </p:txBody>
-      </p:sp>
-      <p:sp>
-        <p:nvSpPr>
-          <p:cNvPr id="3" name="Vertical Text Placeholder 2"/>
-          <p:cNvSpPr>
-            <a:spLocks noGrp="1"/>
-          </p:cNvSpPr>
-          <p:nvPr>
-            <p:ph type="body" orient="vert" idx="1"/>
-          </p:nvPr>
-        </p:nvSpPr>
-        <p:spPr/>
-        <p:txBody>
-          <a:bodyPr vert="eaVert"/>
-          <a:lstStyle/>
-          <a:p>
-            <a:pPr lvl="0"/>
-            <a:r>
-              <a:rPr lang="en-US" altLang="ja-JP"/>
-              <a:t>Edit Master text styles</a:t>
-            </a:r>
-          </a:p>
-          <a:p>
-            <a:pPr lvl="1"/>
-            <a:r>
-              <a:rPr lang="en-US" altLang="ja-JP"/>
-              <a:t>Second level</a:t>
-            </a:r>
-          </a:p>
-          <a:p>
-            <a:pPr lvl="2"/>
-            <a:r>
-              <a:rPr lang="en-US" altLang="ja-JP"/>
-              <a:t>Third level</a:t>
-            </a:r>
-          </a:p>
-          <a:p>
-            <a:pPr lvl="3"/>
-            <a:r>
-              <a:rPr lang="en-US" altLang="ja-JP"/>
-              <a:t>Fourth level</a:t>
-            </a:r>
-          </a:p>
-          <a:p>
-            <a:pPr lvl="4"/>
-            <a:r>
-              <a:rPr lang="en-US" altLang="ja-JP"/>
-              <a:t>Fifth level</a:t>
-            </a:r>
-            <a:endParaRPr lang="en-US" dirty="0"/>
-          </a:p>
-        </p:txBody>
-      </p:sp>
-      <p:sp>
-        <p:nvSpPr>
-          <p:cNvPr id="4" name="Date Placeholder 3"/>
-          <p:cNvSpPr>
-            <a:spLocks noGrp="1"/>
-          </p:cNvSpPr>
-          <p:nvPr>
-            <p:ph type="dt" sz="half" idx="10"/>
-          </p:nvPr>
-        </p:nvSpPr>
-        <p:spPr/>
-        <p:txBody>
-          <a:bodyPr/>
-          <a:lstStyle/>
-          <a:p>
-            <a:pPr defTabSz="914400"/>
-            <a:fld id="{F454B96A-5F35-574A-A751-ACD175E133BD}" type="datetimeFigureOut">
-              <a:rPr kumimoji="1" lang="ja-JP" altLang="en-US" smtClean="0">
-                <a:solidFill>
-                  <a:prstClr val="black">
-                    <a:tint val="75000"/>
-                  </a:prstClr>
-                </a:solidFill>
-              </a:rPr>
-              <a:pPr defTabSz="914400"/>
-              <a:t>2018/9/29</a:t>
-            </a:fld>
-            <a:endParaRPr kumimoji="1" lang="ja-JP" altLang="en-US">
-              <a:solidFill>
-                <a:prstClr val="black">
-                  <a:tint val="75000"/>
-                </a:prstClr>
-              </a:solidFill>
-            </a:endParaRPr>
-          </a:p>
-        </p:txBody>
-      </p:sp>
-      <p:sp>
-        <p:nvSpPr>
-          <p:cNvPr id="5" name="Footer Placeholder 4"/>
-          <p:cNvSpPr>
-            <a:spLocks noGrp="1"/>
-          </p:cNvSpPr>
-          <p:nvPr>
-            <p:ph type="ftr" sz="quarter" idx="11"/>
-          </p:nvPr>
-        </p:nvSpPr>
-        <p:spPr/>
-        <p:txBody>
-          <a:bodyPr/>
-          <a:lstStyle/>
-          <a:p>
-            <a:pPr defTabSz="914400"/>
-            <a:endParaRPr kumimoji="1" lang="ja-JP" altLang="en-US">
-              <a:solidFill>
-                <a:prstClr val="black">
-                  <a:tint val="75000"/>
-                </a:prstClr>
-              </a:solidFill>
-            </a:endParaRPr>
-          </a:p>
-        </p:txBody>
-      </p:sp>
-      <p:sp>
-        <p:nvSpPr>
-          <p:cNvPr id="6" name="Slide Number Placeholder 5"/>
-          <p:cNvSpPr>
-            <a:spLocks noGrp="1"/>
-          </p:cNvSpPr>
-          <p:nvPr>
-            <p:ph type="sldNum" sz="quarter" idx="12"/>
-          </p:nvPr>
-        </p:nvSpPr>
-        <p:spPr/>
-        <p:txBody>
-          <a:bodyPr/>
-          <a:lstStyle/>
-          <a:p>
-            <a:pPr defTabSz="914400"/>
-            <a:fld id="{8F60A6E3-D552-DB42-A58B-428B98F5A508}" type="slidenum">
-              <a:rPr kumimoji="1" lang="ja-JP" altLang="en-US" smtClean="0">
-                <a:solidFill>
-                  <a:prstClr val="black">
-                    <a:tint val="75000"/>
-                  </a:prstClr>
-                </a:solidFill>
-              </a:rPr>
-              <a:pPr defTabSz="914400"/>
-              <a:t>‹#›</a:t>
-            </a:fld>
-            <a:endParaRPr kumimoji="1" lang="ja-JP" altLang="en-US">
-              <a:solidFill>
-                <a:prstClr val="black">
-                  <a:tint val="75000"/>
-                </a:prstClr>
-              </a:solidFill>
-            </a:endParaRPr>
-          </a:p>
-        </p:txBody>
-      </p:sp>
-    </p:spTree>
-    <p:extLst>
-      <p:ext uri="{BB962C8B-B14F-4D97-AF65-F5344CB8AC3E}">
-        <p14:creationId xmlns:p14="http://schemas.microsoft.com/office/powerpoint/2010/main" val="1855001237"/>
-      </p:ext>
-    </p:extLst>
-  </p:cSld>
-  <p:clrMapOvr>
-    <a:masterClrMapping/>
-  </p:clrMapOvr>
-</p:sldLayout>
-</file>
-
-<file path=ppt/slideLayouts/slideLayout27.xml><?xml version="1.0" encoding="utf-8"?>
-<p:sldLayout xmlns:a="http://schemas.openxmlformats.org/drawingml/2006/main" xmlns:r="http://schemas.openxmlformats.org/officeDocument/2006/relationships" xmlns:p="http://schemas.openxmlformats.org/presentationml/2006/main" type="vertTitleAndTx" preserve="1">
-  <p:cSld name="Vertical Title and Text">
-    <p:spTree>
-      <p:nvGrpSpPr>
-        <p:cNvPr id="1" name=""/>
-        <p:cNvGrpSpPr/>
-        <p:nvPr/>
-      </p:nvGrpSpPr>
-      <p:grpSpPr>
-        <a:xfrm>
-          <a:off x="0" y="0"/>
-          <a:ext cx="0" cy="0"/>
-          <a:chOff x="0" y="0"/>
-          <a:chExt cx="0" cy="0"/>
-        </a:xfrm>
-      </p:grpSpPr>
-      <p:sp>
-        <p:nvSpPr>
-          <p:cNvPr id="2" name="Vertical Title 1"/>
-          <p:cNvSpPr>
-            <a:spLocks noGrp="1"/>
-          </p:cNvSpPr>
-          <p:nvPr>
-            <p:ph type="title" orient="vert"/>
-          </p:nvPr>
-        </p:nvSpPr>
-        <p:spPr>
-          <a:xfrm>
-            <a:off x="8724901" y="365125"/>
-            <a:ext cx="2628900" cy="5811838"/>
-          </a:xfrm>
-        </p:spPr>
-        <p:txBody>
-          <a:bodyPr vert="eaVert"/>
-          <a:lstStyle/>
-          <a:p>
-            <a:r>
-              <a:rPr lang="en-US" altLang="ja-JP"/>
-              <a:t>Click to edit Master title style</a:t>
-            </a:r>
-            <a:endParaRPr lang="en-US" dirty="0"/>
-          </a:p>
-        </p:txBody>
-      </p:sp>
-      <p:sp>
-        <p:nvSpPr>
-          <p:cNvPr id="3" name="Vertical Text Placeholder 2"/>
-          <p:cNvSpPr>
-            <a:spLocks noGrp="1"/>
-          </p:cNvSpPr>
-          <p:nvPr>
-            <p:ph type="body" orient="vert" idx="1"/>
-          </p:nvPr>
-        </p:nvSpPr>
-        <p:spPr>
-          <a:xfrm>
-            <a:off x="838201" y="365125"/>
-            <a:ext cx="7734300" cy="5811838"/>
-          </a:xfrm>
-        </p:spPr>
-        <p:txBody>
-          <a:bodyPr vert="eaVert"/>
-          <a:lstStyle/>
-          <a:p>
-            <a:pPr lvl="0"/>
-            <a:r>
-              <a:rPr lang="en-US" altLang="ja-JP"/>
-              <a:t>Edit Master text styles</a:t>
-            </a:r>
-          </a:p>
-          <a:p>
-            <a:pPr lvl="1"/>
-            <a:r>
-              <a:rPr lang="en-US" altLang="ja-JP"/>
-              <a:t>Second level</a:t>
-            </a:r>
-          </a:p>
-          <a:p>
-            <a:pPr lvl="2"/>
-            <a:r>
-              <a:rPr lang="en-US" altLang="ja-JP"/>
-              <a:t>Third level</a:t>
-            </a:r>
-          </a:p>
-          <a:p>
-            <a:pPr lvl="3"/>
-            <a:r>
-              <a:rPr lang="en-US" altLang="ja-JP"/>
-              <a:t>Fourth level</a:t>
-            </a:r>
-          </a:p>
-          <a:p>
-            <a:pPr lvl="4"/>
-            <a:r>
-              <a:rPr lang="en-US" altLang="ja-JP"/>
-              <a:t>Fifth level</a:t>
-            </a:r>
-            <a:endParaRPr lang="en-US" dirty="0"/>
-          </a:p>
-        </p:txBody>
-      </p:sp>
-      <p:sp>
-        <p:nvSpPr>
-          <p:cNvPr id="4" name="Date Placeholder 3"/>
-          <p:cNvSpPr>
-            <a:spLocks noGrp="1"/>
-          </p:cNvSpPr>
-          <p:nvPr>
-            <p:ph type="dt" sz="half" idx="10"/>
-          </p:nvPr>
-        </p:nvSpPr>
-        <p:spPr/>
-        <p:txBody>
-          <a:bodyPr/>
-          <a:lstStyle/>
-          <a:p>
-            <a:pPr defTabSz="914400"/>
-            <a:fld id="{F454B96A-5F35-574A-A751-ACD175E133BD}" type="datetimeFigureOut">
-              <a:rPr kumimoji="1" lang="ja-JP" altLang="en-US" smtClean="0">
-                <a:solidFill>
-                  <a:prstClr val="black">
-                    <a:tint val="75000"/>
-                  </a:prstClr>
-                </a:solidFill>
-              </a:rPr>
-              <a:pPr defTabSz="914400"/>
-              <a:t>2018/9/29</a:t>
-            </a:fld>
-            <a:endParaRPr kumimoji="1" lang="ja-JP" altLang="en-US">
-              <a:solidFill>
-                <a:prstClr val="black">
-                  <a:tint val="75000"/>
-                </a:prstClr>
-              </a:solidFill>
-            </a:endParaRPr>
-          </a:p>
-        </p:txBody>
-      </p:sp>
-      <p:sp>
-        <p:nvSpPr>
-          <p:cNvPr id="5" name="Footer Placeholder 4"/>
-          <p:cNvSpPr>
-            <a:spLocks noGrp="1"/>
-          </p:cNvSpPr>
-          <p:nvPr>
-            <p:ph type="ftr" sz="quarter" idx="11"/>
-          </p:nvPr>
-        </p:nvSpPr>
-        <p:spPr/>
-        <p:txBody>
-          <a:bodyPr/>
-          <a:lstStyle/>
-          <a:p>
-            <a:pPr defTabSz="914400"/>
-            <a:endParaRPr kumimoji="1" lang="ja-JP" altLang="en-US">
-              <a:solidFill>
-                <a:prstClr val="black">
-                  <a:tint val="75000"/>
-                </a:prstClr>
-              </a:solidFill>
-            </a:endParaRPr>
-          </a:p>
-        </p:txBody>
-      </p:sp>
-      <p:sp>
-        <p:nvSpPr>
-          <p:cNvPr id="6" name="Slide Number Placeholder 5"/>
-          <p:cNvSpPr>
-            <a:spLocks noGrp="1"/>
-          </p:cNvSpPr>
-          <p:nvPr>
-            <p:ph type="sldNum" sz="quarter" idx="12"/>
-          </p:nvPr>
-        </p:nvSpPr>
-        <p:spPr/>
-        <p:txBody>
-          <a:bodyPr/>
-          <a:lstStyle/>
-          <a:p>
-            <a:pPr defTabSz="914400"/>
-            <a:fld id="{8F60A6E3-D552-DB42-A58B-428B98F5A508}" type="slidenum">
-              <a:rPr kumimoji="1" lang="ja-JP" altLang="en-US" smtClean="0">
-                <a:solidFill>
-                  <a:prstClr val="black">
-                    <a:tint val="75000"/>
-                  </a:prstClr>
-                </a:solidFill>
-              </a:rPr>
-              <a:pPr defTabSz="914400"/>
-              <a:t>‹#›</a:t>
-            </a:fld>
-            <a:endParaRPr kumimoji="1" lang="ja-JP" altLang="en-US">
-              <a:solidFill>
-                <a:prstClr val="black">
-                  <a:tint val="75000"/>
-                </a:prstClr>
-              </a:solidFill>
-            </a:endParaRPr>
-          </a:p>
-        </p:txBody>
-      </p:sp>
-    </p:spTree>
-    <p:extLst>
-      <p:ext uri="{BB962C8B-B14F-4D97-AF65-F5344CB8AC3E}">
-        <p14:creationId xmlns:p14="http://schemas.microsoft.com/office/powerpoint/2010/main" val="3452510197"/>
-      </p:ext>
-    </p:extLst>
   </p:cSld>
   <p:clrMapOvr>
     <a:masterClrMapping/>
@@ -8737,581 +6048,6 @@
 </p:sldMaster>
 </file>
 
-<file path=ppt/slideMasters/slideMaster2.xml><?xml version="1.0" encoding="utf-8"?>
-<p:sldMaster xmlns:a="http://schemas.openxmlformats.org/drawingml/2006/main" xmlns:r="http://schemas.openxmlformats.org/officeDocument/2006/relationships" xmlns:p="http://schemas.openxmlformats.org/presentationml/2006/main">
-  <p:cSld>
-    <p:bg>
-      <p:bgRef idx="1001">
-        <a:schemeClr val="bg1"/>
-      </p:bgRef>
-    </p:bg>
-    <p:spTree>
-      <p:nvGrpSpPr>
-        <p:cNvPr id="1" name=""/>
-        <p:cNvGrpSpPr/>
-        <p:nvPr/>
-      </p:nvGrpSpPr>
-      <p:grpSpPr>
-        <a:xfrm>
-          <a:off x="0" y="0"/>
-          <a:ext cx="0" cy="0"/>
-          <a:chOff x="0" y="0"/>
-          <a:chExt cx="0" cy="0"/>
-        </a:xfrm>
-      </p:grpSpPr>
-      <p:sp>
-        <p:nvSpPr>
-          <p:cNvPr id="2" name="Title Placeholder 1"/>
-          <p:cNvSpPr>
-            <a:spLocks noGrp="1"/>
-          </p:cNvSpPr>
-          <p:nvPr>
-            <p:ph type="title"/>
-          </p:nvPr>
-        </p:nvSpPr>
-        <p:spPr>
-          <a:xfrm>
-            <a:off x="838201" y="365128"/>
-            <a:ext cx="10515600" cy="1325563"/>
-          </a:xfrm>
-          <a:prstGeom prst="rect">
-            <a:avLst/>
-          </a:prstGeom>
-        </p:spPr>
-        <p:txBody>
-          <a:bodyPr vert="horz" lIns="91440" tIns="45720" rIns="91440" bIns="45720" rtlCol="0" anchor="ctr">
-            <a:normAutofit/>
-          </a:bodyPr>
-          <a:lstStyle/>
-          <a:p>
-            <a:r>
-              <a:rPr lang="en-US" altLang="ja-JP"/>
-              <a:t>Click to edit Master title style</a:t>
-            </a:r>
-            <a:endParaRPr lang="en-US" dirty="0"/>
-          </a:p>
-        </p:txBody>
-      </p:sp>
-      <p:sp>
-        <p:nvSpPr>
-          <p:cNvPr id="3" name="Text Placeholder 2"/>
-          <p:cNvSpPr>
-            <a:spLocks noGrp="1"/>
-          </p:cNvSpPr>
-          <p:nvPr>
-            <p:ph type="body" idx="1"/>
-          </p:nvPr>
-        </p:nvSpPr>
-        <p:spPr>
-          <a:xfrm>
-            <a:off x="838201" y="1825625"/>
-            <a:ext cx="10515600" cy="4351338"/>
-          </a:xfrm>
-          <a:prstGeom prst="rect">
-            <a:avLst/>
-          </a:prstGeom>
-        </p:spPr>
-        <p:txBody>
-          <a:bodyPr vert="horz" lIns="91440" tIns="45720" rIns="91440" bIns="45720" rtlCol="0">
-            <a:normAutofit/>
-          </a:bodyPr>
-          <a:lstStyle/>
-          <a:p>
-            <a:pPr lvl="0"/>
-            <a:r>
-              <a:rPr lang="en-US" altLang="ja-JP"/>
-              <a:t>Edit Master text styles</a:t>
-            </a:r>
-          </a:p>
-          <a:p>
-            <a:pPr lvl="1"/>
-            <a:r>
-              <a:rPr lang="en-US" altLang="ja-JP"/>
-              <a:t>Second level</a:t>
-            </a:r>
-          </a:p>
-          <a:p>
-            <a:pPr lvl="2"/>
-            <a:r>
-              <a:rPr lang="en-US" altLang="ja-JP"/>
-              <a:t>Third level</a:t>
-            </a:r>
-          </a:p>
-          <a:p>
-            <a:pPr lvl="3"/>
-            <a:r>
-              <a:rPr lang="en-US" altLang="ja-JP"/>
-              <a:t>Fourth level</a:t>
-            </a:r>
-          </a:p>
-          <a:p>
-            <a:pPr lvl="4"/>
-            <a:r>
-              <a:rPr lang="en-US" altLang="ja-JP"/>
-              <a:t>Fifth level</a:t>
-            </a:r>
-            <a:endParaRPr lang="en-US" dirty="0"/>
-          </a:p>
-        </p:txBody>
-      </p:sp>
-      <p:sp>
-        <p:nvSpPr>
-          <p:cNvPr id="4" name="Date Placeholder 3"/>
-          <p:cNvSpPr>
-            <a:spLocks noGrp="1"/>
-          </p:cNvSpPr>
-          <p:nvPr>
-            <p:ph type="dt" sz="half" idx="2"/>
-          </p:nvPr>
-        </p:nvSpPr>
-        <p:spPr>
-          <a:xfrm>
-            <a:off x="838201" y="6356353"/>
-            <a:ext cx="2743200" cy="365125"/>
-          </a:xfrm>
-          <a:prstGeom prst="rect">
-            <a:avLst/>
-          </a:prstGeom>
-        </p:spPr>
-        <p:txBody>
-          <a:bodyPr vert="horz" lIns="91440" tIns="45720" rIns="91440" bIns="45720" rtlCol="0" anchor="ctr"/>
-          <a:lstStyle>
-            <a:lvl1pPr algn="l">
-              <a:defRPr sz="1200">
-                <a:solidFill>
-                  <a:schemeClr val="tx1">
-                    <a:tint val="75000"/>
-                  </a:schemeClr>
-                </a:solidFill>
-              </a:defRPr>
-            </a:lvl1pPr>
-          </a:lstStyle>
-          <a:p>
-            <a:pPr defTabSz="914400"/>
-            <a:fld id="{F454B96A-5F35-574A-A751-ACD175E133BD}" type="datetimeFigureOut">
-              <a:rPr kumimoji="1" lang="ja-JP" altLang="en-US" smtClean="0">
-                <a:solidFill>
-                  <a:prstClr val="black">
-                    <a:tint val="75000"/>
-                  </a:prstClr>
-                </a:solidFill>
-              </a:rPr>
-              <a:pPr defTabSz="914400"/>
-              <a:t>2018/9/29</a:t>
-            </a:fld>
-            <a:endParaRPr kumimoji="1" lang="ja-JP" altLang="en-US">
-              <a:solidFill>
-                <a:prstClr val="black">
-                  <a:tint val="75000"/>
-                </a:prstClr>
-              </a:solidFill>
-            </a:endParaRPr>
-          </a:p>
-        </p:txBody>
-      </p:sp>
-      <p:sp>
-        <p:nvSpPr>
-          <p:cNvPr id="5" name="Footer Placeholder 4"/>
-          <p:cNvSpPr>
-            <a:spLocks noGrp="1"/>
-          </p:cNvSpPr>
-          <p:nvPr>
-            <p:ph type="ftr" sz="quarter" idx="3"/>
-          </p:nvPr>
-        </p:nvSpPr>
-        <p:spPr>
-          <a:xfrm>
-            <a:off x="4038601" y="6356353"/>
-            <a:ext cx="4114800" cy="365125"/>
-          </a:xfrm>
-          <a:prstGeom prst="rect">
-            <a:avLst/>
-          </a:prstGeom>
-        </p:spPr>
-        <p:txBody>
-          <a:bodyPr vert="horz" lIns="91440" tIns="45720" rIns="91440" bIns="45720" rtlCol="0" anchor="ctr"/>
-          <a:lstStyle>
-            <a:lvl1pPr algn="ctr">
-              <a:defRPr sz="1200">
-                <a:solidFill>
-                  <a:schemeClr val="tx1">
-                    <a:tint val="75000"/>
-                  </a:schemeClr>
-                </a:solidFill>
-              </a:defRPr>
-            </a:lvl1pPr>
-          </a:lstStyle>
-          <a:p>
-            <a:pPr defTabSz="914400"/>
-            <a:endParaRPr kumimoji="1" lang="ja-JP" altLang="en-US">
-              <a:solidFill>
-                <a:prstClr val="black">
-                  <a:tint val="75000"/>
-                </a:prstClr>
-              </a:solidFill>
-            </a:endParaRPr>
-          </a:p>
-        </p:txBody>
-      </p:sp>
-      <p:sp>
-        <p:nvSpPr>
-          <p:cNvPr id="6" name="Slide Number Placeholder 5"/>
-          <p:cNvSpPr>
-            <a:spLocks noGrp="1"/>
-          </p:cNvSpPr>
-          <p:nvPr>
-            <p:ph type="sldNum" sz="quarter" idx="4"/>
-          </p:nvPr>
-        </p:nvSpPr>
-        <p:spPr>
-          <a:xfrm>
-            <a:off x="8610601" y="6356353"/>
-            <a:ext cx="2743200" cy="365125"/>
-          </a:xfrm>
-          <a:prstGeom prst="rect">
-            <a:avLst/>
-          </a:prstGeom>
-        </p:spPr>
-        <p:txBody>
-          <a:bodyPr vert="horz" lIns="91440" tIns="45720" rIns="91440" bIns="45720" rtlCol="0" anchor="ctr"/>
-          <a:lstStyle>
-            <a:lvl1pPr algn="r">
-              <a:defRPr sz="1200">
-                <a:solidFill>
-                  <a:schemeClr val="tx1">
-                    <a:tint val="75000"/>
-                  </a:schemeClr>
-                </a:solidFill>
-              </a:defRPr>
-            </a:lvl1pPr>
-          </a:lstStyle>
-          <a:p>
-            <a:pPr defTabSz="914400"/>
-            <a:fld id="{8F60A6E3-D552-DB42-A58B-428B98F5A508}" type="slidenum">
-              <a:rPr kumimoji="1" lang="ja-JP" altLang="en-US" smtClean="0">
-                <a:solidFill>
-                  <a:prstClr val="black">
-                    <a:tint val="75000"/>
-                  </a:prstClr>
-                </a:solidFill>
-              </a:rPr>
-              <a:pPr defTabSz="914400"/>
-              <a:t>‹#›</a:t>
-            </a:fld>
-            <a:endParaRPr kumimoji="1" lang="ja-JP" altLang="en-US">
-              <a:solidFill>
-                <a:prstClr val="black">
-                  <a:tint val="75000"/>
-                </a:prstClr>
-              </a:solidFill>
-            </a:endParaRPr>
-          </a:p>
-        </p:txBody>
-      </p:sp>
-    </p:spTree>
-    <p:extLst>
-      <p:ext uri="{BB962C8B-B14F-4D97-AF65-F5344CB8AC3E}">
-        <p14:creationId xmlns:p14="http://schemas.microsoft.com/office/powerpoint/2010/main" val="2890648431"/>
-      </p:ext>
-    </p:extLst>
-  </p:cSld>
-  <p:clrMap bg1="lt1" tx1="dk1" bg2="lt2" tx2="dk2" accent1="accent1" accent2="accent2" accent3="accent3" accent4="accent4" accent5="accent5" accent6="accent6" hlink="hlink" folHlink="folHlink"/>
-  <p:sldLayoutIdLst>
-    <p:sldLayoutId id="2147483669" r:id="rId1"/>
-    <p:sldLayoutId id="2147483670" r:id="rId2"/>
-    <p:sldLayoutId id="2147483671" r:id="rId3"/>
-    <p:sldLayoutId id="2147483672" r:id="rId4"/>
-    <p:sldLayoutId id="2147483673" r:id="rId5"/>
-    <p:sldLayoutId id="2147483674" r:id="rId6"/>
-    <p:sldLayoutId id="2147483675" r:id="rId7"/>
-    <p:sldLayoutId id="2147483676" r:id="rId8"/>
-    <p:sldLayoutId id="2147483677" r:id="rId9"/>
-    <p:sldLayoutId id="2147483678" r:id="rId10"/>
-    <p:sldLayoutId id="2147483679" r:id="rId11"/>
-  </p:sldLayoutIdLst>
-  <p:txStyles>
-    <p:titleStyle>
-      <a:lvl1pPr algn="l" defTabSz="914400" rtl="0" eaLnBrk="1" latinLnBrk="0" hangingPunct="1">
-        <a:lnSpc>
-          <a:spcPct val="90000"/>
-        </a:lnSpc>
-        <a:spcBef>
-          <a:spcPct val="0"/>
-        </a:spcBef>
-        <a:buNone/>
-        <a:defRPr sz="4400" kern="1200">
-          <a:solidFill>
-            <a:schemeClr val="tx1"/>
-          </a:solidFill>
-          <a:latin typeface="+mj-lt"/>
-          <a:ea typeface="+mj-ea"/>
-          <a:cs typeface="+mj-cs"/>
-        </a:defRPr>
-      </a:lvl1pPr>
-    </p:titleStyle>
-    <p:bodyStyle>
-      <a:lvl1pPr marL="228600" indent="-228600" algn="l" defTabSz="914400" rtl="0" eaLnBrk="1" latinLnBrk="0" hangingPunct="1">
-        <a:lnSpc>
-          <a:spcPct val="90000"/>
-        </a:lnSpc>
-        <a:spcBef>
-          <a:spcPts val="1000"/>
-        </a:spcBef>
-        <a:buFont typeface="Arial" panose="020B0604020202020204" pitchFamily="34" charset="0"/>
-        <a:buChar char="•"/>
-        <a:defRPr sz="2800" kern="1200">
-          <a:solidFill>
-            <a:schemeClr val="tx1"/>
-          </a:solidFill>
-          <a:latin typeface="+mn-lt"/>
-          <a:ea typeface="+mn-ea"/>
-          <a:cs typeface="+mn-cs"/>
-        </a:defRPr>
-      </a:lvl1pPr>
-      <a:lvl2pPr marL="685800" indent="-228600" algn="l" defTabSz="914400" rtl="0" eaLnBrk="1" latinLnBrk="0" hangingPunct="1">
-        <a:lnSpc>
-          <a:spcPct val="90000"/>
-        </a:lnSpc>
-        <a:spcBef>
-          <a:spcPts val="500"/>
-        </a:spcBef>
-        <a:buFont typeface="Arial" panose="020B0604020202020204" pitchFamily="34" charset="0"/>
-        <a:buChar char="•"/>
-        <a:defRPr sz="2400" kern="1200">
-          <a:solidFill>
-            <a:schemeClr val="tx1"/>
-          </a:solidFill>
-          <a:latin typeface="+mn-lt"/>
-          <a:ea typeface="+mn-ea"/>
-          <a:cs typeface="+mn-cs"/>
-        </a:defRPr>
-      </a:lvl2pPr>
-      <a:lvl3pPr marL="1143000" indent="-228600" algn="l" defTabSz="914400" rtl="0" eaLnBrk="1" latinLnBrk="0" hangingPunct="1">
-        <a:lnSpc>
-          <a:spcPct val="90000"/>
-        </a:lnSpc>
-        <a:spcBef>
-          <a:spcPts val="500"/>
-        </a:spcBef>
-        <a:buFont typeface="Arial" panose="020B0604020202020204" pitchFamily="34" charset="0"/>
-        <a:buChar char="•"/>
-        <a:defRPr sz="2000" kern="1200">
-          <a:solidFill>
-            <a:schemeClr val="tx1"/>
-          </a:solidFill>
-          <a:latin typeface="+mn-lt"/>
-          <a:ea typeface="+mn-ea"/>
-          <a:cs typeface="+mn-cs"/>
-        </a:defRPr>
-      </a:lvl3pPr>
-      <a:lvl4pPr marL="1600200" indent="-228600" algn="l" defTabSz="914400" rtl="0" eaLnBrk="1" latinLnBrk="0" hangingPunct="1">
-        <a:lnSpc>
-          <a:spcPct val="90000"/>
-        </a:lnSpc>
-        <a:spcBef>
-          <a:spcPts val="500"/>
-        </a:spcBef>
-        <a:buFont typeface="Arial" panose="020B0604020202020204" pitchFamily="34" charset="0"/>
-        <a:buChar char="•"/>
-        <a:defRPr sz="1800" kern="1200">
-          <a:solidFill>
-            <a:schemeClr val="tx1"/>
-          </a:solidFill>
-          <a:latin typeface="+mn-lt"/>
-          <a:ea typeface="+mn-ea"/>
-          <a:cs typeface="+mn-cs"/>
-        </a:defRPr>
-      </a:lvl4pPr>
-      <a:lvl5pPr marL="2057400" indent="-228600" algn="l" defTabSz="914400" rtl="0" eaLnBrk="1" latinLnBrk="0" hangingPunct="1">
-        <a:lnSpc>
-          <a:spcPct val="90000"/>
-        </a:lnSpc>
-        <a:spcBef>
-          <a:spcPts val="500"/>
-        </a:spcBef>
-        <a:buFont typeface="Arial" panose="020B0604020202020204" pitchFamily="34" charset="0"/>
-        <a:buChar char="•"/>
-        <a:defRPr sz="1800" kern="1200">
-          <a:solidFill>
-            <a:schemeClr val="tx1"/>
-          </a:solidFill>
-          <a:latin typeface="+mn-lt"/>
-          <a:ea typeface="+mn-ea"/>
-          <a:cs typeface="+mn-cs"/>
-        </a:defRPr>
-      </a:lvl5pPr>
-      <a:lvl6pPr marL="2514600" indent="-228600" algn="l" defTabSz="914400" rtl="0" eaLnBrk="1" latinLnBrk="0" hangingPunct="1">
-        <a:lnSpc>
-          <a:spcPct val="90000"/>
-        </a:lnSpc>
-        <a:spcBef>
-          <a:spcPts val="500"/>
-        </a:spcBef>
-        <a:buFont typeface="Arial" panose="020B0604020202020204" pitchFamily="34" charset="0"/>
-        <a:buChar char="•"/>
-        <a:defRPr sz="1800" kern="1200">
-          <a:solidFill>
-            <a:schemeClr val="tx1"/>
-          </a:solidFill>
-          <a:latin typeface="+mn-lt"/>
-          <a:ea typeface="+mn-ea"/>
-          <a:cs typeface="+mn-cs"/>
-        </a:defRPr>
-      </a:lvl6pPr>
-      <a:lvl7pPr marL="2971800" indent="-228600" algn="l" defTabSz="914400" rtl="0" eaLnBrk="1" latinLnBrk="0" hangingPunct="1">
-        <a:lnSpc>
-          <a:spcPct val="90000"/>
-        </a:lnSpc>
-        <a:spcBef>
-          <a:spcPts val="500"/>
-        </a:spcBef>
-        <a:buFont typeface="Arial" panose="020B0604020202020204" pitchFamily="34" charset="0"/>
-        <a:buChar char="•"/>
-        <a:defRPr sz="1800" kern="1200">
-          <a:solidFill>
-            <a:schemeClr val="tx1"/>
-          </a:solidFill>
-          <a:latin typeface="+mn-lt"/>
-          <a:ea typeface="+mn-ea"/>
-          <a:cs typeface="+mn-cs"/>
-        </a:defRPr>
-      </a:lvl7pPr>
-      <a:lvl8pPr marL="3429000" indent="-228600" algn="l" defTabSz="914400" rtl="0" eaLnBrk="1" latinLnBrk="0" hangingPunct="1">
-        <a:lnSpc>
-          <a:spcPct val="90000"/>
-        </a:lnSpc>
-        <a:spcBef>
-          <a:spcPts val="500"/>
-        </a:spcBef>
-        <a:buFont typeface="Arial" panose="020B0604020202020204" pitchFamily="34" charset="0"/>
-        <a:buChar char="•"/>
-        <a:defRPr sz="1800" kern="1200">
-          <a:solidFill>
-            <a:schemeClr val="tx1"/>
-          </a:solidFill>
-          <a:latin typeface="+mn-lt"/>
-          <a:ea typeface="+mn-ea"/>
-          <a:cs typeface="+mn-cs"/>
-        </a:defRPr>
-      </a:lvl8pPr>
-      <a:lvl9pPr marL="3886200" indent="-228600" algn="l" defTabSz="914400" rtl="0" eaLnBrk="1" latinLnBrk="0" hangingPunct="1">
-        <a:lnSpc>
-          <a:spcPct val="90000"/>
-        </a:lnSpc>
-        <a:spcBef>
-          <a:spcPts val="500"/>
-        </a:spcBef>
-        <a:buFont typeface="Arial" panose="020B0604020202020204" pitchFamily="34" charset="0"/>
-        <a:buChar char="•"/>
-        <a:defRPr sz="1800" kern="1200">
-          <a:solidFill>
-            <a:schemeClr val="tx1"/>
-          </a:solidFill>
-          <a:latin typeface="+mn-lt"/>
-          <a:ea typeface="+mn-ea"/>
-          <a:cs typeface="+mn-cs"/>
-        </a:defRPr>
-      </a:lvl9pPr>
-    </p:bodyStyle>
-    <p:otherStyle>
-      <a:defPPr>
-        <a:defRPr lang="en-US"/>
-      </a:defPPr>
-      <a:lvl1pPr marL="0" algn="l" defTabSz="914400" rtl="0" eaLnBrk="1" latinLnBrk="0" hangingPunct="1">
-        <a:defRPr sz="1800" kern="1200">
-          <a:solidFill>
-            <a:schemeClr val="tx1"/>
-          </a:solidFill>
-          <a:latin typeface="+mn-lt"/>
-          <a:ea typeface="+mn-ea"/>
-          <a:cs typeface="+mn-cs"/>
-        </a:defRPr>
-      </a:lvl1pPr>
-      <a:lvl2pPr marL="457200" algn="l" defTabSz="914400" rtl="0" eaLnBrk="1" latinLnBrk="0" hangingPunct="1">
-        <a:defRPr sz="1800" kern="1200">
-          <a:solidFill>
-            <a:schemeClr val="tx1"/>
-          </a:solidFill>
-          <a:latin typeface="+mn-lt"/>
-          <a:ea typeface="+mn-ea"/>
-          <a:cs typeface="+mn-cs"/>
-        </a:defRPr>
-      </a:lvl2pPr>
-      <a:lvl3pPr marL="914400" algn="l" defTabSz="914400" rtl="0" eaLnBrk="1" latinLnBrk="0" hangingPunct="1">
-        <a:defRPr sz="1800" kern="1200">
-          <a:solidFill>
-            <a:schemeClr val="tx1"/>
-          </a:solidFill>
-          <a:latin typeface="+mn-lt"/>
-          <a:ea typeface="+mn-ea"/>
-          <a:cs typeface="+mn-cs"/>
-        </a:defRPr>
-      </a:lvl3pPr>
-      <a:lvl4pPr marL="1371600" algn="l" defTabSz="914400" rtl="0" eaLnBrk="1" latinLnBrk="0" hangingPunct="1">
-        <a:defRPr sz="1800" kern="1200">
-          <a:solidFill>
-            <a:schemeClr val="tx1"/>
-          </a:solidFill>
-          <a:latin typeface="+mn-lt"/>
-          <a:ea typeface="+mn-ea"/>
-          <a:cs typeface="+mn-cs"/>
-        </a:defRPr>
-      </a:lvl4pPr>
-      <a:lvl5pPr marL="1828800" algn="l" defTabSz="914400" rtl="0" eaLnBrk="1" latinLnBrk="0" hangingPunct="1">
-        <a:defRPr sz="1800" kern="1200">
-          <a:solidFill>
-            <a:schemeClr val="tx1"/>
-          </a:solidFill>
-          <a:latin typeface="+mn-lt"/>
-          <a:ea typeface="+mn-ea"/>
-          <a:cs typeface="+mn-cs"/>
-        </a:defRPr>
-      </a:lvl5pPr>
-      <a:lvl6pPr marL="2286000" algn="l" defTabSz="914400" rtl="0" eaLnBrk="1" latinLnBrk="0" hangingPunct="1">
-        <a:defRPr sz="1800" kern="1200">
-          <a:solidFill>
-            <a:schemeClr val="tx1"/>
-          </a:solidFill>
-          <a:latin typeface="+mn-lt"/>
-          <a:ea typeface="+mn-ea"/>
-          <a:cs typeface="+mn-cs"/>
-        </a:defRPr>
-      </a:lvl6pPr>
-      <a:lvl7pPr marL="2743200" algn="l" defTabSz="914400" rtl="0" eaLnBrk="1" latinLnBrk="0" hangingPunct="1">
-        <a:defRPr sz="1800" kern="1200">
-          <a:solidFill>
-            <a:schemeClr val="tx1"/>
-          </a:solidFill>
-          <a:latin typeface="+mn-lt"/>
-          <a:ea typeface="+mn-ea"/>
-          <a:cs typeface="+mn-cs"/>
-        </a:defRPr>
-      </a:lvl7pPr>
-      <a:lvl8pPr marL="3200400" algn="l" defTabSz="914400" rtl="0" eaLnBrk="1" latinLnBrk="0" hangingPunct="1">
-        <a:defRPr sz="1800" kern="1200">
-          <a:solidFill>
-            <a:schemeClr val="tx1"/>
-          </a:solidFill>
-          <a:latin typeface="+mn-lt"/>
-          <a:ea typeface="+mn-ea"/>
-          <a:cs typeface="+mn-cs"/>
-        </a:defRPr>
-      </a:lvl8pPr>
-      <a:lvl9pPr marL="3657600" algn="l" defTabSz="914400" rtl="0" eaLnBrk="1" latinLnBrk="0" hangingPunct="1">
-        <a:defRPr sz="1800" kern="1200">
-          <a:solidFill>
-            <a:schemeClr val="tx1"/>
-          </a:solidFill>
-          <a:latin typeface="+mn-lt"/>
-          <a:ea typeface="+mn-ea"/>
-          <a:cs typeface="+mn-cs"/>
-        </a:defRPr>
-      </a:lvl9pPr>
-    </p:otherStyle>
-  </p:txStyles>
-</p:sldMaster>
-</file>
-
 <file path=ppt/slides/slide1.xml><?xml version="1.0" encoding="utf-8"?>
 <p:sld xmlns:a="http://schemas.openxmlformats.org/drawingml/2006/main" xmlns:r="http://schemas.openxmlformats.org/officeDocument/2006/relationships" xmlns:p="http://schemas.openxmlformats.org/presentationml/2006/main">
   <p:cSld>
@@ -9936,49 +6672,35 @@
                 <a:latin typeface="Meiryo UI" panose="020B0604030504040204" pitchFamily="50" charset="-128"/>
                 <a:ea typeface="Meiryo UI" panose="020B0604030504040204" pitchFamily="50" charset="-128"/>
               </a:rPr>
-              <a:t>では、ソリューション開発</a:t>
+              <a:t>では、ソリューション開発の手法～デバイスレイヤ～</a:t>
+            </a:r>
+            <a:r>
+              <a:rPr kumimoji="1" lang="en-US" altLang="ja-JP" dirty="0" smtClean="0">
+                <a:latin typeface="Meiryo UI" panose="020B0604030504040204" pitchFamily="50" charset="-128"/>
+                <a:ea typeface="Meiryo UI" panose="020B0604030504040204" pitchFamily="50" charset="-128"/>
+              </a:rPr>
+              <a:t>NW</a:t>
             </a:r>
             <a:r>
               <a:rPr kumimoji="1" lang="ja-JP" altLang="en-US" dirty="0" smtClean="0">
                 <a:latin typeface="Meiryo UI" panose="020B0604030504040204" pitchFamily="50" charset="-128"/>
                 <a:ea typeface="Meiryo UI" panose="020B0604030504040204" pitchFamily="50" charset="-128"/>
               </a:rPr>
-              <a:t>の手法～デバイスレイヤ～</a:t>
+              <a:t>レイヤ～</a:t>
             </a:r>
             <a:r>
               <a:rPr kumimoji="1" lang="en-US" altLang="ja-JP" dirty="0" smtClean="0">
                 <a:latin typeface="Meiryo UI" panose="020B0604030504040204" pitchFamily="50" charset="-128"/>
                 <a:ea typeface="Meiryo UI" panose="020B0604030504040204" pitchFamily="50" charset="-128"/>
               </a:rPr>
-              <a:t>NW</a:t>
+              <a:t>AI</a:t>
             </a:r>
             <a:r>
               <a:rPr kumimoji="1" lang="ja-JP" altLang="en-US" dirty="0" smtClean="0">
                 <a:latin typeface="Meiryo UI" panose="020B0604030504040204" pitchFamily="50" charset="-128"/>
                 <a:ea typeface="Meiryo UI" panose="020B0604030504040204" pitchFamily="50" charset="-128"/>
               </a:rPr>
-              <a:t>レイヤ～</a:t>
-            </a:r>
-            <a:r>
-              <a:rPr kumimoji="1" lang="en-US" altLang="ja-JP" dirty="0" smtClean="0">
-                <a:latin typeface="Meiryo UI" panose="020B0604030504040204" pitchFamily="50" charset="-128"/>
-                <a:ea typeface="Meiryo UI" panose="020B0604030504040204" pitchFamily="50" charset="-128"/>
-              </a:rPr>
-              <a:t>AI</a:t>
-            </a:r>
-            <a:r>
-              <a:rPr kumimoji="1" lang="ja-JP" altLang="en-US" dirty="0" smtClean="0">
-                <a:latin typeface="Meiryo UI" panose="020B0604030504040204" pitchFamily="50" charset="-128"/>
-                <a:ea typeface="Meiryo UI" panose="020B0604030504040204" pitchFamily="50" charset="-128"/>
-              </a:rPr>
-              <a:t>ビッグデータ解析まで、総合的</a:t>
-            </a:r>
-            <a:r>
-              <a:rPr kumimoji="1" lang="ja-JP" altLang="en-US" dirty="0" smtClean="0">
-                <a:latin typeface="Meiryo UI" panose="020B0604030504040204" pitchFamily="50" charset="-128"/>
-                <a:ea typeface="Meiryo UI" panose="020B0604030504040204" pitchFamily="50" charset="-128"/>
-              </a:rPr>
-              <a:t>に学んできました。</a:t>
+              <a:t>ビッグデータ解析まで、総合的に学んできました。</a:t>
             </a:r>
             <a:endParaRPr kumimoji="1" lang="en-US" altLang="ja-JP" dirty="0" smtClean="0">
               <a:latin typeface="Meiryo UI" panose="020B0604030504040204" pitchFamily="50" charset="-128"/>
@@ -11826,470 +8548,6 @@
           <a:chExt cx="0" cy="0"/>
         </a:xfrm>
       </p:grpSpPr>
-      <p:pic>
-        <p:nvPicPr>
-          <p:cNvPr id="1025" name="Picture 1" descr="page1image2977328">
-            <a:extLst>
-              <a:ext uri="{FF2B5EF4-FFF2-40B4-BE49-F238E27FC236}">
-                <a16:creationId xmlns:a16="http://schemas.microsoft.com/office/drawing/2014/main" id="{7A040458-1BB5-1B4C-A42E-8304C6655FDD}"/>
-              </a:ext>
-            </a:extLst>
-          </p:cNvPr>
-          <p:cNvPicPr>
-            <a:picLocks noChangeAspect="1" noChangeArrowheads="1"/>
-          </p:cNvPicPr>
-          <p:nvPr/>
-        </p:nvPicPr>
-        <p:blipFill>
-          <a:blip r:embed="rId2">
-            <a:extLst>
-              <a:ext uri="{28A0092B-C50C-407E-A947-70E740481C1C}">
-                <a14:useLocalDpi xmlns:a14="http://schemas.microsoft.com/office/drawing/2010/main" val="0"/>
-              </a:ext>
-            </a:extLst>
-          </a:blip>
-          <a:srcRect/>
-          <a:stretch>
-            <a:fillRect/>
-          </a:stretch>
-        </p:blipFill>
-        <p:spPr bwMode="auto">
-          <a:xfrm>
-            <a:off x="1749392" y="279479"/>
-            <a:ext cx="9177287" cy="6488058"/>
-          </a:xfrm>
-          <a:prstGeom prst="rect">
-            <a:avLst/>
-          </a:prstGeom>
-          <a:noFill/>
-          <a:extLst>
-            <a:ext uri="{909E8E84-426E-40DD-AFC4-6F175D3DCCD1}">
-              <a14:hiddenFill xmlns:a14="http://schemas.microsoft.com/office/drawing/2010/main">
-                <a:solidFill>
-                  <a:srgbClr val="FFFFFF"/>
-                </a:solidFill>
-              </a14:hiddenFill>
-            </a:ext>
-          </a:extLst>
-        </p:spPr>
-      </p:pic>
-      <p:sp>
-        <p:nvSpPr>
-          <p:cNvPr id="7" name="テキスト ボックス 6"/>
-          <p:cNvSpPr txBox="1"/>
-          <p:nvPr/>
-        </p:nvSpPr>
-        <p:spPr>
-          <a:xfrm>
-            <a:off x="2010076" y="1642283"/>
-            <a:ext cx="1357964" cy="769441"/>
-          </a:xfrm>
-          <a:prstGeom prst="rect">
-            <a:avLst/>
-          </a:prstGeom>
-          <a:noFill/>
-        </p:spPr>
-        <p:txBody>
-          <a:bodyPr wrap="square" rtlCol="0">
-            <a:spAutoFit/>
-          </a:bodyPr>
-          <a:lstStyle/>
-          <a:p>
-            <a:pPr defTabSz="914400"/>
-            <a:r>
-              <a:rPr kumimoji="1" lang="ja-JP" altLang="en-US" sz="1100" dirty="0">
-                <a:solidFill>
-                  <a:srgbClr val="4472C4"/>
-                </a:solidFill>
-                <a:latin typeface="Calibri" panose="020F0502020204030204"/>
-                <a:ea typeface="游ゴシック" panose="020B0400000000000000" pitchFamily="50" charset="-128"/>
-              </a:rPr>
-              <a:t>妻の機嫌が分からず、行動や発言をして怒られないで済むから</a:t>
-            </a:r>
-            <a:endParaRPr kumimoji="1" lang="en-US" altLang="ja-JP" sz="1100" dirty="0">
-              <a:solidFill>
-                <a:srgbClr val="4472C4"/>
-              </a:solidFill>
-              <a:latin typeface="Calibri" panose="020F0502020204030204"/>
-              <a:ea typeface="游ゴシック" panose="020B0400000000000000" pitchFamily="50" charset="-128"/>
-            </a:endParaRPr>
-          </a:p>
-        </p:txBody>
-      </p:sp>
-      <p:sp>
-        <p:nvSpPr>
-          <p:cNvPr id="8" name="テキスト ボックス 7"/>
-          <p:cNvSpPr txBox="1"/>
-          <p:nvPr/>
-        </p:nvSpPr>
-        <p:spPr>
-          <a:xfrm>
-            <a:off x="3513561" y="1510397"/>
-            <a:ext cx="1357964" cy="600164"/>
-          </a:xfrm>
-          <a:prstGeom prst="rect">
-            <a:avLst/>
-          </a:prstGeom>
-          <a:noFill/>
-        </p:spPr>
-        <p:txBody>
-          <a:bodyPr wrap="square" rtlCol="0">
-            <a:spAutoFit/>
-          </a:bodyPr>
-          <a:lstStyle/>
-          <a:p>
-            <a:pPr defTabSz="914400"/>
-            <a:r>
-              <a:rPr kumimoji="1" lang="ja-JP" altLang="en-US" sz="1100" dirty="0">
-                <a:solidFill>
-                  <a:srgbClr val="4472C4"/>
-                </a:solidFill>
-                <a:latin typeface="Calibri" panose="020F0502020204030204"/>
-                <a:ea typeface="游ゴシック" panose="020B0400000000000000" pitchFamily="50" charset="-128"/>
-              </a:rPr>
-              <a:t>妻の感情をスマホで確認できるようにする</a:t>
-            </a:r>
-            <a:endParaRPr kumimoji="1" lang="en-US" altLang="ja-JP" sz="1100" dirty="0">
-              <a:solidFill>
-                <a:srgbClr val="4472C4"/>
-              </a:solidFill>
-              <a:latin typeface="Calibri" panose="020F0502020204030204"/>
-              <a:ea typeface="游ゴシック" panose="020B0400000000000000" pitchFamily="50" charset="-128"/>
-            </a:endParaRPr>
-          </a:p>
-        </p:txBody>
-      </p:sp>
-      <p:sp>
-        <p:nvSpPr>
-          <p:cNvPr id="9" name="テキスト ボックス 8"/>
-          <p:cNvSpPr txBox="1"/>
-          <p:nvPr/>
-        </p:nvSpPr>
-        <p:spPr>
-          <a:xfrm>
-            <a:off x="5017046" y="1519596"/>
-            <a:ext cx="1357964" cy="600164"/>
-          </a:xfrm>
-          <a:prstGeom prst="rect">
-            <a:avLst/>
-          </a:prstGeom>
-          <a:noFill/>
-        </p:spPr>
-        <p:txBody>
-          <a:bodyPr wrap="square" rtlCol="0">
-            <a:spAutoFit/>
-          </a:bodyPr>
-          <a:lstStyle/>
-          <a:p>
-            <a:pPr defTabSz="914400"/>
-            <a:r>
-              <a:rPr kumimoji="1" lang="ja-JP" altLang="en-US" sz="1100" dirty="0">
-                <a:solidFill>
-                  <a:srgbClr val="4472C4"/>
-                </a:solidFill>
-                <a:latin typeface="Calibri" panose="020F0502020204030204"/>
-                <a:ea typeface="游ゴシック" panose="020B0400000000000000" pitchFamily="50" charset="-128"/>
-              </a:rPr>
-              <a:t>妻の感情をスマホで確認できるようにする</a:t>
-            </a:r>
-            <a:endParaRPr kumimoji="1" lang="en-US" altLang="ja-JP" sz="1100" dirty="0">
-              <a:solidFill>
-                <a:srgbClr val="4472C4"/>
-              </a:solidFill>
-              <a:latin typeface="Calibri" panose="020F0502020204030204"/>
-              <a:ea typeface="游ゴシック" panose="020B0400000000000000" pitchFamily="50" charset="-128"/>
-            </a:endParaRPr>
-          </a:p>
-        </p:txBody>
-      </p:sp>
-      <p:sp>
-        <p:nvSpPr>
-          <p:cNvPr id="10" name="テキスト ボックス 9"/>
-          <p:cNvSpPr txBox="1"/>
-          <p:nvPr/>
-        </p:nvSpPr>
-        <p:spPr>
-          <a:xfrm>
-            <a:off x="7971862" y="1510397"/>
-            <a:ext cx="1357964" cy="261610"/>
-          </a:xfrm>
-          <a:prstGeom prst="rect">
-            <a:avLst/>
-          </a:prstGeom>
-          <a:noFill/>
-        </p:spPr>
-        <p:txBody>
-          <a:bodyPr wrap="square" rtlCol="0">
-            <a:spAutoFit/>
-          </a:bodyPr>
-          <a:lstStyle/>
-          <a:p>
-            <a:pPr defTabSz="914400"/>
-            <a:r>
-              <a:rPr kumimoji="1" lang="ja-JP" altLang="en-US" sz="1100" dirty="0">
-                <a:solidFill>
-                  <a:srgbClr val="4472C4"/>
-                </a:solidFill>
-                <a:latin typeface="Calibri" panose="020F0502020204030204"/>
-                <a:ea typeface="游ゴシック" panose="020B0400000000000000" pitchFamily="50" charset="-128"/>
-              </a:rPr>
-              <a:t>世の中の旦那さん</a:t>
-            </a:r>
-            <a:endParaRPr kumimoji="1" lang="en-US" altLang="ja-JP" sz="1100" dirty="0">
-              <a:solidFill>
-                <a:srgbClr val="4472C4"/>
-              </a:solidFill>
-              <a:latin typeface="Calibri" panose="020F0502020204030204"/>
-              <a:ea typeface="游ゴシック" panose="020B0400000000000000" pitchFamily="50" charset="-128"/>
-            </a:endParaRPr>
-          </a:p>
-        </p:txBody>
-      </p:sp>
-      <p:sp>
-        <p:nvSpPr>
-          <p:cNvPr id="11" name="テキスト ボックス 10"/>
-          <p:cNvSpPr txBox="1"/>
-          <p:nvPr/>
-        </p:nvSpPr>
-        <p:spPr>
-          <a:xfrm>
-            <a:off x="3513561" y="3453497"/>
-            <a:ext cx="1357964" cy="261610"/>
-          </a:xfrm>
-          <a:prstGeom prst="rect">
-            <a:avLst/>
-          </a:prstGeom>
-          <a:noFill/>
-        </p:spPr>
-        <p:txBody>
-          <a:bodyPr wrap="square" rtlCol="0">
-            <a:spAutoFit/>
-          </a:bodyPr>
-          <a:lstStyle/>
-          <a:p>
-            <a:pPr defTabSz="914400"/>
-            <a:r>
-              <a:rPr kumimoji="1" lang="ja-JP" altLang="en-US" sz="1100" dirty="0">
-                <a:solidFill>
-                  <a:srgbClr val="4472C4"/>
-                </a:solidFill>
-                <a:latin typeface="Calibri" panose="020F0502020204030204"/>
-                <a:ea typeface="游ゴシック" panose="020B0400000000000000" pitchFamily="50" charset="-128"/>
-              </a:rPr>
-              <a:t>妻に怒られた回数</a:t>
-            </a:r>
-            <a:endParaRPr kumimoji="1" lang="en-US" altLang="ja-JP" sz="1100" dirty="0">
-              <a:solidFill>
-                <a:srgbClr val="4472C4"/>
-              </a:solidFill>
-              <a:latin typeface="Calibri" panose="020F0502020204030204"/>
-              <a:ea typeface="游ゴシック" panose="020B0400000000000000" pitchFamily="50" charset="-128"/>
-            </a:endParaRPr>
-          </a:p>
-        </p:txBody>
-      </p:sp>
-      <p:sp>
-        <p:nvSpPr>
-          <p:cNvPr id="12" name="テキスト ボックス 11"/>
-          <p:cNvSpPr txBox="1"/>
-          <p:nvPr/>
-        </p:nvSpPr>
-        <p:spPr>
-          <a:xfrm>
-            <a:off x="5773185" y="5388212"/>
-            <a:ext cx="3186177" cy="430887"/>
-          </a:xfrm>
-          <a:prstGeom prst="rect">
-            <a:avLst/>
-          </a:prstGeom>
-          <a:noFill/>
-        </p:spPr>
-        <p:txBody>
-          <a:bodyPr wrap="square" rtlCol="0">
-            <a:spAutoFit/>
-          </a:bodyPr>
-          <a:lstStyle/>
-          <a:p>
-            <a:pPr defTabSz="914400"/>
-            <a:r>
-              <a:rPr kumimoji="1" lang="ja-JP" altLang="en-US" sz="1100" dirty="0">
-                <a:solidFill>
-                  <a:srgbClr val="4472C4"/>
-                </a:solidFill>
-                <a:latin typeface="Calibri" panose="020F0502020204030204"/>
-                <a:ea typeface="游ゴシック" panose="020B0400000000000000" pitchFamily="50" charset="-128"/>
-              </a:rPr>
-              <a:t>家庭円満の為に、旦那はこのサービスに加入する</a:t>
-            </a:r>
-            <a:endParaRPr kumimoji="1" lang="en-US" altLang="ja-JP" sz="1100" dirty="0">
-              <a:solidFill>
-                <a:srgbClr val="4472C4"/>
-              </a:solidFill>
-              <a:latin typeface="Calibri" panose="020F0502020204030204"/>
-              <a:ea typeface="游ゴシック" panose="020B0400000000000000" pitchFamily="50" charset="-128"/>
-            </a:endParaRPr>
-          </a:p>
-        </p:txBody>
-      </p:sp>
-      <p:sp>
-        <p:nvSpPr>
-          <p:cNvPr id="13" name="テキスト ボックス 12"/>
-          <p:cNvSpPr txBox="1"/>
-          <p:nvPr/>
-        </p:nvSpPr>
-        <p:spPr>
-          <a:xfrm>
-            <a:off x="6468377" y="1519596"/>
-            <a:ext cx="1357964" cy="600164"/>
-          </a:xfrm>
-          <a:prstGeom prst="rect">
-            <a:avLst/>
-          </a:prstGeom>
-          <a:noFill/>
-        </p:spPr>
-        <p:txBody>
-          <a:bodyPr wrap="square" rtlCol="0">
-            <a:spAutoFit/>
-          </a:bodyPr>
-          <a:lstStyle/>
-          <a:p>
-            <a:pPr defTabSz="914400"/>
-            <a:r>
-              <a:rPr kumimoji="1" lang="ja-JP" altLang="en-US" sz="1100" dirty="0">
-                <a:solidFill>
-                  <a:srgbClr val="4472C4"/>
-                </a:solidFill>
-                <a:latin typeface="Calibri" panose="020F0502020204030204"/>
-                <a:ea typeface="游ゴシック" panose="020B0400000000000000" pitchFamily="50" charset="-128"/>
-              </a:rPr>
-              <a:t>人の感情の見える化には、価値がある</a:t>
-            </a:r>
-            <a:endParaRPr kumimoji="1" lang="en-US" altLang="ja-JP" sz="1100" dirty="0">
-              <a:solidFill>
-                <a:srgbClr val="4472C4"/>
-              </a:solidFill>
-              <a:latin typeface="Calibri" panose="020F0502020204030204"/>
-              <a:ea typeface="游ゴシック" panose="020B0400000000000000" pitchFamily="50" charset="-128"/>
-            </a:endParaRPr>
-          </a:p>
-        </p:txBody>
-      </p:sp>
-      <p:sp>
-        <p:nvSpPr>
-          <p:cNvPr id="14" name="テキスト ボックス 13"/>
-          <p:cNvSpPr txBox="1"/>
-          <p:nvPr/>
-        </p:nvSpPr>
-        <p:spPr>
-          <a:xfrm>
-            <a:off x="6468377" y="3415025"/>
-            <a:ext cx="1357964" cy="261610"/>
-          </a:xfrm>
-          <a:prstGeom prst="rect">
-            <a:avLst/>
-          </a:prstGeom>
-          <a:noFill/>
-        </p:spPr>
-        <p:txBody>
-          <a:bodyPr wrap="square" rtlCol="0">
-            <a:spAutoFit/>
-          </a:bodyPr>
-          <a:lstStyle/>
-          <a:p>
-            <a:pPr defTabSz="914400"/>
-            <a:r>
-              <a:rPr kumimoji="1" lang="ja-JP" altLang="en-US" sz="1100" dirty="0">
-                <a:solidFill>
-                  <a:srgbClr val="4472C4"/>
-                </a:solidFill>
-                <a:latin typeface="Calibri" panose="020F0502020204030204"/>
-                <a:ea typeface="游ゴシック" panose="020B0400000000000000" pitchFamily="50" charset="-128"/>
-              </a:rPr>
-              <a:t>男性誌広告</a:t>
-            </a:r>
-            <a:endParaRPr kumimoji="1" lang="en-US" altLang="ja-JP" sz="1100" dirty="0">
-              <a:solidFill>
-                <a:srgbClr val="4472C4"/>
-              </a:solidFill>
-              <a:latin typeface="Calibri" panose="020F0502020204030204"/>
-              <a:ea typeface="游ゴシック" panose="020B0400000000000000" pitchFamily="50" charset="-128"/>
-            </a:endParaRPr>
-          </a:p>
-        </p:txBody>
-      </p:sp>
-      <p:sp>
-        <p:nvSpPr>
-          <p:cNvPr id="15" name="テキスト ボックス 14"/>
-          <p:cNvSpPr txBox="1"/>
-          <p:nvPr/>
-        </p:nvSpPr>
-        <p:spPr>
-          <a:xfrm>
-            <a:off x="2590969" y="5380169"/>
-            <a:ext cx="1357964" cy="261610"/>
-          </a:xfrm>
-          <a:prstGeom prst="rect">
-            <a:avLst/>
-          </a:prstGeom>
-          <a:noFill/>
-        </p:spPr>
-        <p:txBody>
-          <a:bodyPr wrap="square" rtlCol="0">
-            <a:spAutoFit/>
-          </a:bodyPr>
-          <a:lstStyle/>
-          <a:p>
-            <a:pPr defTabSz="914400"/>
-            <a:r>
-              <a:rPr kumimoji="1" lang="ja-JP" altLang="en-US" sz="1100" dirty="0">
-                <a:solidFill>
-                  <a:srgbClr val="4472C4"/>
-                </a:solidFill>
-                <a:latin typeface="Calibri" panose="020F0502020204030204"/>
-                <a:ea typeface="游ゴシック" panose="020B0400000000000000" pitchFamily="50" charset="-128"/>
-              </a:rPr>
-              <a:t>？</a:t>
-            </a:r>
-            <a:endParaRPr kumimoji="1" lang="en-US" altLang="ja-JP" sz="1100" dirty="0">
-              <a:solidFill>
-                <a:srgbClr val="4472C4"/>
-              </a:solidFill>
-              <a:latin typeface="Calibri" panose="020F0502020204030204"/>
-              <a:ea typeface="游ゴシック" panose="020B0400000000000000" pitchFamily="50" charset="-128"/>
-            </a:endParaRPr>
-          </a:p>
-        </p:txBody>
-      </p:sp>
-    </p:spTree>
-    <p:extLst>
-      <p:ext uri="{BB962C8B-B14F-4D97-AF65-F5344CB8AC3E}">
-        <p14:creationId xmlns:p14="http://schemas.microsoft.com/office/powerpoint/2010/main" val="3890477472"/>
-      </p:ext>
-    </p:extLst>
-  </p:cSld>
-  <p:clrMapOvr>
-    <a:masterClrMapping/>
-  </p:clrMapOvr>
-</p:sld>
-</file>
-
-<file path=ppt/slides/slide5.xml><?xml version="1.0" encoding="utf-8"?>
-<p:sld xmlns:a="http://schemas.openxmlformats.org/drawingml/2006/main" xmlns:r="http://schemas.openxmlformats.org/officeDocument/2006/relationships" xmlns:p="http://schemas.openxmlformats.org/presentationml/2006/main">
-  <p:cSld>
-    <p:spTree>
-      <p:nvGrpSpPr>
-        <p:cNvPr id="1" name=""/>
-        <p:cNvGrpSpPr/>
-        <p:nvPr/>
-      </p:nvGrpSpPr>
-      <p:grpSpPr>
-        <a:xfrm>
-          <a:off x="0" y="0"/>
-          <a:ext cx="0" cy="0"/>
-          <a:chOff x="0" y="0"/>
-          <a:chExt cx="0" cy="0"/>
-        </a:xfrm>
-      </p:grpSpPr>
       <p:sp>
         <p:nvSpPr>
           <p:cNvPr id="4" name="テキスト ボックス 3"/>
@@ -14223,7 +10481,7 @@
 </p:sld>
 </file>
 
-<file path=ppt/slides/slide6.xml><?xml version="1.0" encoding="utf-8"?>
+<file path=ppt/slides/slide5.xml><?xml version="1.0" encoding="utf-8"?>
 <p:sld xmlns:a="http://schemas.openxmlformats.org/drawingml/2006/main" xmlns:r="http://schemas.openxmlformats.org/officeDocument/2006/relationships" xmlns:p="http://schemas.openxmlformats.org/presentationml/2006/main">
   <p:cSld>
     <p:spTree>
@@ -14296,7 +10554,7 @@
 </p:sld>
 </file>
 
-<file path=ppt/slides/slide7.xml><?xml version="1.0" encoding="utf-8"?>
+<file path=ppt/slides/slide6.xml><?xml version="1.0" encoding="utf-8"?>
 <p:sld xmlns:a="http://schemas.openxmlformats.org/drawingml/2006/main" xmlns:r="http://schemas.openxmlformats.org/officeDocument/2006/relationships" xmlns:p="http://schemas.openxmlformats.org/presentationml/2006/main">
   <p:cSld>
     <p:spTree>
@@ -16586,265 +12844,4 @@
     </a:ext>
   </a:extLst>
 </a:theme>
-</file>
-
-<file path=ppt/theme/theme2.xml><?xml version="1.0" encoding="utf-8"?>
-<a:theme xmlns:a="http://schemas.openxmlformats.org/drawingml/2006/main" name="Office Theme">
-  <a:themeElements>
-    <a:clrScheme name="Office Theme">
-      <a:dk1>
-        <a:sysClr val="windowText" lastClr="000000"/>
-      </a:dk1>
-      <a:lt1>
-        <a:sysClr val="window" lastClr="FFFFFF"/>
-      </a:lt1>
-      <a:dk2>
-        <a:srgbClr val="44546A"/>
-      </a:dk2>
-      <a:lt2>
-        <a:srgbClr val="E7E6E6"/>
-      </a:lt2>
-      <a:accent1>
-        <a:srgbClr val="4472C4"/>
-      </a:accent1>
-      <a:accent2>
-        <a:srgbClr val="ED7D31"/>
-      </a:accent2>
-      <a:accent3>
-        <a:srgbClr val="A5A5A5"/>
-      </a:accent3>
-      <a:accent4>
-        <a:srgbClr val="FFC000"/>
-      </a:accent4>
-      <a:accent5>
-        <a:srgbClr val="5B9BD5"/>
-      </a:accent5>
-      <a:accent6>
-        <a:srgbClr val="70AD47"/>
-      </a:accent6>
-      <a:hlink>
-        <a:srgbClr val="0563C1"/>
-      </a:hlink>
-      <a:folHlink>
-        <a:srgbClr val="954F72"/>
-      </a:folHlink>
-    </a:clrScheme>
-    <a:fontScheme name="Office Theme">
-      <a:majorFont>
-        <a:latin typeface="Calibri Light" panose="020F0302020204030204"/>
-        <a:ea typeface=""/>
-        <a:cs typeface=""/>
-        <a:font script="Jpan" typeface="游ゴシック Light"/>
-        <a:font script="Hang" typeface="맑은 고딕"/>
-        <a:font script="Hans" typeface="等线 Light"/>
-        <a:font script="Hant" typeface="新細明體"/>
-        <a:font script="Arab" typeface="Times New Roman"/>
-        <a:font script="Hebr" typeface="Times New Roman"/>
-        <a:font script="Thai" typeface="Angsana New"/>
-        <a:font script="Ethi" typeface="Nyala"/>
-        <a:font script="Beng" typeface="Vrinda"/>
-        <a:font script="Gujr" typeface="Shruti"/>
-        <a:font script="Khmr" typeface="MoolBoran"/>
-        <a:font script="Knda" typeface="Tunga"/>
-        <a:font script="Guru" typeface="Raavi"/>
-        <a:font script="Cans" typeface="Euphemia"/>
-        <a:font script="Cher" typeface="Plantagenet Cherokee"/>
-        <a:font script="Yiii" typeface="Microsoft Yi Baiti"/>
-        <a:font script="Tibt" typeface="Microsoft Himalaya"/>
-        <a:font script="Thaa" typeface="MV Boli"/>
-        <a:font script="Deva" typeface="Mangal"/>
-        <a:font script="Telu" typeface="Gautami"/>
-        <a:font script="Taml" typeface="Latha"/>
-        <a:font script="Syrc" typeface="Estrangelo Edessa"/>
-        <a:font script="Orya" typeface="Kalinga"/>
-        <a:font script="Mlym" typeface="Kartika"/>
-        <a:font script="Laoo" typeface="DokChampa"/>
-        <a:font script="Sinh" typeface="Iskoola Pota"/>
-        <a:font script="Mong" typeface="Mongolian Baiti"/>
-        <a:font script="Viet" typeface="Times New Roman"/>
-        <a:font script="Uigh" typeface="Microsoft Uighur"/>
-        <a:font script="Geor" typeface="Sylfaen"/>
-      </a:majorFont>
-      <a:minorFont>
-        <a:latin typeface="Calibri" panose="020F0502020204030204"/>
-        <a:ea typeface=""/>
-        <a:cs typeface=""/>
-        <a:font script="Jpan" typeface="游ゴシック"/>
-        <a:font script="Hang" typeface="맑은 고딕"/>
-        <a:font script="Hans" typeface="等线"/>
-        <a:font script="Hant" typeface="新細明體"/>
-        <a:font script="Arab" typeface="Arial"/>
-        <a:font script="Hebr" typeface="Arial"/>
-        <a:font script="Thai" typeface="Cordia New"/>
-        <a:font script="Ethi" typeface="Nyala"/>
-        <a:font script="Beng" typeface="Vrinda"/>
-        <a:font script="Gujr" typeface="Shruti"/>
-        <a:font script="Khmr" typeface="DaunPenh"/>
-        <a:font script="Knda" typeface="Tunga"/>
-        <a:font script="Guru" typeface="Raavi"/>
-        <a:font script="Cans" typeface="Euphemia"/>
-        <a:font script="Cher" typeface="Plantagenet Cherokee"/>
-        <a:font script="Yiii" typeface="Microsoft Yi Baiti"/>
-        <a:font script="Tibt" typeface="Microsoft Himalaya"/>
-        <a:font script="Thaa" typeface="MV Boli"/>
-        <a:font script="Deva" typeface="Mangal"/>
-        <a:font script="Telu" typeface="Gautami"/>
-        <a:font script="Taml" typeface="Latha"/>
-        <a:font script="Syrc" typeface="Estrangelo Edessa"/>
-        <a:font script="Orya" typeface="Kalinga"/>
-        <a:font script="Mlym" typeface="Kartika"/>
-        <a:font script="Laoo" typeface="DokChampa"/>
-        <a:font script="Sinh" typeface="Iskoola Pota"/>
-        <a:font script="Mong" typeface="Mongolian Baiti"/>
-        <a:font script="Viet" typeface="Arial"/>
-        <a:font script="Uigh" typeface="Microsoft Uighur"/>
-        <a:font script="Geor" typeface="Sylfaen"/>
-      </a:minorFont>
-    </a:fontScheme>
-    <a:fmtScheme name="Office Theme">
-      <a:fillStyleLst>
-        <a:solidFill>
-          <a:schemeClr val="phClr"/>
-        </a:solidFill>
-        <a:gradFill rotWithShape="1">
-          <a:gsLst>
-            <a:gs pos="0">
-              <a:schemeClr val="phClr">
-                <a:lumMod val="110000"/>
-                <a:satMod val="105000"/>
-                <a:tint val="67000"/>
-              </a:schemeClr>
-            </a:gs>
-            <a:gs pos="50000">
-              <a:schemeClr val="phClr">
-                <a:lumMod val="105000"/>
-                <a:satMod val="103000"/>
-                <a:tint val="73000"/>
-              </a:schemeClr>
-            </a:gs>
-            <a:gs pos="100000">
-              <a:schemeClr val="phClr">
-                <a:lumMod val="105000"/>
-                <a:satMod val="109000"/>
-                <a:tint val="81000"/>
-              </a:schemeClr>
-            </a:gs>
-          </a:gsLst>
-          <a:lin ang="5400000" scaled="0"/>
-        </a:gradFill>
-        <a:gradFill rotWithShape="1">
-          <a:gsLst>
-            <a:gs pos="0">
-              <a:schemeClr val="phClr">
-                <a:satMod val="103000"/>
-                <a:lumMod val="102000"/>
-                <a:tint val="94000"/>
-              </a:schemeClr>
-            </a:gs>
-            <a:gs pos="50000">
-              <a:schemeClr val="phClr">
-                <a:satMod val="110000"/>
-                <a:lumMod val="100000"/>
-                <a:shade val="100000"/>
-              </a:schemeClr>
-            </a:gs>
-            <a:gs pos="100000">
-              <a:schemeClr val="phClr">
-                <a:lumMod val="99000"/>
-                <a:satMod val="120000"/>
-                <a:shade val="78000"/>
-              </a:schemeClr>
-            </a:gs>
-          </a:gsLst>
-          <a:lin ang="5400000" scaled="0"/>
-        </a:gradFill>
-      </a:fillStyleLst>
-      <a:lnStyleLst>
-        <a:ln w="6350" cap="flat" cmpd="sng" algn="ctr">
-          <a:solidFill>
-            <a:schemeClr val="phClr"/>
-          </a:solidFill>
-          <a:prstDash val="solid"/>
-          <a:miter lim="800000"/>
-        </a:ln>
-        <a:ln w="12700" cap="flat" cmpd="sng" algn="ctr">
-          <a:solidFill>
-            <a:schemeClr val="phClr"/>
-          </a:solidFill>
-          <a:prstDash val="solid"/>
-          <a:miter lim="800000"/>
-        </a:ln>
-        <a:ln w="19050" cap="flat" cmpd="sng" algn="ctr">
-          <a:solidFill>
-            <a:schemeClr val="phClr"/>
-          </a:solidFill>
-          <a:prstDash val="solid"/>
-          <a:miter lim="800000"/>
-        </a:ln>
-      </a:lnStyleLst>
-      <a:effectStyleLst>
-        <a:effectStyle>
-          <a:effectLst/>
-        </a:effectStyle>
-        <a:effectStyle>
-          <a:effectLst/>
-        </a:effectStyle>
-        <a:effectStyle>
-          <a:effectLst>
-            <a:outerShdw blurRad="57150" dist="19050" dir="5400000" algn="ctr" rotWithShape="0">
-              <a:srgbClr val="000000">
-                <a:alpha val="63000"/>
-              </a:srgbClr>
-            </a:outerShdw>
-          </a:effectLst>
-        </a:effectStyle>
-      </a:effectStyleLst>
-      <a:bgFillStyleLst>
-        <a:solidFill>
-          <a:schemeClr val="phClr"/>
-        </a:solidFill>
-        <a:solidFill>
-          <a:schemeClr val="phClr">
-            <a:tint val="95000"/>
-            <a:satMod val="170000"/>
-          </a:schemeClr>
-        </a:solidFill>
-        <a:gradFill rotWithShape="1">
-          <a:gsLst>
-            <a:gs pos="0">
-              <a:schemeClr val="phClr">
-                <a:tint val="93000"/>
-                <a:satMod val="150000"/>
-                <a:shade val="98000"/>
-                <a:lumMod val="102000"/>
-              </a:schemeClr>
-            </a:gs>
-            <a:gs pos="50000">
-              <a:schemeClr val="phClr">
-                <a:tint val="98000"/>
-                <a:satMod val="130000"/>
-                <a:shade val="90000"/>
-                <a:lumMod val="103000"/>
-              </a:schemeClr>
-            </a:gs>
-            <a:gs pos="100000">
-              <a:schemeClr val="phClr">
-                <a:shade val="63000"/>
-                <a:satMod val="120000"/>
-              </a:schemeClr>
-            </a:gs>
-          </a:gsLst>
-          <a:lin ang="5400000" scaled="0"/>
-        </a:gradFill>
-      </a:bgFillStyleLst>
-    </a:fmtScheme>
-  </a:themeElements>
-  <a:objectDefaults/>
-  <a:extraClrSchemeLst/>
-  <a:extLst>
-    <a:ext uri="{05A4C25C-085E-4340-85A3-A5531E510DB2}">
-      <thm15:themeFamily xmlns:thm15="http://schemas.microsoft.com/office/thememl/2012/main" name="Presentation3" id="{4564A034-2165-1D4E-8846-BDD2A5834FF7}" vid="{4800BFD0-0A10-154C-8B65-46E793267157}"/>
-    </a:ext>
-  </a:extLst>
-</a:theme>
 </file>
--- a/presen/感情衛星「ひまわり」の発表シナリオ.pptx
+++ b/presen/感情衛星「ひまわり」の発表シナリオ.pptx
@@ -6639,7 +6639,7 @@
         </p:nvSpPr>
         <p:spPr>
           <a:xfrm>
-            <a:off x="300782" y="454330"/>
+            <a:off x="300782" y="435351"/>
             <a:ext cx="11891218" cy="1738938"/>
           </a:xfrm>
           <a:prstGeom prst="rect">
@@ -6911,23 +6911,95 @@
           </a:p>
         </p:txBody>
       </p:sp>
+      <p:sp>
+        <p:nvSpPr>
+          <p:cNvPr id="63" name="テキスト ボックス 62"/>
+          <p:cNvSpPr txBox="1"/>
+          <p:nvPr/>
+        </p:nvSpPr>
+        <p:spPr>
+          <a:xfrm>
+            <a:off x="397498" y="5905273"/>
+            <a:ext cx="9950160" cy="923330"/>
+          </a:xfrm>
+          <a:prstGeom prst="rect">
+            <a:avLst/>
+          </a:prstGeom>
+          <a:noFill/>
+        </p:spPr>
+        <p:txBody>
+          <a:bodyPr wrap="none" rtlCol="0">
+            <a:spAutoFit/>
+          </a:bodyPr>
+          <a:lstStyle/>
+          <a:p>
+            <a:r>
+              <a:rPr kumimoji="1" lang="ja-JP" altLang="en-US" dirty="0" smtClean="0">
+                <a:latin typeface="Meiryo UI" panose="020B0604030504040204" pitchFamily="50" charset="-128"/>
+                <a:ea typeface="Meiryo UI" panose="020B0604030504040204" pitchFamily="50" charset="-128"/>
+              </a:rPr>
+              <a:t>商用ビジネスにおいては、</a:t>
+            </a:r>
+            <a:endParaRPr kumimoji="1" lang="en-US" altLang="ja-JP" dirty="0" smtClean="0">
+              <a:latin typeface="Meiryo UI" panose="020B0604030504040204" pitchFamily="50" charset="-128"/>
+              <a:ea typeface="Meiryo UI" panose="020B0604030504040204" pitchFamily="50" charset="-128"/>
+            </a:endParaRPr>
+          </a:p>
+          <a:p>
+            <a:r>
+              <a:rPr kumimoji="1" lang="ja-JP" altLang="en-US" dirty="0" smtClean="0">
+                <a:latin typeface="Meiryo UI" panose="020B0604030504040204" pitchFamily="50" charset="-128"/>
+                <a:ea typeface="Meiryo UI" panose="020B0604030504040204" pitchFamily="50" charset="-128"/>
+              </a:rPr>
+              <a:t>接続デバイスや可視化ツールも、自由に選択できるよう（パブサブモデル）でのインタフェース設計をしており、</a:t>
+            </a:r>
+            <a:endParaRPr kumimoji="1" lang="en-US" altLang="ja-JP" dirty="0" smtClean="0">
+              <a:latin typeface="Meiryo UI" panose="020B0604030504040204" pitchFamily="50" charset="-128"/>
+              <a:ea typeface="Meiryo UI" panose="020B0604030504040204" pitchFamily="50" charset="-128"/>
+            </a:endParaRPr>
+          </a:p>
+          <a:p>
+            <a:r>
+              <a:rPr kumimoji="1" lang="ja-JP" altLang="en-US" u="sng" dirty="0" smtClean="0">
+                <a:solidFill>
+                  <a:srgbClr val="C00000"/>
+                </a:solidFill>
+                <a:latin typeface="Meiryo UI" panose="020B0604030504040204" pitchFamily="50" charset="-128"/>
+                <a:ea typeface="Meiryo UI" panose="020B0604030504040204" pitchFamily="50" charset="-128"/>
+              </a:rPr>
+              <a:t>さまざまなシーンで使っていただけることをイメージ</a:t>
+            </a:r>
+            <a:r>
+              <a:rPr kumimoji="1" lang="ja-JP" altLang="en-US" dirty="0" smtClean="0">
+                <a:latin typeface="Meiryo UI" panose="020B0604030504040204" pitchFamily="50" charset="-128"/>
+                <a:ea typeface="Meiryo UI" panose="020B0604030504040204" pitchFamily="50" charset="-128"/>
+              </a:rPr>
+              <a:t>している。</a:t>
+            </a:r>
+            <a:endParaRPr kumimoji="1" lang="en-US" altLang="ja-JP" dirty="0" smtClean="0">
+              <a:latin typeface="Meiryo UI" panose="020B0604030504040204" pitchFamily="50" charset="-128"/>
+              <a:ea typeface="Meiryo UI" panose="020B0604030504040204" pitchFamily="50" charset="-128"/>
+            </a:endParaRPr>
+          </a:p>
+        </p:txBody>
+      </p:sp>
       <p:grpSp>
         <p:nvGrpSpPr>
-          <p:cNvPr id="40" name="グループ化 39"/>
+          <p:cNvPr id="3" name="グループ化 2"/>
           <p:cNvGrpSpPr/>
           <p:nvPr/>
         </p:nvGrpSpPr>
         <p:grpSpPr>
           <a:xfrm>
-            <a:off x="404474" y="3246436"/>
-            <a:ext cx="3048209" cy="2171832"/>
-            <a:chOff x="562880" y="2919094"/>
-            <a:chExt cx="8788973" cy="3644696"/>
+            <a:off x="776558" y="2474411"/>
+            <a:ext cx="7932382" cy="3110556"/>
+            <a:chOff x="794143" y="2491997"/>
+            <a:chExt cx="6100307" cy="2620259"/>
           </a:xfrm>
         </p:grpSpPr>
         <p:pic>
           <p:nvPicPr>
-            <p:cNvPr id="26" name="図 25"/>
+            <p:cNvPr id="44" name="図 43"/>
             <p:cNvPicPr>
               <a:picLocks noChangeAspect="1"/>
             </p:cNvPicPr>
@@ -6941,152 +7013,8 @@
           </p:blipFill>
           <p:spPr>
             <a:xfrm>
-              <a:off x="5669324" y="5483476"/>
-              <a:ext cx="856034" cy="925559"/>
-            </a:xfrm>
-            <a:prstGeom prst="rect">
-              <a:avLst/>
-            </a:prstGeom>
-          </p:spPr>
-        </p:pic>
-        <p:pic>
-          <p:nvPicPr>
-            <p:cNvPr id="27" name="図 26"/>
-            <p:cNvPicPr>
-              <a:picLocks noChangeAspect="1"/>
-            </p:cNvPicPr>
-            <p:nvPr/>
-          </p:nvPicPr>
-          <p:blipFill>
-            <a:blip r:embed="rId3"/>
-            <a:stretch>
-              <a:fillRect/>
-            </a:stretch>
-          </p:blipFill>
-          <p:spPr>
-            <a:xfrm>
-              <a:off x="2459915" y="5750482"/>
-              <a:ext cx="969505" cy="526905"/>
-            </a:xfrm>
-            <a:prstGeom prst="rect">
-              <a:avLst/>
-            </a:prstGeom>
-          </p:spPr>
-        </p:pic>
-        <p:pic>
-          <p:nvPicPr>
-            <p:cNvPr id="28" name="図 27"/>
-            <p:cNvPicPr>
-              <a:picLocks noChangeAspect="1"/>
-            </p:cNvPicPr>
-            <p:nvPr/>
-          </p:nvPicPr>
-          <p:blipFill>
-            <a:blip r:embed="rId4"/>
-            <a:stretch>
-              <a:fillRect/>
-            </a:stretch>
-          </p:blipFill>
-          <p:spPr>
-            <a:xfrm>
-              <a:off x="7654151" y="5650882"/>
-              <a:ext cx="773089" cy="716396"/>
-            </a:xfrm>
-            <a:prstGeom prst="rect">
-              <a:avLst/>
-            </a:prstGeom>
-          </p:spPr>
-        </p:pic>
-        <p:pic>
-          <p:nvPicPr>
-            <p:cNvPr id="30" name="図 29"/>
-            <p:cNvPicPr>
-              <a:picLocks noChangeAspect="1"/>
-            </p:cNvPicPr>
-            <p:nvPr/>
-          </p:nvPicPr>
-          <p:blipFill>
-            <a:blip r:embed="rId5"/>
-            <a:stretch>
-              <a:fillRect/>
-            </a:stretch>
-          </p:blipFill>
-          <p:spPr>
-            <a:xfrm>
-              <a:off x="6611205" y="5750481"/>
-              <a:ext cx="1103200" cy="715140"/>
-            </a:xfrm>
-            <a:prstGeom prst="rect">
-              <a:avLst/>
-            </a:prstGeom>
-          </p:spPr>
-        </p:pic>
-        <p:pic>
-          <p:nvPicPr>
-            <p:cNvPr id="31" name="図 30"/>
-            <p:cNvPicPr>
-              <a:picLocks noChangeAspect="1"/>
-            </p:cNvPicPr>
-            <p:nvPr/>
-          </p:nvPicPr>
-          <p:blipFill>
-            <a:blip r:embed="rId6"/>
-            <a:stretch>
-              <a:fillRect/>
-            </a:stretch>
-          </p:blipFill>
-          <p:spPr>
-            <a:xfrm>
-              <a:off x="3725151" y="5541446"/>
-              <a:ext cx="1052178" cy="935269"/>
-            </a:xfrm>
-            <a:prstGeom prst="rect">
-              <a:avLst/>
-            </a:prstGeom>
-          </p:spPr>
-        </p:pic>
-        <p:pic>
-          <p:nvPicPr>
-            <p:cNvPr id="32" name="図 31"/>
-            <p:cNvPicPr>
-              <a:picLocks noChangeAspect="1"/>
-            </p:cNvPicPr>
-            <p:nvPr/>
-          </p:nvPicPr>
-          <p:blipFill>
-            <a:blip r:embed="rId7"/>
-            <a:stretch>
-              <a:fillRect/>
-            </a:stretch>
-          </p:blipFill>
-          <p:spPr>
-            <a:xfrm>
-              <a:off x="8529545" y="5614663"/>
-              <a:ext cx="822308" cy="786241"/>
-            </a:xfrm>
-            <a:prstGeom prst="rect">
-              <a:avLst/>
-            </a:prstGeom>
-          </p:spPr>
-        </p:pic>
-        <p:pic>
-          <p:nvPicPr>
-            <p:cNvPr id="33" name="図 32"/>
-            <p:cNvPicPr>
-              <a:picLocks noChangeAspect="1"/>
-            </p:cNvPicPr>
-            <p:nvPr/>
-          </p:nvPicPr>
-          <p:blipFill>
-            <a:blip r:embed="rId8"/>
-            <a:stretch>
-              <a:fillRect/>
-            </a:stretch>
-          </p:blipFill>
-          <p:spPr>
-            <a:xfrm>
-              <a:off x="4756537" y="5595352"/>
-              <a:ext cx="889617" cy="910968"/>
+              <a:off x="2335690" y="4640037"/>
+              <a:ext cx="517893" cy="333090"/>
             </a:xfrm>
             <a:prstGeom prst="rect">
               <a:avLst/>
@@ -7095,14 +7023,14 @@
         </p:pic>
         <p:sp>
           <p:nvSpPr>
-            <p:cNvPr id="34" name="テキスト ボックス 33"/>
+            <p:cNvPr id="50" name="テキスト ボックス 49"/>
             <p:cNvSpPr txBox="1"/>
             <p:nvPr/>
           </p:nvSpPr>
           <p:spPr>
             <a:xfrm>
-              <a:off x="562880" y="5595352"/>
-              <a:ext cx="2801844" cy="968438"/>
+              <a:off x="1053166" y="4483417"/>
+              <a:ext cx="945782" cy="622233"/>
             </a:xfrm>
             <a:prstGeom prst="rect">
               <a:avLst/>
@@ -7116,46 +7044,46 @@
             <a:lstStyle/>
             <a:p>
               <a:r>
-                <a:rPr kumimoji="1" lang="ja-JP" altLang="en-US" sz="1050" dirty="0" smtClean="0">
+                <a:rPr kumimoji="1" lang="ja-JP" altLang="en-US" sz="1400" dirty="0" smtClean="0">
                   <a:latin typeface="Meiryo UI" panose="020B0604030504040204" pitchFamily="50" charset="-128"/>
                   <a:ea typeface="Meiryo UI" panose="020B0604030504040204" pitchFamily="50" charset="-128"/>
                 </a:rPr>
                 <a:t>デバイスの</a:t>
               </a:r>
-              <a:endParaRPr kumimoji="1" lang="en-US" altLang="ja-JP" sz="1050" dirty="0" smtClean="0">
+              <a:endParaRPr kumimoji="1" lang="en-US" altLang="ja-JP" sz="1400" dirty="0" smtClean="0">
                 <a:latin typeface="Meiryo UI" panose="020B0604030504040204" pitchFamily="50" charset="-128"/>
                 <a:ea typeface="Meiryo UI" panose="020B0604030504040204" pitchFamily="50" charset="-128"/>
               </a:endParaRPr>
             </a:p>
             <a:p>
               <a:r>
-                <a:rPr kumimoji="1" lang="ja-JP" altLang="en-US" sz="1050" dirty="0">
+                <a:rPr kumimoji="1" lang="ja-JP" altLang="en-US" sz="1400" dirty="0">
                   <a:latin typeface="Meiryo UI" panose="020B0604030504040204" pitchFamily="50" charset="-128"/>
                   <a:ea typeface="Meiryo UI" panose="020B0604030504040204" pitchFamily="50" charset="-128"/>
                 </a:rPr>
                 <a:t>センサ</a:t>
               </a:r>
               <a:r>
-                <a:rPr kumimoji="1" lang="ja-JP" altLang="en-US" sz="1050" dirty="0" smtClean="0">
+                <a:rPr kumimoji="1" lang="ja-JP" altLang="en-US" sz="1400" dirty="0" smtClean="0">
                   <a:latin typeface="Meiryo UI" panose="020B0604030504040204" pitchFamily="50" charset="-128"/>
                   <a:ea typeface="Meiryo UI" panose="020B0604030504040204" pitchFamily="50" charset="-128"/>
                 </a:rPr>
                 <a:t>ーから</a:t>
               </a:r>
-              <a:endParaRPr kumimoji="1" lang="en-US" altLang="ja-JP" sz="1050" dirty="0" smtClean="0">
+              <a:endParaRPr kumimoji="1" lang="en-US" altLang="ja-JP" sz="1400" dirty="0" smtClean="0">
                 <a:latin typeface="Meiryo UI" panose="020B0604030504040204" pitchFamily="50" charset="-128"/>
                 <a:ea typeface="Meiryo UI" panose="020B0604030504040204" pitchFamily="50" charset="-128"/>
               </a:endParaRPr>
             </a:p>
             <a:p>
               <a:r>
-                <a:rPr kumimoji="1" lang="ja-JP" altLang="en-US" sz="1050" dirty="0" smtClean="0">
+                <a:rPr kumimoji="1" lang="ja-JP" altLang="en-US" sz="1400" dirty="0" smtClean="0">
                   <a:latin typeface="Meiryo UI" panose="020B0604030504040204" pitchFamily="50" charset="-128"/>
                   <a:ea typeface="Meiryo UI" panose="020B0604030504040204" pitchFamily="50" charset="-128"/>
                 </a:rPr>
                 <a:t>取得したデータ</a:t>
               </a:r>
-              <a:endParaRPr kumimoji="1" lang="ja-JP" altLang="en-US" sz="1050" dirty="0">
+              <a:endParaRPr kumimoji="1" lang="ja-JP" altLang="en-US" sz="1400" dirty="0">
                 <a:latin typeface="Meiryo UI" panose="020B0604030504040204" pitchFamily="50" charset="-128"/>
                 <a:ea typeface="Meiryo UI" panose="020B0604030504040204" pitchFamily="50" charset="-128"/>
               </a:endParaRPr>
@@ -7164,17 +7092,19 @@
         </p:sp>
         <p:sp>
           <p:nvSpPr>
-            <p:cNvPr id="36" name="円柱 35"/>
+            <p:cNvPr id="51" name="円柱 50"/>
             <p:cNvSpPr/>
             <p:nvPr/>
           </p:nvSpPr>
           <p:spPr>
             <a:xfrm>
-              <a:off x="4379364" y="2919094"/>
-              <a:ext cx="1845578" cy="1299218"/>
+              <a:off x="3007424" y="2883378"/>
+              <a:ext cx="955541" cy="780765"/>
             </a:xfrm>
             <a:prstGeom prst="can">
-              <a:avLst/>
+              <a:avLst>
+                <a:gd name="adj" fmla="val 19369"/>
+              </a:avLst>
             </a:prstGeom>
           </p:spPr>
           <p:style>
@@ -7199,14 +7129,14 @@
             <a:p>
               <a:pPr algn="ctr"/>
               <a:r>
-                <a:rPr kumimoji="1" lang="ja-JP" altLang="en-US" sz="800" dirty="0" smtClean="0">
+                <a:rPr kumimoji="1" lang="ja-JP" altLang="en-US" sz="1400" dirty="0">
                   <a:latin typeface="Meiryo UI" panose="020B0604030504040204" pitchFamily="50" charset="-128"/>
                   <a:ea typeface="Meiryo UI" panose="020B0604030504040204" pitchFamily="50" charset="-128"/>
                 </a:rPr>
                 <a:t>クラウド</a:t>
               </a:r>
               <a:r>
-                <a:rPr kumimoji="1" lang="en-US" altLang="ja-JP" sz="800" dirty="0" smtClean="0">
+                <a:rPr kumimoji="1" lang="en-US" altLang="ja-JP" sz="1400" dirty="0">
                   <a:latin typeface="Meiryo UI" panose="020B0604030504040204" pitchFamily="50" charset="-128"/>
                   <a:ea typeface="Meiryo UI" panose="020B0604030504040204" pitchFamily="50" charset="-128"/>
                 </a:rPr>
@@ -7216,20 +7146,20 @@
             <a:p>
               <a:pPr algn="ctr"/>
               <a:r>
-                <a:rPr kumimoji="1" lang="ja-JP" altLang="en-US" sz="800" dirty="0" smtClean="0">
+                <a:rPr kumimoji="1" lang="ja-JP" altLang="en-US" sz="1400" dirty="0">
                   <a:latin typeface="Meiryo UI" panose="020B0604030504040204" pitchFamily="50" charset="-128"/>
                   <a:ea typeface="Meiryo UI" panose="020B0604030504040204" pitchFamily="50" charset="-128"/>
                 </a:rPr>
                 <a:t>ビッグデータ・</a:t>
               </a:r>
               <a:r>
-                <a:rPr kumimoji="1" lang="en-US" altLang="ja-JP" sz="800" dirty="0" smtClean="0">
+                <a:rPr kumimoji="1" lang="en-US" altLang="ja-JP" sz="1400" dirty="0">
                   <a:latin typeface="Meiryo UI" panose="020B0604030504040204" pitchFamily="50" charset="-128"/>
                   <a:ea typeface="Meiryo UI" panose="020B0604030504040204" pitchFamily="50" charset="-128"/>
                 </a:rPr>
                 <a:t>AI</a:t>
               </a:r>
-              <a:endParaRPr kumimoji="1" lang="ja-JP" altLang="en-US" sz="800" dirty="0">
+              <a:endParaRPr kumimoji="1" lang="ja-JP" altLang="en-US" sz="1400" dirty="0">
                 <a:latin typeface="Meiryo UI" panose="020B0604030504040204" pitchFamily="50" charset="-128"/>
                 <a:ea typeface="Meiryo UI" panose="020B0604030504040204" pitchFamily="50" charset="-128"/>
               </a:endParaRPr>
@@ -7238,14 +7168,14 @@
         </p:sp>
         <p:sp>
           <p:nvSpPr>
-            <p:cNvPr id="37" name="雲 36"/>
+            <p:cNvPr id="52" name="雲 51"/>
             <p:cNvSpPr/>
             <p:nvPr/>
           </p:nvSpPr>
           <p:spPr>
             <a:xfrm>
-              <a:off x="2459915" y="4556804"/>
-              <a:ext cx="5794090" cy="678958"/>
+              <a:off x="1829138" y="3903749"/>
+              <a:ext cx="3095106" cy="371934"/>
             </a:xfrm>
             <a:prstGeom prst="cloud">
               <a:avLst/>
@@ -7273,34 +7203,27 @@
             <a:p>
               <a:pPr algn="ctr"/>
               <a:r>
-                <a:rPr kumimoji="1" lang="ja-JP" altLang="en-US" sz="1050" dirty="0" smtClean="0">
+                <a:rPr kumimoji="1" lang="ja-JP" altLang="en-US" sz="1400" dirty="0" smtClean="0">
                   <a:latin typeface="Meiryo UI" panose="020B0604030504040204" pitchFamily="50" charset="-128"/>
                   <a:ea typeface="Meiryo UI" panose="020B0604030504040204" pitchFamily="50" charset="-128"/>
                 </a:rPr>
-                <a:t>セルラー、</a:t>
+                <a:t>４</a:t>
               </a:r>
               <a:r>
-                <a:rPr kumimoji="1" lang="en-US" altLang="ja-JP" sz="1050" dirty="0" smtClean="0">
+                <a:rPr kumimoji="1" lang="en-US" altLang="ja-JP" sz="1400" dirty="0" smtClean="0">
                   <a:latin typeface="Meiryo UI" panose="020B0604030504040204" pitchFamily="50" charset="-128"/>
                   <a:ea typeface="Meiryo UI" panose="020B0604030504040204" pitchFamily="50" charset="-128"/>
                 </a:rPr>
-                <a:t>LPWA</a:t>
+                <a:t>G</a:t>
               </a:r>
               <a:r>
-                <a:rPr kumimoji="1" lang="ja-JP" altLang="en-US" sz="1050" dirty="0" err="1" smtClean="0">
+                <a:rPr kumimoji="1" lang="ja-JP" altLang="en-US" sz="1400" dirty="0" smtClean="0">
                   <a:latin typeface="Meiryo UI" panose="020B0604030504040204" pitchFamily="50" charset="-128"/>
                   <a:ea typeface="Meiryo UI" panose="020B0604030504040204" pitchFamily="50" charset="-128"/>
                 </a:rPr>
-                <a:t>、</a:t>
+                <a:t>回線</a:t>
               </a:r>
-              <a:r>
-                <a:rPr kumimoji="1" lang="ja-JP" altLang="en-US" sz="1050" dirty="0" smtClean="0">
-                  <a:latin typeface="Meiryo UI" panose="020B0604030504040204" pitchFamily="50" charset="-128"/>
-                  <a:ea typeface="Meiryo UI" panose="020B0604030504040204" pitchFamily="50" charset="-128"/>
-                </a:rPr>
-                <a:t>他</a:t>
-              </a:r>
-              <a:endParaRPr kumimoji="1" lang="ja-JP" altLang="en-US" sz="1050" dirty="0">
+              <a:endParaRPr kumimoji="1" lang="ja-JP" altLang="en-US" sz="1400" dirty="0">
                 <a:latin typeface="Meiryo UI" panose="020B0604030504040204" pitchFamily="50" charset="-128"/>
                 <a:ea typeface="Meiryo UI" panose="020B0604030504040204" pitchFamily="50" charset="-128"/>
               </a:endParaRPr>
@@ -7309,14 +7232,14 @@
         </p:sp>
         <p:sp>
           <p:nvSpPr>
-            <p:cNvPr id="38" name="テキスト ボックス 37"/>
+            <p:cNvPr id="53" name="テキスト ボックス 52"/>
             <p:cNvSpPr txBox="1"/>
             <p:nvPr/>
           </p:nvSpPr>
           <p:spPr>
             <a:xfrm>
-              <a:off x="562880" y="4598967"/>
-              <a:ext cx="2307290" cy="439025"/>
+              <a:off x="1053166" y="3853540"/>
+              <a:ext cx="742375" cy="259264"/>
             </a:xfrm>
             <a:prstGeom prst="rect">
               <a:avLst/>
@@ -7330,13 +7253,13 @@
             <a:lstStyle/>
             <a:p>
               <a:r>
-                <a:rPr kumimoji="1" lang="ja-JP" altLang="en-US" sz="1050" dirty="0" smtClean="0">
+                <a:rPr kumimoji="1" lang="ja-JP" altLang="en-US" sz="1400" dirty="0" smtClean="0">
                   <a:latin typeface="Meiryo UI" panose="020B0604030504040204" pitchFamily="50" charset="-128"/>
                   <a:ea typeface="Meiryo UI" panose="020B0604030504040204" pitchFamily="50" charset="-128"/>
                 </a:rPr>
                 <a:t>ネットワーク</a:t>
               </a:r>
-              <a:endParaRPr kumimoji="1" lang="ja-JP" altLang="en-US" sz="1050" dirty="0">
+              <a:endParaRPr kumimoji="1" lang="ja-JP" altLang="en-US" sz="1400" dirty="0">
                 <a:latin typeface="Meiryo UI" panose="020B0604030504040204" pitchFamily="50" charset="-128"/>
                 <a:ea typeface="Meiryo UI" panose="020B0604030504040204" pitchFamily="50" charset="-128"/>
               </a:endParaRPr>
@@ -7345,14 +7268,14 @@
         </p:sp>
         <p:sp>
           <p:nvSpPr>
-            <p:cNvPr id="39" name="テキスト ボックス 38"/>
+            <p:cNvPr id="54" name="テキスト ボックス 53"/>
             <p:cNvSpPr txBox="1"/>
             <p:nvPr/>
           </p:nvSpPr>
           <p:spPr>
             <a:xfrm>
-              <a:off x="562880" y="3328122"/>
-              <a:ext cx="3023698" cy="723100"/>
+              <a:off x="1053166" y="3050158"/>
+              <a:ext cx="985231" cy="440748"/>
             </a:xfrm>
             <a:prstGeom prst="rect">
               <a:avLst/>
@@ -7366,826 +7289,483 @@
             <a:lstStyle/>
             <a:p>
               <a:r>
-                <a:rPr kumimoji="1" lang="ja-JP" altLang="en-US" sz="1050" dirty="0" smtClean="0">
+                <a:rPr kumimoji="1" lang="ja-JP" altLang="en-US" sz="1400" dirty="0" smtClean="0">
                   <a:latin typeface="Meiryo UI" panose="020B0604030504040204" pitchFamily="50" charset="-128"/>
                   <a:ea typeface="Meiryo UI" panose="020B0604030504040204" pitchFamily="50" charset="-128"/>
                 </a:rPr>
                 <a:t>クラウド、</a:t>
               </a:r>
-              <a:endParaRPr kumimoji="1" lang="en-US" altLang="ja-JP" sz="1050" dirty="0" smtClean="0">
+              <a:endParaRPr kumimoji="1" lang="en-US" altLang="ja-JP" sz="1400" dirty="0" smtClean="0">
                 <a:latin typeface="Meiryo UI" panose="020B0604030504040204" pitchFamily="50" charset="-128"/>
                 <a:ea typeface="Meiryo UI" panose="020B0604030504040204" pitchFamily="50" charset="-128"/>
               </a:endParaRPr>
             </a:p>
             <a:p>
               <a:r>
-                <a:rPr kumimoji="1" lang="ja-JP" altLang="en-US" sz="1050" dirty="0" smtClean="0">
+                <a:rPr kumimoji="1" lang="ja-JP" altLang="en-US" sz="1400" dirty="0" smtClean="0">
                   <a:latin typeface="Meiryo UI" panose="020B0604030504040204" pitchFamily="50" charset="-128"/>
                   <a:ea typeface="Meiryo UI" panose="020B0604030504040204" pitchFamily="50" charset="-128"/>
                 </a:rPr>
                 <a:t>ビッグデータ、</a:t>
               </a:r>
               <a:r>
-                <a:rPr kumimoji="1" lang="en-US" altLang="ja-JP" sz="1050" dirty="0" smtClean="0">
+                <a:rPr kumimoji="1" lang="en-US" altLang="ja-JP" sz="1400" dirty="0" smtClean="0">
                   <a:latin typeface="Meiryo UI" panose="020B0604030504040204" pitchFamily="50" charset="-128"/>
                   <a:ea typeface="Meiryo UI" panose="020B0604030504040204" pitchFamily="50" charset="-128"/>
                 </a:rPr>
                 <a:t>AI</a:t>
               </a:r>
-              <a:endParaRPr kumimoji="1" lang="ja-JP" altLang="en-US" sz="1050" dirty="0">
+              <a:endParaRPr kumimoji="1" lang="ja-JP" altLang="en-US" sz="1400" dirty="0">
                 <a:latin typeface="Meiryo UI" panose="020B0604030504040204" pitchFamily="50" charset="-128"/>
                 <a:ea typeface="Meiryo UI" panose="020B0604030504040204" pitchFamily="50" charset="-128"/>
               </a:endParaRPr>
             </a:p>
           </p:txBody>
         </p:sp>
-      </p:grpSp>
-      <p:sp>
-        <p:nvSpPr>
-          <p:cNvPr id="41" name="右矢印 40"/>
-          <p:cNvSpPr/>
-          <p:nvPr/>
-        </p:nvSpPr>
-        <p:spPr>
-          <a:xfrm>
-            <a:off x="3407431" y="3553187"/>
-            <a:ext cx="355270" cy="1193422"/>
-          </a:xfrm>
-          <a:prstGeom prst="rightArrow">
-            <a:avLst/>
-          </a:prstGeom>
-        </p:spPr>
-        <p:style>
-          <a:lnRef idx="2">
-            <a:schemeClr val="accent1">
-              <a:shade val="50000"/>
-            </a:schemeClr>
-          </a:lnRef>
-          <a:fillRef idx="1">
-            <a:schemeClr val="accent1"/>
-          </a:fillRef>
-          <a:effectRef idx="0">
-            <a:schemeClr val="accent1"/>
-          </a:effectRef>
-          <a:fontRef idx="minor">
-            <a:schemeClr val="lt1"/>
-          </a:fontRef>
-        </p:style>
-        <p:txBody>
-          <a:bodyPr rtlCol="0" anchor="ctr"/>
-          <a:lstStyle/>
-          <a:p>
-            <a:pPr algn="ctr"/>
-            <a:endParaRPr kumimoji="1" lang="ja-JP" altLang="en-US">
-              <a:latin typeface="Meiryo UI" panose="020B0604030504040204" pitchFamily="50" charset="-128"/>
-              <a:ea typeface="Meiryo UI" panose="020B0604030504040204" pitchFamily="50" charset="-128"/>
-            </a:endParaRPr>
-          </a:p>
-        </p:txBody>
-      </p:sp>
-      <p:pic>
-        <p:nvPicPr>
-          <p:cNvPr id="44" name="図 43"/>
-          <p:cNvPicPr>
-            <a:picLocks noChangeAspect="1"/>
-          </p:cNvPicPr>
-          <p:nvPr/>
-        </p:nvPicPr>
-        <p:blipFill>
-          <a:blip r:embed="rId3"/>
-          <a:stretch>
-            <a:fillRect/>
-          </a:stretch>
-        </p:blipFill>
-        <p:spPr>
-          <a:xfrm>
-            <a:off x="5544883" y="5009314"/>
-            <a:ext cx="517893" cy="333090"/>
-          </a:xfrm>
-          <a:prstGeom prst="rect">
-            <a:avLst/>
-          </a:prstGeom>
-        </p:spPr>
-      </p:pic>
-      <p:sp>
-        <p:nvSpPr>
-          <p:cNvPr id="50" name="テキスト ボックス 49"/>
-          <p:cNvSpPr txBox="1"/>
-          <p:nvPr/>
-        </p:nvSpPr>
-        <p:spPr>
-          <a:xfrm>
-            <a:off x="4262359" y="4852694"/>
-            <a:ext cx="1079142" cy="646331"/>
-          </a:xfrm>
-          <a:prstGeom prst="rect">
-            <a:avLst/>
-          </a:prstGeom>
-          <a:noFill/>
-        </p:spPr>
-        <p:txBody>
-          <a:bodyPr wrap="none" rtlCol="0">
-            <a:spAutoFit/>
-          </a:bodyPr>
-          <a:lstStyle/>
-          <a:p>
-            <a:r>
-              <a:rPr kumimoji="1" lang="ja-JP" altLang="en-US" sz="1200" dirty="0" smtClean="0">
+        <p:sp>
+          <p:nvSpPr>
+            <p:cNvPr id="56" name="テキスト ボックス 55"/>
+            <p:cNvSpPr txBox="1"/>
+            <p:nvPr/>
+          </p:nvSpPr>
+          <p:spPr>
+            <a:xfrm>
+              <a:off x="794143" y="2491997"/>
+              <a:ext cx="1522719" cy="337043"/>
+            </a:xfrm>
+            <a:prstGeom prst="rect">
+              <a:avLst/>
+            </a:prstGeom>
+            <a:noFill/>
+          </p:spPr>
+          <p:txBody>
+            <a:bodyPr wrap="none" rtlCol="0">
+              <a:spAutoFit/>
+            </a:bodyPr>
+            <a:lstStyle/>
+            <a:p>
+              <a:r>
+                <a:rPr kumimoji="1" lang="en-US" altLang="ja-JP" sz="2000" b="1" dirty="0" smtClean="0">
+                  <a:latin typeface="Meiryo UI" panose="020B0604030504040204" pitchFamily="50" charset="-128"/>
+                  <a:ea typeface="Meiryo UI" panose="020B0604030504040204" pitchFamily="50" charset="-128"/>
+                </a:rPr>
+                <a:t>【</a:t>
+              </a:r>
+              <a:r>
+                <a:rPr kumimoji="1" lang="ja-JP" altLang="en-US" sz="2000" b="1" dirty="0" smtClean="0">
+                  <a:latin typeface="Meiryo UI" panose="020B0604030504040204" pitchFamily="50" charset="-128"/>
+                  <a:ea typeface="Meiryo UI" panose="020B0604030504040204" pitchFamily="50" charset="-128"/>
+                </a:rPr>
+                <a:t>今回開発内容</a:t>
+              </a:r>
+              <a:r>
+                <a:rPr kumimoji="1" lang="en-US" altLang="ja-JP" sz="2000" b="1" dirty="0" smtClean="0">
+                  <a:latin typeface="Meiryo UI" panose="020B0604030504040204" pitchFamily="50" charset="-128"/>
+                  <a:ea typeface="Meiryo UI" panose="020B0604030504040204" pitchFamily="50" charset="-128"/>
+                </a:rPr>
+                <a:t>】</a:t>
+              </a:r>
+              <a:endParaRPr kumimoji="1" lang="en-US" altLang="ja-JP" sz="2000" b="1" dirty="0">
                 <a:latin typeface="Meiryo UI" panose="020B0604030504040204" pitchFamily="50" charset="-128"/>
                 <a:ea typeface="Meiryo UI" panose="020B0604030504040204" pitchFamily="50" charset="-128"/>
-              </a:rPr>
-              <a:t>デバイスの</a:t>
-            </a:r>
-            <a:endParaRPr kumimoji="1" lang="en-US" altLang="ja-JP" sz="1200" dirty="0" smtClean="0">
-              <a:latin typeface="Meiryo UI" panose="020B0604030504040204" pitchFamily="50" charset="-128"/>
-              <a:ea typeface="Meiryo UI" panose="020B0604030504040204" pitchFamily="50" charset="-128"/>
-            </a:endParaRPr>
-          </a:p>
-          <a:p>
-            <a:r>
-              <a:rPr kumimoji="1" lang="ja-JP" altLang="en-US" sz="1200" dirty="0">
+              </a:endParaRPr>
+            </a:p>
+          </p:txBody>
+        </p:sp>
+        <p:sp>
+          <p:nvSpPr>
+            <p:cNvPr id="57" name="テキスト ボックス 56"/>
+            <p:cNvSpPr txBox="1"/>
+            <p:nvPr/>
+          </p:nvSpPr>
+          <p:spPr>
+            <a:xfrm>
+              <a:off x="2837120" y="4593729"/>
+              <a:ext cx="2803568" cy="518527"/>
+            </a:xfrm>
+            <a:prstGeom prst="rect">
+              <a:avLst/>
+            </a:prstGeom>
+            <a:noFill/>
+          </p:spPr>
+          <p:txBody>
+            <a:bodyPr wrap="none" rtlCol="0">
+              <a:spAutoFit/>
+            </a:bodyPr>
+            <a:lstStyle/>
+            <a:p>
+              <a:r>
+                <a:rPr kumimoji="1" lang="ja-JP" altLang="en-US" sz="1400" dirty="0" smtClean="0">
+                  <a:latin typeface="Meiryo UI" panose="020B0604030504040204" pitchFamily="50" charset="-128"/>
+                  <a:ea typeface="Meiryo UI" panose="020B0604030504040204" pitchFamily="50" charset="-128"/>
+                </a:rPr>
+                <a:t>奥様につけた、</a:t>
+              </a:r>
+              <a:endParaRPr kumimoji="1" lang="en-US" altLang="ja-JP" sz="1400" dirty="0" smtClean="0">
                 <a:latin typeface="Meiryo UI" panose="020B0604030504040204" pitchFamily="50" charset="-128"/>
                 <a:ea typeface="Meiryo UI" panose="020B0604030504040204" pitchFamily="50" charset="-128"/>
-              </a:rPr>
-              <a:t>センサ</a:t>
-            </a:r>
-            <a:r>
-              <a:rPr kumimoji="1" lang="ja-JP" altLang="en-US" sz="1200" dirty="0" smtClean="0">
+              </a:endParaRPr>
+            </a:p>
+            <a:p>
+              <a:r>
+                <a:rPr kumimoji="1" lang="ja-JP" altLang="en-US" sz="2000" dirty="0" smtClean="0">
+                  <a:solidFill>
+                    <a:srgbClr val="C00000"/>
+                  </a:solidFill>
+                  <a:latin typeface="Meiryo UI" panose="020B0604030504040204" pitchFamily="50" charset="-128"/>
+                  <a:ea typeface="Meiryo UI" panose="020B0604030504040204" pitchFamily="50" charset="-128"/>
+                </a:rPr>
+                <a:t>バイタルデータ</a:t>
+              </a:r>
+              <a:r>
+                <a:rPr kumimoji="1" lang="en-US" altLang="ja-JP" sz="2000" dirty="0" smtClean="0">
+                  <a:solidFill>
+                    <a:srgbClr val="C00000"/>
+                  </a:solidFill>
+                  <a:latin typeface="Meiryo UI" panose="020B0604030504040204" pitchFamily="50" charset="-128"/>
+                  <a:ea typeface="Meiryo UI" panose="020B0604030504040204" pitchFamily="50" charset="-128"/>
+                </a:rPr>
+                <a:t>(</a:t>
+              </a:r>
+              <a:r>
+                <a:rPr kumimoji="1" lang="ja-JP" altLang="en-US" sz="2000" dirty="0" smtClean="0">
+                  <a:solidFill>
+                    <a:srgbClr val="C00000"/>
+                  </a:solidFill>
+                  <a:latin typeface="Meiryo UI" panose="020B0604030504040204" pitchFamily="50" charset="-128"/>
+                  <a:ea typeface="Meiryo UI" panose="020B0604030504040204" pitchFamily="50" charset="-128"/>
+                </a:rPr>
+                <a:t>心拍センサー</a:t>
+              </a:r>
+              <a:r>
+                <a:rPr kumimoji="1" lang="en-US" altLang="ja-JP" sz="2000" dirty="0" smtClean="0">
+                  <a:solidFill>
+                    <a:srgbClr val="C00000"/>
+                  </a:solidFill>
+                  <a:latin typeface="Meiryo UI" panose="020B0604030504040204" pitchFamily="50" charset="-128"/>
+                  <a:ea typeface="Meiryo UI" panose="020B0604030504040204" pitchFamily="50" charset="-128"/>
+                </a:rPr>
+                <a:t>)</a:t>
+              </a:r>
+              <a:r>
+                <a:rPr kumimoji="1" lang="ja-JP" altLang="en-US" sz="2000" dirty="0" smtClean="0">
+                  <a:solidFill>
+                    <a:srgbClr val="C00000"/>
+                  </a:solidFill>
+                  <a:latin typeface="Meiryo UI" panose="020B0604030504040204" pitchFamily="50" charset="-128"/>
+                  <a:ea typeface="Meiryo UI" panose="020B0604030504040204" pitchFamily="50" charset="-128"/>
+                </a:rPr>
+                <a:t>取得</a:t>
+              </a:r>
+              <a:endParaRPr kumimoji="1" lang="en-US" altLang="ja-JP" sz="2000" dirty="0" smtClean="0">
+                <a:solidFill>
+                  <a:srgbClr val="C00000"/>
+                </a:solidFill>
                 <a:latin typeface="Meiryo UI" panose="020B0604030504040204" pitchFamily="50" charset="-128"/>
                 <a:ea typeface="Meiryo UI" panose="020B0604030504040204" pitchFamily="50" charset="-128"/>
-              </a:rPr>
-              <a:t>ーから</a:t>
-            </a:r>
-            <a:endParaRPr kumimoji="1" lang="en-US" altLang="ja-JP" sz="1200" dirty="0" smtClean="0">
-              <a:latin typeface="Meiryo UI" panose="020B0604030504040204" pitchFamily="50" charset="-128"/>
-              <a:ea typeface="Meiryo UI" panose="020B0604030504040204" pitchFamily="50" charset="-128"/>
-            </a:endParaRPr>
-          </a:p>
-          <a:p>
-            <a:r>
-              <a:rPr kumimoji="1" lang="ja-JP" altLang="en-US" sz="1200" dirty="0" smtClean="0">
+              </a:endParaRPr>
+            </a:p>
+          </p:txBody>
+        </p:sp>
+        <p:pic>
+          <p:nvPicPr>
+            <p:cNvPr id="59" name="図 58"/>
+            <p:cNvPicPr>
+              <a:picLocks noChangeAspect="1"/>
+            </p:cNvPicPr>
+            <p:nvPr/>
+          </p:nvPicPr>
+          <p:blipFill>
+            <a:blip r:embed="rId3">
+              <a:extLst>
+                <a:ext uri="{28A0092B-C50C-407E-A947-70E740481C1C}">
+                  <a14:useLocalDpi xmlns:a14="http://schemas.microsoft.com/office/drawing/2010/main" val="0"/>
+                </a:ext>
+              </a:extLst>
+            </a:blip>
+            <a:stretch>
+              <a:fillRect/>
+            </a:stretch>
+          </p:blipFill>
+          <p:spPr>
+            <a:xfrm>
+              <a:off x="5318338" y="3216929"/>
+              <a:ext cx="619492" cy="988965"/>
+            </a:xfrm>
+            <a:prstGeom prst="rect">
+              <a:avLst/>
+            </a:prstGeom>
+          </p:spPr>
+        </p:pic>
+        <p:sp>
+          <p:nvSpPr>
+            <p:cNvPr id="64" name="テキスト ボックス 63"/>
+            <p:cNvSpPr txBox="1"/>
+            <p:nvPr/>
+          </p:nvSpPr>
+          <p:spPr>
+            <a:xfrm>
+              <a:off x="4525219" y="3035660"/>
+              <a:ext cx="553761" cy="311117"/>
+            </a:xfrm>
+            <a:prstGeom prst="rect">
+              <a:avLst/>
+            </a:prstGeom>
+            <a:noFill/>
+          </p:spPr>
+          <p:txBody>
+            <a:bodyPr wrap="none" rtlCol="0">
+              <a:spAutoFit/>
+            </a:bodyPr>
+            <a:lstStyle/>
+            <a:p>
+              <a:r>
+                <a:rPr kumimoji="1" lang="en-US" altLang="ja-JP" dirty="0" smtClean="0">
+                  <a:solidFill>
+                    <a:srgbClr val="0000CC"/>
+                  </a:solidFill>
+                  <a:latin typeface="Meiryo UI" panose="020B0604030504040204" pitchFamily="50" charset="-128"/>
+                  <a:ea typeface="Meiryo UI" panose="020B0604030504040204" pitchFamily="50" charset="-128"/>
+                </a:rPr>
+                <a:t>LINE</a:t>
+              </a:r>
+              <a:endParaRPr kumimoji="1" lang="ja-JP" altLang="en-US" dirty="0">
+                <a:solidFill>
+                  <a:srgbClr val="0000CC"/>
+                </a:solidFill>
                 <a:latin typeface="Meiryo UI" panose="020B0604030504040204" pitchFamily="50" charset="-128"/>
                 <a:ea typeface="Meiryo UI" panose="020B0604030504040204" pitchFamily="50" charset="-128"/>
-              </a:rPr>
-              <a:t>取得したデータ</a:t>
-            </a:r>
-            <a:endParaRPr kumimoji="1" lang="ja-JP" altLang="en-US" sz="1200" dirty="0">
-              <a:latin typeface="Meiryo UI" panose="020B0604030504040204" pitchFamily="50" charset="-128"/>
-              <a:ea typeface="Meiryo UI" panose="020B0604030504040204" pitchFamily="50" charset="-128"/>
-            </a:endParaRPr>
-          </a:p>
-        </p:txBody>
-      </p:sp>
-      <p:sp>
-        <p:nvSpPr>
-          <p:cNvPr id="51" name="円柱 50"/>
-          <p:cNvSpPr/>
-          <p:nvPr/>
-        </p:nvSpPr>
-        <p:spPr>
-          <a:xfrm>
-            <a:off x="6216617" y="3252655"/>
-            <a:ext cx="955541" cy="780765"/>
-          </a:xfrm>
-          <a:prstGeom prst="can">
-            <a:avLst>
-              <a:gd name="adj" fmla="val 19369"/>
-            </a:avLst>
-          </a:prstGeom>
-        </p:spPr>
-        <p:style>
-          <a:lnRef idx="2">
-            <a:schemeClr val="accent1">
-              <a:shade val="50000"/>
-            </a:schemeClr>
-          </a:lnRef>
-          <a:fillRef idx="1">
-            <a:schemeClr val="accent1"/>
-          </a:fillRef>
-          <a:effectRef idx="0">
-            <a:schemeClr val="accent1"/>
-          </a:effectRef>
-          <a:fontRef idx="minor">
-            <a:schemeClr val="lt1"/>
-          </a:fontRef>
-        </p:style>
-        <p:txBody>
-          <a:bodyPr rtlCol="0" anchor="ctr"/>
-          <a:lstStyle/>
-          <a:p>
-            <a:pPr algn="ctr"/>
-            <a:r>
-              <a:rPr kumimoji="1" lang="ja-JP" altLang="en-US" sz="1200" dirty="0">
+              </a:endParaRPr>
+            </a:p>
+          </p:txBody>
+        </p:sp>
+        <p:sp>
+          <p:nvSpPr>
+            <p:cNvPr id="65" name="テキスト ボックス 64"/>
+            <p:cNvSpPr txBox="1"/>
+            <p:nvPr/>
+          </p:nvSpPr>
+          <p:spPr>
+            <a:xfrm>
+              <a:off x="1536429" y="3555500"/>
+              <a:ext cx="1367390" cy="259264"/>
+            </a:xfrm>
+            <a:prstGeom prst="rect">
+              <a:avLst/>
+            </a:prstGeom>
+            <a:noFill/>
+          </p:spPr>
+          <p:txBody>
+            <a:bodyPr wrap="none" rtlCol="0">
+              <a:spAutoFit/>
+            </a:bodyPr>
+            <a:lstStyle/>
+            <a:p>
+              <a:r>
+                <a:rPr kumimoji="1" lang="ja-JP" altLang="en-US" sz="1400" dirty="0" smtClean="0">
+                  <a:solidFill>
+                    <a:srgbClr val="0000CC"/>
+                  </a:solidFill>
+                  <a:latin typeface="Meiryo UI" panose="020B0604030504040204" pitchFamily="50" charset="-128"/>
+                  <a:ea typeface="Meiryo UI" panose="020B0604030504040204" pitchFamily="50" charset="-128"/>
+                </a:rPr>
+                <a:t>汎用的なインタフェース</a:t>
+              </a:r>
+              <a:endParaRPr kumimoji="1" lang="ja-JP" altLang="en-US" sz="1400" dirty="0">
+                <a:solidFill>
+                  <a:srgbClr val="0000CC"/>
+                </a:solidFill>
                 <a:latin typeface="Meiryo UI" panose="020B0604030504040204" pitchFamily="50" charset="-128"/>
                 <a:ea typeface="Meiryo UI" panose="020B0604030504040204" pitchFamily="50" charset="-128"/>
-              </a:rPr>
-              <a:t>クラウド</a:t>
-            </a:r>
-            <a:r>
-              <a:rPr kumimoji="1" lang="en-US" altLang="ja-JP" sz="1200" dirty="0">
+              </a:endParaRPr>
+            </a:p>
+          </p:txBody>
+        </p:sp>
+        <p:sp>
+          <p:nvSpPr>
+            <p:cNvPr id="2" name="正方形/長方形 1"/>
+            <p:cNvSpPr/>
+            <p:nvPr/>
+          </p:nvSpPr>
+          <p:spPr>
+            <a:xfrm>
+              <a:off x="2671918" y="2588922"/>
+              <a:ext cx="1803791" cy="337043"/>
+            </a:xfrm>
+            <a:prstGeom prst="rect">
+              <a:avLst/>
+            </a:prstGeom>
+          </p:spPr>
+          <p:txBody>
+            <a:bodyPr wrap="none">
+              <a:spAutoFit/>
+            </a:bodyPr>
+            <a:lstStyle/>
+            <a:p>
+              <a:r>
+                <a:rPr kumimoji="1" lang="ja-JP" altLang="en-US" sz="2000" b="1" i="1" dirty="0" smtClean="0">
+                  <a:solidFill>
+                    <a:srgbClr val="C00000"/>
+                  </a:solidFill>
+                  <a:effectLst>
+                    <a:outerShdw blurRad="38100" dist="38100" dir="2700000" algn="tl">
+                      <a:srgbClr val="000000">
+                        <a:alpha val="43137"/>
+                      </a:srgbClr>
+                    </a:outerShdw>
+                  </a:effectLst>
+                  <a:latin typeface="Meiryo UI" panose="020B0604030504040204" pitchFamily="50" charset="-128"/>
+                  <a:ea typeface="Meiryo UI" panose="020B0604030504040204" pitchFamily="50" charset="-128"/>
+                </a:rPr>
+                <a:t>②</a:t>
+              </a:r>
+              <a:r>
+                <a:rPr kumimoji="1" lang="ja-JP" altLang="en-US" sz="2000" dirty="0" smtClean="0">
+                  <a:solidFill>
+                    <a:srgbClr val="C00000"/>
+                  </a:solidFill>
+                  <a:latin typeface="Meiryo UI" panose="020B0604030504040204" pitchFamily="50" charset="-128"/>
+                  <a:ea typeface="Meiryo UI" panose="020B0604030504040204" pitchFamily="50" charset="-128"/>
+                </a:rPr>
+                <a:t>リコメンド状態解析</a:t>
+              </a:r>
+              <a:endParaRPr lang="ja-JP" altLang="en-US" sz="2000" dirty="0">
+                <a:solidFill>
+                  <a:srgbClr val="C00000"/>
+                </a:solidFill>
                 <a:latin typeface="Meiryo UI" panose="020B0604030504040204" pitchFamily="50" charset="-128"/>
                 <a:ea typeface="Meiryo UI" panose="020B0604030504040204" pitchFamily="50" charset="-128"/>
-              </a:rPr>
-              <a:t>/</a:t>
-            </a:r>
-          </a:p>
-          <a:p>
-            <a:pPr algn="ctr"/>
-            <a:r>
-              <a:rPr kumimoji="1" lang="ja-JP" altLang="en-US" sz="1200" dirty="0">
-                <a:latin typeface="Meiryo UI" panose="020B0604030504040204" pitchFamily="50" charset="-128"/>
-                <a:ea typeface="Meiryo UI" panose="020B0604030504040204" pitchFamily="50" charset="-128"/>
-              </a:rPr>
-              <a:t>ビッグデータ・</a:t>
-            </a:r>
-            <a:r>
-              <a:rPr kumimoji="1" lang="en-US" altLang="ja-JP" sz="1200" dirty="0">
-                <a:latin typeface="Meiryo UI" panose="020B0604030504040204" pitchFamily="50" charset="-128"/>
-                <a:ea typeface="Meiryo UI" panose="020B0604030504040204" pitchFamily="50" charset="-128"/>
-              </a:rPr>
-              <a:t>AI</a:t>
-            </a:r>
-            <a:endParaRPr kumimoji="1" lang="ja-JP" altLang="en-US" sz="1200" dirty="0">
-              <a:latin typeface="Meiryo UI" panose="020B0604030504040204" pitchFamily="50" charset="-128"/>
-              <a:ea typeface="Meiryo UI" panose="020B0604030504040204" pitchFamily="50" charset="-128"/>
-            </a:endParaRPr>
-          </a:p>
-        </p:txBody>
-      </p:sp>
-      <p:sp>
-        <p:nvSpPr>
-          <p:cNvPr id="52" name="雲 51"/>
-          <p:cNvSpPr/>
-          <p:nvPr/>
-        </p:nvSpPr>
-        <p:spPr>
-          <a:xfrm>
-            <a:off x="5038331" y="4273026"/>
-            <a:ext cx="3095106" cy="371934"/>
-          </a:xfrm>
-          <a:prstGeom prst="cloud">
-            <a:avLst/>
-          </a:prstGeom>
-        </p:spPr>
-        <p:style>
-          <a:lnRef idx="2">
-            <a:schemeClr val="accent1">
-              <a:shade val="50000"/>
-            </a:schemeClr>
-          </a:lnRef>
-          <a:fillRef idx="1">
-            <a:schemeClr val="accent1"/>
-          </a:fillRef>
-          <a:effectRef idx="0">
-            <a:schemeClr val="accent1"/>
-          </a:effectRef>
-          <a:fontRef idx="minor">
-            <a:schemeClr val="lt1"/>
-          </a:fontRef>
-        </p:style>
-        <p:txBody>
-          <a:bodyPr rtlCol="0" anchor="ctr"/>
-          <a:lstStyle/>
-          <a:p>
-            <a:pPr algn="ctr"/>
-            <a:r>
-              <a:rPr kumimoji="1" lang="ja-JP" altLang="en-US" sz="1200" dirty="0" smtClean="0">
-                <a:latin typeface="Meiryo UI" panose="020B0604030504040204" pitchFamily="50" charset="-128"/>
-                <a:ea typeface="Meiryo UI" panose="020B0604030504040204" pitchFamily="50" charset="-128"/>
-              </a:rPr>
-              <a:t>４</a:t>
-            </a:r>
-            <a:r>
-              <a:rPr kumimoji="1" lang="en-US" altLang="ja-JP" sz="1200" dirty="0" smtClean="0">
-                <a:latin typeface="Meiryo UI" panose="020B0604030504040204" pitchFamily="50" charset="-128"/>
-                <a:ea typeface="Meiryo UI" panose="020B0604030504040204" pitchFamily="50" charset="-128"/>
-              </a:rPr>
-              <a:t>G</a:t>
-            </a:r>
-            <a:r>
-              <a:rPr kumimoji="1" lang="ja-JP" altLang="en-US" sz="1200" dirty="0" smtClean="0">
-                <a:latin typeface="Meiryo UI" panose="020B0604030504040204" pitchFamily="50" charset="-128"/>
-                <a:ea typeface="Meiryo UI" panose="020B0604030504040204" pitchFamily="50" charset="-128"/>
-              </a:rPr>
-              <a:t>回線</a:t>
-            </a:r>
-            <a:endParaRPr kumimoji="1" lang="ja-JP" altLang="en-US" sz="1200" dirty="0">
-              <a:latin typeface="Meiryo UI" panose="020B0604030504040204" pitchFamily="50" charset="-128"/>
-              <a:ea typeface="Meiryo UI" panose="020B0604030504040204" pitchFamily="50" charset="-128"/>
-            </a:endParaRPr>
-          </a:p>
-        </p:txBody>
-      </p:sp>
-      <p:sp>
-        <p:nvSpPr>
-          <p:cNvPr id="53" name="テキスト ボックス 52"/>
-          <p:cNvSpPr txBox="1"/>
-          <p:nvPr/>
-        </p:nvSpPr>
-        <p:spPr>
-          <a:xfrm>
-            <a:off x="4262359" y="4222817"/>
-            <a:ext cx="854721" cy="276999"/>
-          </a:xfrm>
-          <a:prstGeom prst="rect">
-            <a:avLst/>
-          </a:prstGeom>
-          <a:noFill/>
-        </p:spPr>
-        <p:txBody>
-          <a:bodyPr wrap="none" rtlCol="0">
-            <a:spAutoFit/>
-          </a:bodyPr>
-          <a:lstStyle/>
-          <a:p>
-            <a:r>
-              <a:rPr kumimoji="1" lang="ja-JP" altLang="en-US" sz="1200" dirty="0" smtClean="0">
-                <a:latin typeface="Meiryo UI" panose="020B0604030504040204" pitchFamily="50" charset="-128"/>
-                <a:ea typeface="Meiryo UI" panose="020B0604030504040204" pitchFamily="50" charset="-128"/>
-              </a:rPr>
-              <a:t>ネットワーク</a:t>
-            </a:r>
-            <a:endParaRPr kumimoji="1" lang="ja-JP" altLang="en-US" sz="1200" dirty="0">
-              <a:latin typeface="Meiryo UI" panose="020B0604030504040204" pitchFamily="50" charset="-128"/>
-              <a:ea typeface="Meiryo UI" panose="020B0604030504040204" pitchFamily="50" charset="-128"/>
-            </a:endParaRPr>
-          </a:p>
-        </p:txBody>
-      </p:sp>
-      <p:sp>
-        <p:nvSpPr>
-          <p:cNvPr id="54" name="テキスト ボックス 53"/>
-          <p:cNvSpPr txBox="1"/>
-          <p:nvPr/>
-        </p:nvSpPr>
-        <p:spPr>
-          <a:xfrm>
-            <a:off x="4262359" y="3419435"/>
-            <a:ext cx="1127232" cy="461665"/>
-          </a:xfrm>
-          <a:prstGeom prst="rect">
-            <a:avLst/>
-          </a:prstGeom>
-          <a:noFill/>
-        </p:spPr>
-        <p:txBody>
-          <a:bodyPr wrap="none" rtlCol="0">
-            <a:spAutoFit/>
-          </a:bodyPr>
-          <a:lstStyle/>
-          <a:p>
-            <a:r>
-              <a:rPr kumimoji="1" lang="ja-JP" altLang="en-US" sz="1200" dirty="0" smtClean="0">
-                <a:latin typeface="Meiryo UI" panose="020B0604030504040204" pitchFamily="50" charset="-128"/>
-                <a:ea typeface="Meiryo UI" panose="020B0604030504040204" pitchFamily="50" charset="-128"/>
-              </a:rPr>
-              <a:t>クラウド、</a:t>
-            </a:r>
-            <a:endParaRPr kumimoji="1" lang="en-US" altLang="ja-JP" sz="1200" dirty="0" smtClean="0">
-              <a:latin typeface="Meiryo UI" panose="020B0604030504040204" pitchFamily="50" charset="-128"/>
-              <a:ea typeface="Meiryo UI" panose="020B0604030504040204" pitchFamily="50" charset="-128"/>
-            </a:endParaRPr>
-          </a:p>
-          <a:p>
-            <a:r>
-              <a:rPr kumimoji="1" lang="ja-JP" altLang="en-US" sz="1200" dirty="0" smtClean="0">
-                <a:latin typeface="Meiryo UI" panose="020B0604030504040204" pitchFamily="50" charset="-128"/>
-                <a:ea typeface="Meiryo UI" panose="020B0604030504040204" pitchFamily="50" charset="-128"/>
-              </a:rPr>
-              <a:t>ビッグデータ、</a:t>
-            </a:r>
-            <a:r>
-              <a:rPr kumimoji="1" lang="en-US" altLang="ja-JP" sz="1200" dirty="0" smtClean="0">
-                <a:latin typeface="Meiryo UI" panose="020B0604030504040204" pitchFamily="50" charset="-128"/>
-                <a:ea typeface="Meiryo UI" panose="020B0604030504040204" pitchFamily="50" charset="-128"/>
-              </a:rPr>
-              <a:t>AI</a:t>
-            </a:r>
-            <a:endParaRPr kumimoji="1" lang="ja-JP" altLang="en-US" sz="1200" dirty="0">
-              <a:latin typeface="Meiryo UI" panose="020B0604030504040204" pitchFamily="50" charset="-128"/>
-              <a:ea typeface="Meiryo UI" panose="020B0604030504040204" pitchFamily="50" charset="-128"/>
-            </a:endParaRPr>
-          </a:p>
-        </p:txBody>
-      </p:sp>
-      <p:sp>
-        <p:nvSpPr>
-          <p:cNvPr id="55" name="テキスト ボックス 54"/>
-          <p:cNvSpPr txBox="1"/>
-          <p:nvPr/>
-        </p:nvSpPr>
-        <p:spPr>
-          <a:xfrm>
-            <a:off x="650910" y="2836534"/>
-            <a:ext cx="2397195" cy="369332"/>
-          </a:xfrm>
-          <a:prstGeom prst="rect">
-            <a:avLst/>
-          </a:prstGeom>
-          <a:noFill/>
-        </p:spPr>
-        <p:txBody>
-          <a:bodyPr wrap="none" rtlCol="0">
-            <a:spAutoFit/>
-          </a:bodyPr>
-          <a:lstStyle/>
-          <a:p>
-            <a:r>
-              <a:rPr kumimoji="1" lang="en-US" altLang="ja-JP" dirty="0" smtClean="0">
-                <a:latin typeface="Meiryo UI" panose="020B0604030504040204" pitchFamily="50" charset="-128"/>
-                <a:ea typeface="Meiryo UI" panose="020B0604030504040204" pitchFamily="50" charset="-128"/>
-              </a:rPr>
-              <a:t>【</a:t>
-            </a:r>
-            <a:r>
-              <a:rPr kumimoji="1" lang="ja-JP" altLang="en-US" dirty="0" smtClean="0">
-                <a:latin typeface="Meiryo UI" panose="020B0604030504040204" pitchFamily="50" charset="-128"/>
-                <a:ea typeface="Meiryo UI" panose="020B0604030504040204" pitchFamily="50" charset="-128"/>
-              </a:rPr>
-              <a:t>一般的な</a:t>
-            </a:r>
-            <a:r>
-              <a:rPr kumimoji="1" lang="en-US" altLang="ja-JP" dirty="0" smtClean="0">
-                <a:latin typeface="Meiryo UI" panose="020B0604030504040204" pitchFamily="50" charset="-128"/>
-                <a:ea typeface="Meiryo UI" panose="020B0604030504040204" pitchFamily="50" charset="-128"/>
-              </a:rPr>
-              <a:t>IoT</a:t>
-            </a:r>
-            <a:r>
-              <a:rPr kumimoji="1" lang="ja-JP" altLang="en-US" dirty="0" smtClean="0">
-                <a:latin typeface="Meiryo UI" panose="020B0604030504040204" pitchFamily="50" charset="-128"/>
-                <a:ea typeface="Meiryo UI" panose="020B0604030504040204" pitchFamily="50" charset="-128"/>
-              </a:rPr>
-              <a:t>サービス</a:t>
-            </a:r>
-            <a:r>
-              <a:rPr kumimoji="1" lang="en-US" altLang="ja-JP" dirty="0" smtClean="0">
-                <a:latin typeface="Meiryo UI" panose="020B0604030504040204" pitchFamily="50" charset="-128"/>
-                <a:ea typeface="Meiryo UI" panose="020B0604030504040204" pitchFamily="50" charset="-128"/>
-              </a:rPr>
-              <a:t>】</a:t>
-            </a:r>
-            <a:endParaRPr kumimoji="1" lang="en-US" altLang="ja-JP" dirty="0">
-              <a:latin typeface="Meiryo UI" panose="020B0604030504040204" pitchFamily="50" charset="-128"/>
-              <a:ea typeface="Meiryo UI" panose="020B0604030504040204" pitchFamily="50" charset="-128"/>
-            </a:endParaRPr>
-          </a:p>
-        </p:txBody>
-      </p:sp>
-      <p:sp>
-        <p:nvSpPr>
-          <p:cNvPr id="56" name="テキスト ボックス 55"/>
-          <p:cNvSpPr txBox="1"/>
-          <p:nvPr/>
-        </p:nvSpPr>
-        <p:spPr>
-          <a:xfrm>
-            <a:off x="4003336" y="2861274"/>
-            <a:ext cx="1800493" cy="369332"/>
-          </a:xfrm>
-          <a:prstGeom prst="rect">
-            <a:avLst/>
-          </a:prstGeom>
-          <a:noFill/>
-        </p:spPr>
-        <p:txBody>
-          <a:bodyPr wrap="none" rtlCol="0">
-            <a:spAutoFit/>
-          </a:bodyPr>
-          <a:lstStyle/>
-          <a:p>
-            <a:r>
-              <a:rPr kumimoji="1" lang="en-US" altLang="ja-JP" b="1" dirty="0" smtClean="0">
-                <a:latin typeface="Meiryo UI" panose="020B0604030504040204" pitchFamily="50" charset="-128"/>
-                <a:ea typeface="Meiryo UI" panose="020B0604030504040204" pitchFamily="50" charset="-128"/>
-              </a:rPr>
-              <a:t>【</a:t>
-            </a:r>
-            <a:r>
-              <a:rPr kumimoji="1" lang="ja-JP" altLang="en-US" b="1" dirty="0" smtClean="0">
-                <a:latin typeface="Meiryo UI" panose="020B0604030504040204" pitchFamily="50" charset="-128"/>
-                <a:ea typeface="Meiryo UI" panose="020B0604030504040204" pitchFamily="50" charset="-128"/>
-              </a:rPr>
-              <a:t>今回開発内容</a:t>
-            </a:r>
-            <a:r>
-              <a:rPr kumimoji="1" lang="en-US" altLang="ja-JP" b="1" dirty="0" smtClean="0">
-                <a:latin typeface="Meiryo UI" panose="020B0604030504040204" pitchFamily="50" charset="-128"/>
-                <a:ea typeface="Meiryo UI" panose="020B0604030504040204" pitchFamily="50" charset="-128"/>
-              </a:rPr>
-              <a:t>】</a:t>
-            </a:r>
-            <a:endParaRPr kumimoji="1" lang="en-US" altLang="ja-JP" b="1" dirty="0">
-              <a:latin typeface="Meiryo UI" panose="020B0604030504040204" pitchFamily="50" charset="-128"/>
-              <a:ea typeface="Meiryo UI" panose="020B0604030504040204" pitchFamily="50" charset="-128"/>
-            </a:endParaRPr>
-          </a:p>
-        </p:txBody>
-      </p:sp>
-      <p:sp>
-        <p:nvSpPr>
-          <p:cNvPr id="57" name="テキスト ボックス 56"/>
-          <p:cNvSpPr txBox="1"/>
-          <p:nvPr/>
-        </p:nvSpPr>
-        <p:spPr>
-          <a:xfrm>
-            <a:off x="6046313" y="4963006"/>
-            <a:ext cx="3299301" cy="553998"/>
-          </a:xfrm>
-          <a:prstGeom prst="rect">
-            <a:avLst/>
-          </a:prstGeom>
-          <a:noFill/>
-        </p:spPr>
-        <p:txBody>
-          <a:bodyPr wrap="none" rtlCol="0">
-            <a:spAutoFit/>
-          </a:bodyPr>
-          <a:lstStyle/>
-          <a:p>
-            <a:r>
-              <a:rPr kumimoji="1" lang="ja-JP" altLang="en-US" sz="1200" dirty="0" smtClean="0">
-                <a:latin typeface="Meiryo UI" panose="020B0604030504040204" pitchFamily="50" charset="-128"/>
-                <a:ea typeface="Meiryo UI" panose="020B0604030504040204" pitchFamily="50" charset="-128"/>
-              </a:rPr>
-              <a:t>奥様につけた、</a:t>
-            </a:r>
-            <a:endParaRPr kumimoji="1" lang="en-US" altLang="ja-JP" sz="1200" dirty="0" smtClean="0">
-              <a:latin typeface="Meiryo UI" panose="020B0604030504040204" pitchFamily="50" charset="-128"/>
-              <a:ea typeface="Meiryo UI" panose="020B0604030504040204" pitchFamily="50" charset="-128"/>
-            </a:endParaRPr>
-          </a:p>
-          <a:p>
-            <a:r>
-              <a:rPr kumimoji="1" lang="ja-JP" altLang="en-US" dirty="0" smtClean="0">
-                <a:solidFill>
-                  <a:srgbClr val="C00000"/>
-                </a:solidFill>
-                <a:latin typeface="Meiryo UI" panose="020B0604030504040204" pitchFamily="50" charset="-128"/>
-                <a:ea typeface="Meiryo UI" panose="020B0604030504040204" pitchFamily="50" charset="-128"/>
-              </a:rPr>
-              <a:t>バイタルデータ</a:t>
-            </a:r>
-            <a:r>
-              <a:rPr kumimoji="1" lang="en-US" altLang="ja-JP" dirty="0" smtClean="0">
-                <a:solidFill>
-                  <a:srgbClr val="C00000"/>
-                </a:solidFill>
-                <a:latin typeface="Meiryo UI" panose="020B0604030504040204" pitchFamily="50" charset="-128"/>
-                <a:ea typeface="Meiryo UI" panose="020B0604030504040204" pitchFamily="50" charset="-128"/>
-              </a:rPr>
-              <a:t>(</a:t>
-            </a:r>
-            <a:r>
-              <a:rPr kumimoji="1" lang="ja-JP" altLang="en-US" dirty="0" smtClean="0">
-                <a:solidFill>
-                  <a:srgbClr val="C00000"/>
-                </a:solidFill>
-                <a:latin typeface="Meiryo UI" panose="020B0604030504040204" pitchFamily="50" charset="-128"/>
-                <a:ea typeface="Meiryo UI" panose="020B0604030504040204" pitchFamily="50" charset="-128"/>
-              </a:rPr>
-              <a:t>心拍センサー</a:t>
-            </a:r>
-            <a:r>
-              <a:rPr kumimoji="1" lang="en-US" altLang="ja-JP" dirty="0" smtClean="0">
-                <a:solidFill>
-                  <a:srgbClr val="C00000"/>
-                </a:solidFill>
-                <a:latin typeface="Meiryo UI" panose="020B0604030504040204" pitchFamily="50" charset="-128"/>
-                <a:ea typeface="Meiryo UI" panose="020B0604030504040204" pitchFamily="50" charset="-128"/>
-              </a:rPr>
-              <a:t>)</a:t>
-            </a:r>
-            <a:r>
-              <a:rPr kumimoji="1" lang="ja-JP" altLang="en-US" dirty="0" smtClean="0">
-                <a:solidFill>
-                  <a:srgbClr val="C00000"/>
-                </a:solidFill>
-                <a:latin typeface="Meiryo UI" panose="020B0604030504040204" pitchFamily="50" charset="-128"/>
-                <a:ea typeface="Meiryo UI" panose="020B0604030504040204" pitchFamily="50" charset="-128"/>
-              </a:rPr>
-              <a:t>取得</a:t>
-            </a:r>
-            <a:endParaRPr kumimoji="1" lang="en-US" altLang="ja-JP" dirty="0" smtClean="0">
-              <a:solidFill>
-                <a:srgbClr val="C00000"/>
-              </a:solidFill>
-              <a:latin typeface="Meiryo UI" panose="020B0604030504040204" pitchFamily="50" charset="-128"/>
-              <a:ea typeface="Meiryo UI" panose="020B0604030504040204" pitchFamily="50" charset="-128"/>
-            </a:endParaRPr>
-          </a:p>
-        </p:txBody>
-      </p:sp>
-      <p:pic>
-        <p:nvPicPr>
-          <p:cNvPr id="59" name="図 58"/>
-          <p:cNvPicPr>
-            <a:picLocks noChangeAspect="1"/>
-          </p:cNvPicPr>
-          <p:nvPr/>
-        </p:nvPicPr>
-        <p:blipFill>
-          <a:blip r:embed="rId9">
-            <a:extLst>
-              <a:ext uri="{28A0092B-C50C-407E-A947-70E740481C1C}">
-                <a14:useLocalDpi xmlns:a14="http://schemas.microsoft.com/office/drawing/2010/main" val="0"/>
-              </a:ext>
-            </a:extLst>
-          </a:blip>
-          <a:stretch>
-            <a:fillRect/>
-          </a:stretch>
-        </p:blipFill>
-        <p:spPr>
-          <a:xfrm>
-            <a:off x="8527531" y="3586206"/>
-            <a:ext cx="619492" cy="988965"/>
-          </a:xfrm>
-          <a:prstGeom prst="rect">
-            <a:avLst/>
-          </a:prstGeom>
-        </p:spPr>
-      </p:pic>
-      <p:sp>
-        <p:nvSpPr>
-          <p:cNvPr id="64" name="テキスト ボックス 63"/>
-          <p:cNvSpPr txBox="1"/>
-          <p:nvPr/>
-        </p:nvSpPr>
-        <p:spPr>
-          <a:xfrm>
-            <a:off x="7608584" y="3302388"/>
-            <a:ext cx="660758" cy="338554"/>
-          </a:xfrm>
-          <a:prstGeom prst="rect">
-            <a:avLst/>
-          </a:prstGeom>
-          <a:noFill/>
-        </p:spPr>
-        <p:txBody>
-          <a:bodyPr wrap="none" rtlCol="0">
-            <a:spAutoFit/>
-          </a:bodyPr>
-          <a:lstStyle/>
-          <a:p>
-            <a:r>
-              <a:rPr kumimoji="1" lang="en-US" altLang="ja-JP" sz="1600" dirty="0" smtClean="0">
-                <a:solidFill>
-                  <a:srgbClr val="0000CC"/>
-                </a:solidFill>
-                <a:latin typeface="Meiryo UI" panose="020B0604030504040204" pitchFamily="50" charset="-128"/>
-                <a:ea typeface="Meiryo UI" panose="020B0604030504040204" pitchFamily="50" charset="-128"/>
-              </a:rPr>
-              <a:t>LINE</a:t>
-            </a:r>
-            <a:endParaRPr kumimoji="1" lang="ja-JP" altLang="en-US" sz="1600" dirty="0">
+              </a:endParaRPr>
+            </a:p>
+          </p:txBody>
+        </p:sp>
+        <p:cxnSp>
+          <p:nvCxnSpPr>
+            <p:cNvPr id="35" name="直線矢印コネクタ 34"/>
+            <p:cNvCxnSpPr/>
+            <p:nvPr/>
+          </p:nvCxnSpPr>
+          <p:spPr>
+            <a:xfrm flipH="1" flipV="1">
+              <a:off x="3050462" y="4296958"/>
+              <a:ext cx="13525" cy="308980"/>
+            </a:xfrm>
+            <a:prstGeom prst="straightConnector1">
+              <a:avLst/>
+            </a:prstGeom>
+            <a:ln w="38100">
               <a:solidFill>
                 <a:srgbClr val="0000CC"/>
               </a:solidFill>
-              <a:latin typeface="Meiryo UI" panose="020B0604030504040204" pitchFamily="50" charset="-128"/>
-              <a:ea typeface="Meiryo UI" panose="020B0604030504040204" pitchFamily="50" charset="-128"/>
-            </a:endParaRPr>
-          </a:p>
-        </p:txBody>
-      </p:sp>
-      <p:sp>
-        <p:nvSpPr>
-          <p:cNvPr id="65" name="テキスト ボックス 64"/>
-          <p:cNvSpPr txBox="1"/>
-          <p:nvPr/>
-        </p:nvSpPr>
-        <p:spPr>
-          <a:xfrm>
-            <a:off x="4745622" y="3924777"/>
-            <a:ext cx="1548822" cy="276999"/>
-          </a:xfrm>
-          <a:prstGeom prst="rect">
-            <a:avLst/>
-          </a:prstGeom>
-          <a:noFill/>
-        </p:spPr>
-        <p:txBody>
-          <a:bodyPr wrap="none" rtlCol="0">
-            <a:spAutoFit/>
-          </a:bodyPr>
-          <a:lstStyle/>
-          <a:p>
-            <a:r>
-              <a:rPr kumimoji="1" lang="ja-JP" altLang="en-US" sz="1200" dirty="0" smtClean="0">
-                <a:solidFill>
-                  <a:srgbClr val="0000CC"/>
+              <a:tailEnd type="triangle"/>
+            </a:ln>
+          </p:spPr>
+          <p:style>
+            <a:lnRef idx="1">
+              <a:schemeClr val="accent1"/>
+            </a:lnRef>
+            <a:fillRef idx="0">
+              <a:schemeClr val="accent1"/>
+            </a:fillRef>
+            <a:effectRef idx="0">
+              <a:schemeClr val="accent1"/>
+            </a:effectRef>
+            <a:fontRef idx="minor">
+              <a:schemeClr val="tx1"/>
+            </a:fontRef>
+          </p:style>
+        </p:cxnSp>
+        <p:sp>
+          <p:nvSpPr>
+            <p:cNvPr id="6" name="U ターン矢印 5"/>
+            <p:cNvSpPr/>
+            <p:nvPr/>
+          </p:nvSpPr>
+          <p:spPr>
+            <a:xfrm rot="6601370" flipV="1">
+              <a:off x="4372870" y="2882602"/>
+              <a:ext cx="338516" cy="1109481"/>
+            </a:xfrm>
+            <a:prstGeom prst="uturnArrow">
+              <a:avLst>
+                <a:gd name="adj1" fmla="val 12283"/>
+                <a:gd name="adj2" fmla="val 25000"/>
+                <a:gd name="adj3" fmla="val 25000"/>
+                <a:gd name="adj4" fmla="val 43750"/>
+                <a:gd name="adj5" fmla="val 75000"/>
+              </a:avLst>
+            </a:prstGeom>
+          </p:spPr>
+          <p:style>
+            <a:lnRef idx="2">
+              <a:schemeClr val="accent1">
+                <a:shade val="50000"/>
+              </a:schemeClr>
+            </a:lnRef>
+            <a:fillRef idx="1">
+              <a:schemeClr val="accent1"/>
+            </a:fillRef>
+            <a:effectRef idx="0">
+              <a:schemeClr val="accent1"/>
+            </a:effectRef>
+            <a:fontRef idx="minor">
+              <a:schemeClr val="lt1"/>
+            </a:fontRef>
+          </p:style>
+          <p:txBody>
+            <a:bodyPr rtlCol="0" anchor="ctr"/>
+            <a:lstStyle/>
+            <a:p>
+              <a:pPr algn="ctr"/>
+              <a:endParaRPr kumimoji="1" lang="ja-JP" altLang="en-US" sz="2000">
+                <a:solidFill>
+                  <a:schemeClr val="tx1"/>
                 </a:solidFill>
                 <a:latin typeface="Meiryo UI" panose="020B0604030504040204" pitchFamily="50" charset="-128"/>
                 <a:ea typeface="Meiryo UI" panose="020B0604030504040204" pitchFamily="50" charset="-128"/>
-              </a:rPr>
-              <a:t>汎用的なインタフェース</a:t>
-            </a:r>
-            <a:endParaRPr kumimoji="1" lang="ja-JP" altLang="en-US" sz="1200" dirty="0">
-              <a:solidFill>
-                <a:srgbClr val="0000CC"/>
-              </a:solidFill>
-              <a:latin typeface="Meiryo UI" panose="020B0604030504040204" pitchFamily="50" charset="-128"/>
-              <a:ea typeface="Meiryo UI" panose="020B0604030504040204" pitchFamily="50" charset="-128"/>
-            </a:endParaRPr>
-          </a:p>
-        </p:txBody>
-      </p:sp>
-      <p:sp>
-        <p:nvSpPr>
-          <p:cNvPr id="63" name="テキスト ボックス 62"/>
-          <p:cNvSpPr txBox="1"/>
-          <p:nvPr/>
-        </p:nvSpPr>
-        <p:spPr>
-          <a:xfrm>
-            <a:off x="397498" y="5905273"/>
-            <a:ext cx="9950160" cy="923330"/>
-          </a:xfrm>
-          <a:prstGeom prst="rect">
-            <a:avLst/>
-          </a:prstGeom>
-          <a:noFill/>
-        </p:spPr>
-        <p:txBody>
-          <a:bodyPr wrap="none" rtlCol="0">
-            <a:spAutoFit/>
-          </a:bodyPr>
-          <a:lstStyle/>
-          <a:p>
-            <a:r>
-              <a:rPr kumimoji="1" lang="ja-JP" altLang="en-US" dirty="0" smtClean="0">
-                <a:latin typeface="Meiryo UI" panose="020B0604030504040204" pitchFamily="50" charset="-128"/>
-                <a:ea typeface="Meiryo UI" panose="020B0604030504040204" pitchFamily="50" charset="-128"/>
-              </a:rPr>
-              <a:t>商用ビジネスにおいては、</a:t>
-            </a:r>
-            <a:endParaRPr kumimoji="1" lang="en-US" altLang="ja-JP" dirty="0" smtClean="0">
-              <a:latin typeface="Meiryo UI" panose="020B0604030504040204" pitchFamily="50" charset="-128"/>
-              <a:ea typeface="Meiryo UI" panose="020B0604030504040204" pitchFamily="50" charset="-128"/>
-            </a:endParaRPr>
-          </a:p>
-          <a:p>
-            <a:r>
-              <a:rPr kumimoji="1" lang="ja-JP" altLang="en-US" dirty="0" smtClean="0">
-                <a:latin typeface="Meiryo UI" panose="020B0604030504040204" pitchFamily="50" charset="-128"/>
-                <a:ea typeface="Meiryo UI" panose="020B0604030504040204" pitchFamily="50" charset="-128"/>
-              </a:rPr>
-              <a:t>接続デバイスや可視化ツールも、自由に選択できるよう（パブサブモデル）でのインタフェース設計をしており、</a:t>
-            </a:r>
-            <a:endParaRPr kumimoji="1" lang="en-US" altLang="ja-JP" dirty="0" smtClean="0">
-              <a:latin typeface="Meiryo UI" panose="020B0604030504040204" pitchFamily="50" charset="-128"/>
-              <a:ea typeface="Meiryo UI" panose="020B0604030504040204" pitchFamily="50" charset="-128"/>
-            </a:endParaRPr>
-          </a:p>
-          <a:p>
-            <a:r>
-              <a:rPr kumimoji="1" lang="ja-JP" altLang="en-US" u="sng" dirty="0" smtClean="0">
-                <a:solidFill>
-                  <a:srgbClr val="FF0000"/>
-                </a:solidFill>
-                <a:latin typeface="Meiryo UI" panose="020B0604030504040204" pitchFamily="50" charset="-128"/>
-                <a:ea typeface="Meiryo UI" panose="020B0604030504040204" pitchFamily="50" charset="-128"/>
-              </a:rPr>
-              <a:t>さまざまなシーンで使っていただけることをイメージ</a:t>
-            </a:r>
-            <a:r>
-              <a:rPr kumimoji="1" lang="ja-JP" altLang="en-US" dirty="0" smtClean="0">
-                <a:latin typeface="Meiryo UI" panose="020B0604030504040204" pitchFamily="50" charset="-128"/>
-                <a:ea typeface="Meiryo UI" panose="020B0604030504040204" pitchFamily="50" charset="-128"/>
-              </a:rPr>
-              <a:t>している。</a:t>
-            </a:r>
-            <a:endParaRPr kumimoji="1" lang="en-US" altLang="ja-JP" dirty="0" smtClean="0">
-              <a:latin typeface="Meiryo UI" panose="020B0604030504040204" pitchFamily="50" charset="-128"/>
-              <a:ea typeface="Meiryo UI" panose="020B0604030504040204" pitchFamily="50" charset="-128"/>
-            </a:endParaRPr>
-          </a:p>
-        </p:txBody>
-      </p:sp>
-      <p:sp>
-        <p:nvSpPr>
-          <p:cNvPr id="2" name="正方形/長方形 1"/>
-          <p:cNvSpPr/>
-          <p:nvPr/>
-        </p:nvSpPr>
-        <p:spPr>
-          <a:xfrm>
-            <a:off x="5881111" y="2958199"/>
-            <a:ext cx="2129109" cy="369332"/>
-          </a:xfrm>
-          <a:prstGeom prst="rect">
-            <a:avLst/>
-          </a:prstGeom>
-        </p:spPr>
-        <p:txBody>
-          <a:bodyPr wrap="none">
-            <a:spAutoFit/>
-          </a:bodyPr>
-          <a:lstStyle/>
-          <a:p>
-            <a:r>
-              <a:rPr kumimoji="1" lang="ja-JP" altLang="en-US" b="1" i="1" dirty="0" smtClean="0">
+              </a:endParaRPr>
+            </a:p>
+          </p:txBody>
+        </p:sp>
+        <p:sp>
+          <p:nvSpPr>
+            <p:cNvPr id="42" name="正方形/長方形 41"/>
+            <p:cNvSpPr/>
+            <p:nvPr/>
+          </p:nvSpPr>
+          <p:spPr>
+            <a:xfrm>
+              <a:off x="2673346" y="4341873"/>
+              <a:ext cx="339258" cy="337043"/>
+            </a:xfrm>
+            <a:prstGeom prst="rect">
+              <a:avLst/>
+            </a:prstGeom>
+          </p:spPr>
+          <p:txBody>
+            <a:bodyPr wrap="none">
+              <a:spAutoFit/>
+            </a:bodyPr>
+            <a:lstStyle/>
+            <a:p>
+              <a:r>
+                <a:rPr kumimoji="1" lang="ja-JP" altLang="en-US" sz="2000" b="1" i="1" dirty="0">
+                  <a:solidFill>
+                    <a:srgbClr val="C00000"/>
+                  </a:solidFill>
+                  <a:effectLst>
+                    <a:outerShdw blurRad="38100" dist="38100" dir="2700000" algn="tl">
+                      <a:srgbClr val="000000">
+                        <a:alpha val="43137"/>
+                      </a:srgbClr>
+                    </a:outerShdw>
+                  </a:effectLst>
+                  <a:latin typeface="Meiryo UI" panose="020B0604030504040204" pitchFamily="50" charset="-128"/>
+                  <a:ea typeface="Meiryo UI" panose="020B0604030504040204" pitchFamily="50" charset="-128"/>
+                </a:rPr>
+                <a:t>①</a:t>
+              </a:r>
+              <a:endParaRPr lang="ja-JP" altLang="en-US" sz="2000" b="1" i="1" dirty="0">
                 <a:solidFill>
                   <a:srgbClr val="C00000"/>
                 </a:solidFill>
@@ -8198,222 +7778,69 @@
                 </a:effectLst>
                 <a:latin typeface="Meiryo UI" panose="020B0604030504040204" pitchFamily="50" charset="-128"/>
                 <a:ea typeface="Meiryo UI" panose="020B0604030504040204" pitchFamily="50" charset="-128"/>
-              </a:rPr>
-              <a:t>②</a:t>
-            </a:r>
-            <a:r>
-              <a:rPr kumimoji="1" lang="ja-JP" altLang="en-US" dirty="0" smtClean="0">
+              </a:endParaRPr>
+            </a:p>
+          </p:txBody>
+        </p:sp>
+        <p:sp>
+          <p:nvSpPr>
+            <p:cNvPr id="43" name="正方形/長方形 42"/>
+            <p:cNvSpPr/>
+            <p:nvPr/>
+          </p:nvSpPr>
+          <p:spPr>
+            <a:xfrm>
+              <a:off x="5043814" y="2924391"/>
+              <a:ext cx="1850636" cy="337043"/>
+            </a:xfrm>
+            <a:prstGeom prst="rect">
+              <a:avLst/>
+            </a:prstGeom>
+          </p:spPr>
+          <p:txBody>
+            <a:bodyPr wrap="none">
+              <a:spAutoFit/>
+            </a:bodyPr>
+            <a:lstStyle/>
+            <a:p>
+              <a:r>
+                <a:rPr kumimoji="1" lang="ja-JP" altLang="en-US" sz="2000" b="1" i="1" dirty="0" smtClean="0">
+                  <a:solidFill>
+                    <a:srgbClr val="C00000"/>
+                  </a:solidFill>
+                  <a:effectLst>
+                    <a:outerShdw blurRad="38100" dist="38100" dir="2700000" algn="tl">
+                      <a:srgbClr val="000000">
+                        <a:alpha val="43137"/>
+                      </a:srgbClr>
+                    </a:outerShdw>
+                  </a:effectLst>
+                  <a:latin typeface="Meiryo UI" panose="020B0604030504040204" pitchFamily="50" charset="-128"/>
+                  <a:ea typeface="Meiryo UI" panose="020B0604030504040204" pitchFamily="50" charset="-128"/>
+                </a:rPr>
+                <a:t>③</a:t>
+              </a:r>
+              <a:r>
+                <a:rPr kumimoji="1" lang="ja-JP" altLang="en-US" sz="2000" dirty="0" smtClean="0">
+                  <a:solidFill>
+                    <a:srgbClr val="C00000"/>
+                  </a:solidFill>
+                  <a:latin typeface="Meiryo UI" panose="020B0604030504040204" pitchFamily="50" charset="-128"/>
+                  <a:ea typeface="Meiryo UI" panose="020B0604030504040204" pitchFamily="50" charset="-128"/>
+                </a:rPr>
+                <a:t>可視化、行動提案</a:t>
+              </a:r>
+              <a:endParaRPr lang="ja-JP" altLang="en-US" sz="2000" dirty="0">
                 <a:solidFill>
                   <a:srgbClr val="C00000"/>
                 </a:solidFill>
                 <a:latin typeface="Meiryo UI" panose="020B0604030504040204" pitchFamily="50" charset="-128"/>
                 <a:ea typeface="Meiryo UI" panose="020B0604030504040204" pitchFamily="50" charset="-128"/>
-              </a:rPr>
-              <a:t>リコメンド状態解析</a:t>
-            </a:r>
-            <a:endParaRPr lang="ja-JP" altLang="en-US" dirty="0">
-              <a:solidFill>
-                <a:srgbClr val="C00000"/>
-              </a:solidFill>
-            </a:endParaRPr>
-          </a:p>
-        </p:txBody>
-      </p:sp>
-      <p:cxnSp>
-        <p:nvCxnSpPr>
-          <p:cNvPr id="35" name="直線矢印コネクタ 34"/>
-          <p:cNvCxnSpPr/>
-          <p:nvPr/>
-        </p:nvCxnSpPr>
-        <p:spPr>
-          <a:xfrm flipH="1" flipV="1">
-            <a:off x="6259655" y="4666235"/>
-            <a:ext cx="13525" cy="308980"/>
-          </a:xfrm>
-          <a:prstGeom prst="straightConnector1">
-            <a:avLst/>
-          </a:prstGeom>
-          <a:ln w="38100">
-            <a:solidFill>
-              <a:srgbClr val="0000CC"/>
-            </a:solidFill>
-            <a:tailEnd type="triangle"/>
-          </a:ln>
-        </p:spPr>
-        <p:style>
-          <a:lnRef idx="1">
-            <a:schemeClr val="accent1"/>
-          </a:lnRef>
-          <a:fillRef idx="0">
-            <a:schemeClr val="accent1"/>
-          </a:fillRef>
-          <a:effectRef idx="0">
-            <a:schemeClr val="accent1"/>
-          </a:effectRef>
-          <a:fontRef idx="minor">
-            <a:schemeClr val="tx1"/>
-          </a:fontRef>
-        </p:style>
-      </p:cxnSp>
-      <p:sp>
-        <p:nvSpPr>
-          <p:cNvPr id="6" name="U ターン矢印 5"/>
-          <p:cNvSpPr/>
-          <p:nvPr/>
-        </p:nvSpPr>
-        <p:spPr>
-          <a:xfrm rot="6601370" flipV="1">
-            <a:off x="7582063" y="3251879"/>
-            <a:ext cx="338516" cy="1109481"/>
-          </a:xfrm>
-          <a:prstGeom prst="uturnArrow">
-            <a:avLst>
-              <a:gd name="adj1" fmla="val 12283"/>
-              <a:gd name="adj2" fmla="val 25000"/>
-              <a:gd name="adj3" fmla="val 25000"/>
-              <a:gd name="adj4" fmla="val 43750"/>
-              <a:gd name="adj5" fmla="val 75000"/>
-            </a:avLst>
-          </a:prstGeom>
-        </p:spPr>
-        <p:style>
-          <a:lnRef idx="2">
-            <a:schemeClr val="accent1">
-              <a:shade val="50000"/>
-            </a:schemeClr>
-          </a:lnRef>
-          <a:fillRef idx="1">
-            <a:schemeClr val="accent1"/>
-          </a:fillRef>
-          <a:effectRef idx="0">
-            <a:schemeClr val="accent1"/>
-          </a:effectRef>
-          <a:fontRef idx="minor">
-            <a:schemeClr val="lt1"/>
-          </a:fontRef>
-        </p:style>
-        <p:txBody>
-          <a:bodyPr rtlCol="0" anchor="ctr"/>
-          <a:lstStyle/>
-          <a:p>
-            <a:pPr algn="ctr"/>
-            <a:endParaRPr kumimoji="1" lang="ja-JP" altLang="en-US">
-              <a:solidFill>
-                <a:schemeClr val="tx1"/>
-              </a:solidFill>
-            </a:endParaRPr>
-          </a:p>
-        </p:txBody>
-      </p:sp>
-      <p:sp>
-        <p:nvSpPr>
-          <p:cNvPr id="42" name="正方形/長方形 41"/>
-          <p:cNvSpPr/>
-          <p:nvPr/>
-        </p:nvSpPr>
-        <p:spPr>
-          <a:xfrm>
-            <a:off x="5882539" y="4711150"/>
-            <a:ext cx="415498" cy="369332"/>
-          </a:xfrm>
-          <a:prstGeom prst="rect">
-            <a:avLst/>
-          </a:prstGeom>
-        </p:spPr>
-        <p:txBody>
-          <a:bodyPr wrap="none">
-            <a:spAutoFit/>
-          </a:bodyPr>
-          <a:lstStyle/>
-          <a:p>
-            <a:r>
-              <a:rPr kumimoji="1" lang="ja-JP" altLang="en-US" b="1" i="1" dirty="0">
-                <a:solidFill>
-                  <a:srgbClr val="C00000"/>
-                </a:solidFill>
-                <a:effectLst>
-                  <a:outerShdw blurRad="38100" dist="38100" dir="2700000" algn="tl">
-                    <a:srgbClr val="000000">
-                      <a:alpha val="43137"/>
-                    </a:srgbClr>
-                  </a:outerShdw>
-                </a:effectLst>
-                <a:latin typeface="Meiryo UI" panose="020B0604030504040204" pitchFamily="50" charset="-128"/>
-                <a:ea typeface="Meiryo UI" panose="020B0604030504040204" pitchFamily="50" charset="-128"/>
-              </a:rPr>
-              <a:t>①</a:t>
-            </a:r>
-            <a:endParaRPr lang="ja-JP" altLang="en-US" b="1" i="1" dirty="0">
-              <a:solidFill>
-                <a:srgbClr val="C00000"/>
-              </a:solidFill>
-              <a:effectLst>
-                <a:outerShdw blurRad="38100" dist="38100" dir="2700000" algn="tl">
-                  <a:srgbClr val="000000">
-                    <a:alpha val="43137"/>
-                  </a:srgbClr>
-                </a:outerShdw>
-              </a:effectLst>
-            </a:endParaRPr>
-          </a:p>
-        </p:txBody>
-      </p:sp>
-      <p:sp>
-        <p:nvSpPr>
-          <p:cNvPr id="43" name="正方形/長方形 42"/>
-          <p:cNvSpPr/>
-          <p:nvPr/>
-        </p:nvSpPr>
-        <p:spPr>
-          <a:xfrm>
-            <a:off x="8253007" y="3293668"/>
-            <a:ext cx="2185214" cy="369332"/>
-          </a:xfrm>
-          <a:prstGeom prst="rect">
-            <a:avLst/>
-          </a:prstGeom>
-        </p:spPr>
-        <p:txBody>
-          <a:bodyPr wrap="none">
-            <a:spAutoFit/>
-          </a:bodyPr>
-          <a:lstStyle/>
-          <a:p>
-            <a:r>
-              <a:rPr kumimoji="1" lang="ja-JP" altLang="en-US" b="1" i="1" dirty="0" smtClean="0">
-                <a:solidFill>
-                  <a:srgbClr val="C00000"/>
-                </a:solidFill>
-                <a:effectLst>
-                  <a:outerShdw blurRad="38100" dist="38100" dir="2700000" algn="tl">
-                    <a:srgbClr val="000000">
-                      <a:alpha val="43137"/>
-                    </a:srgbClr>
-                  </a:outerShdw>
-                </a:effectLst>
-                <a:latin typeface="Meiryo UI" panose="020B0604030504040204" pitchFamily="50" charset="-128"/>
-                <a:ea typeface="Meiryo UI" panose="020B0604030504040204" pitchFamily="50" charset="-128"/>
-              </a:rPr>
-              <a:t>③</a:t>
-            </a:r>
-            <a:r>
-              <a:rPr kumimoji="1" lang="ja-JP" altLang="en-US" dirty="0" smtClean="0">
-                <a:solidFill>
-                  <a:srgbClr val="C00000"/>
-                </a:solidFill>
-                <a:latin typeface="Meiryo UI" panose="020B0604030504040204" pitchFamily="50" charset="-128"/>
-                <a:ea typeface="Meiryo UI" panose="020B0604030504040204" pitchFamily="50" charset="-128"/>
-              </a:rPr>
-              <a:t>可視化、行動提案</a:t>
-            </a:r>
-            <a:endParaRPr lang="ja-JP" altLang="en-US" dirty="0">
-              <a:solidFill>
-                <a:srgbClr val="C00000"/>
-              </a:solidFill>
-            </a:endParaRPr>
-          </a:p>
-        </p:txBody>
-      </p:sp>
+              </a:endParaRPr>
+            </a:p>
+          </p:txBody>
+        </p:sp>
+      </p:grpSp>
     </p:spTree>
     <p:extLst>
       <p:ext uri="{BB962C8B-B14F-4D97-AF65-F5344CB8AC3E}">
